--- a/Diapositivas/2_OKRs_Funeles.pptx
+++ b/Diapositivas/2_OKRs_Funeles.pptx
@@ -9,21 +9,21 @@
   </p:notesMasterIdLst>
   <p:sldIdLst>
     <p:sldId id="454" r:id="rId2"/>
-    <p:sldId id="430" r:id="rId3"/>
-    <p:sldId id="432" r:id="rId4"/>
-    <p:sldId id="434" r:id="rId5"/>
-    <p:sldId id="426" r:id="rId6"/>
-    <p:sldId id="427" r:id="rId7"/>
-    <p:sldId id="428" r:id="rId8"/>
-    <p:sldId id="433" r:id="rId9"/>
-    <p:sldId id="436" r:id="rId10"/>
-    <p:sldId id="438" r:id="rId11"/>
-    <p:sldId id="439" r:id="rId12"/>
-    <p:sldId id="440" r:id="rId13"/>
-    <p:sldId id="441" r:id="rId14"/>
-    <p:sldId id="442" r:id="rId15"/>
-    <p:sldId id="443" r:id="rId16"/>
-    <p:sldId id="444" r:id="rId17"/>
+    <p:sldId id="438" r:id="rId3"/>
+    <p:sldId id="439" r:id="rId4"/>
+    <p:sldId id="440" r:id="rId5"/>
+    <p:sldId id="441" r:id="rId6"/>
+    <p:sldId id="442" r:id="rId7"/>
+    <p:sldId id="443" r:id="rId8"/>
+    <p:sldId id="430" r:id="rId9"/>
+    <p:sldId id="432" r:id="rId10"/>
+    <p:sldId id="434" r:id="rId11"/>
+    <p:sldId id="426" r:id="rId12"/>
+    <p:sldId id="427" r:id="rId13"/>
+    <p:sldId id="428" r:id="rId14"/>
+    <p:sldId id="433" r:id="rId15"/>
+    <p:sldId id="436" r:id="rId16"/>
+    <p:sldId id="455" r:id="rId17"/>
   </p:sldIdLst>
   <p:sldSz cx="12192000" cy="6858000"/>
   <p:notesSz cx="6858000" cy="9144000"/>
@@ -132,6 +132,262 @@
 
 <file path=ppt/changesInfos/changesInfo1.xml><?xml version="1.0" encoding="utf-8"?>
 <pc:chgInfo xmlns:a="http://schemas.openxmlformats.org/drawingml/2006/main" xmlns:r="http://schemas.openxmlformats.org/officeDocument/2006/relationships" xmlns:ac="http://schemas.microsoft.com/office/drawing/2013/main/command" xmlns:pc="http://schemas.microsoft.com/office/powerpoint/2013/main/command">
+  <pc:docChgLst>
+    <pc:chgData name="Cesar Augusto Lopez Gallego" userId="0dfa9112-9251-4882-b472-cf2dfcee09d1" providerId="ADAL" clId="{D4E0F906-1755-4B1F-9453-860F7BADFA3E}"/>
+    <pc:docChg chg="undo custSel addSld delSld modSld">
+      <pc:chgData name="Cesar Augusto Lopez Gallego" userId="0dfa9112-9251-4882-b472-cf2dfcee09d1" providerId="ADAL" clId="{D4E0F906-1755-4B1F-9453-860F7BADFA3E}" dt="2025-05-08T23:11:22.516" v="99" actId="20577"/>
+      <pc:docMkLst>
+        <pc:docMk/>
+      </pc:docMkLst>
+      <pc:sldChg chg="modNotesTx">
+        <pc:chgData name="Cesar Augusto Lopez Gallego" userId="0dfa9112-9251-4882-b472-cf2dfcee09d1" providerId="ADAL" clId="{D4E0F906-1755-4B1F-9453-860F7BADFA3E}" dt="2025-05-06T22:24:33.017" v="1"/>
+        <pc:sldMkLst>
+          <pc:docMk/>
+          <pc:sldMk cId="1546938597" sldId="436"/>
+        </pc:sldMkLst>
+      </pc:sldChg>
+      <pc:sldChg chg="del">
+        <pc:chgData name="Cesar Augusto Lopez Gallego" userId="0dfa9112-9251-4882-b472-cf2dfcee09d1" providerId="ADAL" clId="{D4E0F906-1755-4B1F-9453-860F7BADFA3E}" dt="2025-05-08T23:04:57.006" v="15" actId="2696"/>
+        <pc:sldMkLst>
+          <pc:docMk/>
+          <pc:sldMk cId="978785359" sldId="438"/>
+        </pc:sldMkLst>
+      </pc:sldChg>
+      <pc:sldChg chg="add">
+        <pc:chgData name="Cesar Augusto Lopez Gallego" userId="0dfa9112-9251-4882-b472-cf2dfcee09d1" providerId="ADAL" clId="{D4E0F906-1755-4B1F-9453-860F7BADFA3E}" dt="2025-05-08T23:05:03.344" v="16"/>
+        <pc:sldMkLst>
+          <pc:docMk/>
+          <pc:sldMk cId="3694079091" sldId="438"/>
+        </pc:sldMkLst>
+      </pc:sldChg>
+      <pc:sldChg chg="del">
+        <pc:chgData name="Cesar Augusto Lopez Gallego" userId="0dfa9112-9251-4882-b472-cf2dfcee09d1" providerId="ADAL" clId="{D4E0F906-1755-4B1F-9453-860F7BADFA3E}" dt="2025-05-08T23:04:57.006" v="15" actId="2696"/>
+        <pc:sldMkLst>
+          <pc:docMk/>
+          <pc:sldMk cId="2907897016" sldId="439"/>
+        </pc:sldMkLst>
+      </pc:sldChg>
+      <pc:sldChg chg="add">
+        <pc:chgData name="Cesar Augusto Lopez Gallego" userId="0dfa9112-9251-4882-b472-cf2dfcee09d1" providerId="ADAL" clId="{D4E0F906-1755-4B1F-9453-860F7BADFA3E}" dt="2025-05-08T23:05:03.344" v="16"/>
+        <pc:sldMkLst>
+          <pc:docMk/>
+          <pc:sldMk cId="3430917243" sldId="439"/>
+        </pc:sldMkLst>
+      </pc:sldChg>
+      <pc:sldChg chg="del">
+        <pc:chgData name="Cesar Augusto Lopez Gallego" userId="0dfa9112-9251-4882-b472-cf2dfcee09d1" providerId="ADAL" clId="{D4E0F906-1755-4B1F-9453-860F7BADFA3E}" dt="2025-05-08T23:04:57.006" v="15" actId="2696"/>
+        <pc:sldMkLst>
+          <pc:docMk/>
+          <pc:sldMk cId="201777500" sldId="440"/>
+        </pc:sldMkLst>
+      </pc:sldChg>
+      <pc:sldChg chg="add">
+        <pc:chgData name="Cesar Augusto Lopez Gallego" userId="0dfa9112-9251-4882-b472-cf2dfcee09d1" providerId="ADAL" clId="{D4E0F906-1755-4B1F-9453-860F7BADFA3E}" dt="2025-05-08T23:05:03.344" v="16"/>
+        <pc:sldMkLst>
+          <pc:docMk/>
+          <pc:sldMk cId="1073839370" sldId="440"/>
+        </pc:sldMkLst>
+      </pc:sldChg>
+      <pc:sldChg chg="add">
+        <pc:chgData name="Cesar Augusto Lopez Gallego" userId="0dfa9112-9251-4882-b472-cf2dfcee09d1" providerId="ADAL" clId="{D4E0F906-1755-4B1F-9453-860F7BADFA3E}" dt="2025-05-08T23:05:03.344" v="16"/>
+        <pc:sldMkLst>
+          <pc:docMk/>
+          <pc:sldMk cId="1500329213" sldId="441"/>
+        </pc:sldMkLst>
+      </pc:sldChg>
+      <pc:sldChg chg="del">
+        <pc:chgData name="Cesar Augusto Lopez Gallego" userId="0dfa9112-9251-4882-b472-cf2dfcee09d1" providerId="ADAL" clId="{D4E0F906-1755-4B1F-9453-860F7BADFA3E}" dt="2025-05-08T23:04:57.006" v="15" actId="2696"/>
+        <pc:sldMkLst>
+          <pc:docMk/>
+          <pc:sldMk cId="3251641448" sldId="441"/>
+        </pc:sldMkLst>
+      </pc:sldChg>
+      <pc:sldChg chg="add">
+        <pc:chgData name="Cesar Augusto Lopez Gallego" userId="0dfa9112-9251-4882-b472-cf2dfcee09d1" providerId="ADAL" clId="{D4E0F906-1755-4B1F-9453-860F7BADFA3E}" dt="2025-05-08T23:05:03.344" v="16"/>
+        <pc:sldMkLst>
+          <pc:docMk/>
+          <pc:sldMk cId="784424742" sldId="442"/>
+        </pc:sldMkLst>
+      </pc:sldChg>
+      <pc:sldChg chg="del">
+        <pc:chgData name="Cesar Augusto Lopez Gallego" userId="0dfa9112-9251-4882-b472-cf2dfcee09d1" providerId="ADAL" clId="{D4E0F906-1755-4B1F-9453-860F7BADFA3E}" dt="2025-05-08T23:04:57.006" v="15" actId="2696"/>
+        <pc:sldMkLst>
+          <pc:docMk/>
+          <pc:sldMk cId="4057058426" sldId="442"/>
+        </pc:sldMkLst>
+      </pc:sldChg>
+      <pc:sldChg chg="addSp delSp modSp add mod">
+        <pc:chgData name="Cesar Augusto Lopez Gallego" userId="0dfa9112-9251-4882-b472-cf2dfcee09d1" providerId="ADAL" clId="{D4E0F906-1755-4B1F-9453-860F7BADFA3E}" dt="2025-05-08T23:06:41.908" v="51" actId="20577"/>
+        <pc:sldMkLst>
+          <pc:docMk/>
+          <pc:sldMk cId="1714159554" sldId="443"/>
+        </pc:sldMkLst>
+        <pc:spChg chg="mod">
+          <ac:chgData name="Cesar Augusto Lopez Gallego" userId="0dfa9112-9251-4882-b472-cf2dfcee09d1" providerId="ADAL" clId="{D4E0F906-1755-4B1F-9453-860F7BADFA3E}" dt="2025-05-08T23:06:41.908" v="51" actId="20577"/>
+          <ac:spMkLst>
+            <pc:docMk/>
+            <pc:sldMk cId="1714159554" sldId="443"/>
+            <ac:spMk id="2" creationId="{00000000-0000-0000-0000-000000000000}"/>
+          </ac:spMkLst>
+        </pc:spChg>
+        <pc:spChg chg="del">
+          <ac:chgData name="Cesar Augusto Lopez Gallego" userId="0dfa9112-9251-4882-b472-cf2dfcee09d1" providerId="ADAL" clId="{D4E0F906-1755-4B1F-9453-860F7BADFA3E}" dt="2025-05-08T23:05:34.419" v="20" actId="478"/>
+          <ac:spMkLst>
+            <pc:docMk/>
+            <pc:sldMk cId="1714159554" sldId="443"/>
+            <ac:spMk id="10" creationId="{00000000-0000-0000-0000-000000000000}"/>
+          </ac:spMkLst>
+        </pc:spChg>
+        <pc:spChg chg="del">
+          <ac:chgData name="Cesar Augusto Lopez Gallego" userId="0dfa9112-9251-4882-b472-cf2dfcee09d1" providerId="ADAL" clId="{D4E0F906-1755-4B1F-9453-860F7BADFA3E}" dt="2025-05-08T23:05:34.419" v="20" actId="478"/>
+          <ac:spMkLst>
+            <pc:docMk/>
+            <pc:sldMk cId="1714159554" sldId="443"/>
+            <ac:spMk id="14" creationId="{00000000-0000-0000-0000-000000000000}"/>
+          </ac:spMkLst>
+        </pc:spChg>
+        <pc:spChg chg="del">
+          <ac:chgData name="Cesar Augusto Lopez Gallego" userId="0dfa9112-9251-4882-b472-cf2dfcee09d1" providerId="ADAL" clId="{D4E0F906-1755-4B1F-9453-860F7BADFA3E}" dt="2025-05-08T23:05:34.419" v="20" actId="478"/>
+          <ac:spMkLst>
+            <pc:docMk/>
+            <pc:sldMk cId="1714159554" sldId="443"/>
+            <ac:spMk id="15" creationId="{00000000-0000-0000-0000-000000000000}"/>
+          </ac:spMkLst>
+        </pc:spChg>
+        <pc:grpChg chg="del">
+          <ac:chgData name="Cesar Augusto Lopez Gallego" userId="0dfa9112-9251-4882-b472-cf2dfcee09d1" providerId="ADAL" clId="{D4E0F906-1755-4B1F-9453-860F7BADFA3E}" dt="2025-05-08T23:05:34.419" v="20" actId="478"/>
+          <ac:grpSpMkLst>
+            <pc:docMk/>
+            <pc:sldMk cId="1714159554" sldId="443"/>
+            <ac:grpSpMk id="9" creationId="{00000000-0000-0000-0000-000000000000}"/>
+          </ac:grpSpMkLst>
+        </pc:grpChg>
+        <pc:picChg chg="del">
+          <ac:chgData name="Cesar Augusto Lopez Gallego" userId="0dfa9112-9251-4882-b472-cf2dfcee09d1" providerId="ADAL" clId="{D4E0F906-1755-4B1F-9453-860F7BADFA3E}" dt="2025-05-08T23:05:34.419" v="20" actId="478"/>
+          <ac:picMkLst>
+            <pc:docMk/>
+            <pc:sldMk cId="1714159554" sldId="443"/>
+            <ac:picMk id="11" creationId="{00000000-0000-0000-0000-000000000000}"/>
+          </ac:picMkLst>
+        </pc:picChg>
+        <pc:picChg chg="add mod">
+          <ac:chgData name="Cesar Augusto Lopez Gallego" userId="0dfa9112-9251-4882-b472-cf2dfcee09d1" providerId="ADAL" clId="{D4E0F906-1755-4B1F-9453-860F7BADFA3E}" dt="2025-05-08T23:06:19.315" v="28" actId="14100"/>
+          <ac:picMkLst>
+            <pc:docMk/>
+            <pc:sldMk cId="1714159554" sldId="443"/>
+            <ac:picMk id="12" creationId="{4028D870-D3E1-40D6-9D28-54588A556029}"/>
+          </ac:picMkLst>
+        </pc:picChg>
+        <pc:picChg chg="del">
+          <ac:chgData name="Cesar Augusto Lopez Gallego" userId="0dfa9112-9251-4882-b472-cf2dfcee09d1" providerId="ADAL" clId="{D4E0F906-1755-4B1F-9453-860F7BADFA3E}" dt="2025-05-08T23:05:34.419" v="20" actId="478"/>
+          <ac:picMkLst>
+            <pc:docMk/>
+            <pc:sldMk cId="1714159554" sldId="443"/>
+            <ac:picMk id="13" creationId="{00000000-0000-0000-0000-000000000000}"/>
+          </ac:picMkLst>
+        </pc:picChg>
+        <pc:picChg chg="add mod">
+          <ac:chgData name="Cesar Augusto Lopez Gallego" userId="0dfa9112-9251-4882-b472-cf2dfcee09d1" providerId="ADAL" clId="{D4E0F906-1755-4B1F-9453-860F7BADFA3E}" dt="2025-05-08T23:06:13.618" v="26" actId="1076"/>
+          <ac:picMkLst>
+            <pc:docMk/>
+            <pc:sldMk cId="1714159554" sldId="443"/>
+            <ac:picMk id="17" creationId="{227A0FEB-A661-43C8-BD48-49DCB073B464}"/>
+          </ac:picMkLst>
+        </pc:picChg>
+        <pc:picChg chg="add mod">
+          <ac:chgData name="Cesar Augusto Lopez Gallego" userId="0dfa9112-9251-4882-b472-cf2dfcee09d1" providerId="ADAL" clId="{D4E0F906-1755-4B1F-9453-860F7BADFA3E}" dt="2025-05-08T23:06:33.314" v="30" actId="1076"/>
+          <ac:picMkLst>
+            <pc:docMk/>
+            <pc:sldMk cId="1714159554" sldId="443"/>
+            <ac:picMk id="19" creationId="{48FAF2B0-38B7-4AFE-86FA-E47111D8A289}"/>
+          </ac:picMkLst>
+        </pc:picChg>
+      </pc:sldChg>
+      <pc:sldChg chg="del">
+        <pc:chgData name="Cesar Augusto Lopez Gallego" userId="0dfa9112-9251-4882-b472-cf2dfcee09d1" providerId="ADAL" clId="{D4E0F906-1755-4B1F-9453-860F7BADFA3E}" dt="2025-05-08T23:04:57.006" v="15" actId="2696"/>
+        <pc:sldMkLst>
+          <pc:docMk/>
+          <pc:sldMk cId="2268595186" sldId="443"/>
+        </pc:sldMkLst>
+      </pc:sldChg>
+      <pc:sldChg chg="del">
+        <pc:chgData name="Cesar Augusto Lopez Gallego" userId="0dfa9112-9251-4882-b472-cf2dfcee09d1" providerId="ADAL" clId="{D4E0F906-1755-4B1F-9453-860F7BADFA3E}" dt="2025-05-08T23:04:57.006" v="15" actId="2696"/>
+        <pc:sldMkLst>
+          <pc:docMk/>
+          <pc:sldMk cId="345746815" sldId="444"/>
+        </pc:sldMkLst>
+      </pc:sldChg>
+      <pc:sldChg chg="add del">
+        <pc:chgData name="Cesar Augusto Lopez Gallego" userId="0dfa9112-9251-4882-b472-cf2dfcee09d1" providerId="ADAL" clId="{D4E0F906-1755-4B1F-9453-860F7BADFA3E}" dt="2025-05-08T23:06:49.094" v="52" actId="47"/>
+        <pc:sldMkLst>
+          <pc:docMk/>
+          <pc:sldMk cId="2422452770" sldId="444"/>
+        </pc:sldMkLst>
+      </pc:sldChg>
+      <pc:sldChg chg="modSp mod">
+        <pc:chgData name="Cesar Augusto Lopez Gallego" userId="0dfa9112-9251-4882-b472-cf2dfcee09d1" providerId="ADAL" clId="{D4E0F906-1755-4B1F-9453-860F7BADFA3E}" dt="2025-05-08T23:07:40.516" v="95" actId="20577"/>
+        <pc:sldMkLst>
+          <pc:docMk/>
+          <pc:sldMk cId="2499722224" sldId="454"/>
+        </pc:sldMkLst>
+        <pc:spChg chg="mod">
+          <ac:chgData name="Cesar Augusto Lopez Gallego" userId="0dfa9112-9251-4882-b472-cf2dfcee09d1" providerId="ADAL" clId="{D4E0F906-1755-4B1F-9453-860F7BADFA3E}" dt="2025-05-08T23:07:40.516" v="95" actId="20577"/>
+          <ac:spMkLst>
+            <pc:docMk/>
+            <pc:sldMk cId="2499722224" sldId="454"/>
+            <ac:spMk id="6" creationId="{DA83D4BB-FE71-44ED-A40C-A2EA7D259CC6}"/>
+          </ac:spMkLst>
+        </pc:spChg>
+      </pc:sldChg>
+      <pc:sldChg chg="addSp delSp modSp new mod">
+        <pc:chgData name="Cesar Augusto Lopez Gallego" userId="0dfa9112-9251-4882-b472-cf2dfcee09d1" providerId="ADAL" clId="{D4E0F906-1755-4B1F-9453-860F7BADFA3E}" dt="2025-05-08T23:11:22.516" v="99" actId="20577"/>
+        <pc:sldMkLst>
+          <pc:docMk/>
+          <pc:sldMk cId="1276971801" sldId="455"/>
+        </pc:sldMkLst>
+        <pc:spChg chg="del">
+          <ac:chgData name="Cesar Augusto Lopez Gallego" userId="0dfa9112-9251-4882-b472-cf2dfcee09d1" providerId="ADAL" clId="{D4E0F906-1755-4B1F-9453-860F7BADFA3E}" dt="2025-05-06T22:25:39.376" v="3" actId="478"/>
+          <ac:spMkLst>
+            <pc:docMk/>
+            <pc:sldMk cId="1276971801" sldId="455"/>
+            <ac:spMk id="2" creationId="{D724BC8E-3B92-4353-B333-7E55FD41E0B7}"/>
+          </ac:spMkLst>
+        </pc:spChg>
+        <pc:spChg chg="del">
+          <ac:chgData name="Cesar Augusto Lopez Gallego" userId="0dfa9112-9251-4882-b472-cf2dfcee09d1" providerId="ADAL" clId="{D4E0F906-1755-4B1F-9453-860F7BADFA3E}" dt="2025-05-06T22:25:39.376" v="3" actId="478"/>
+          <ac:spMkLst>
+            <pc:docMk/>
+            <pc:sldMk cId="1276971801" sldId="455"/>
+            <ac:spMk id="3" creationId="{EDFA753C-9EDB-4F94-81AE-24459B488DB5}"/>
+          </ac:spMkLst>
+        </pc:spChg>
+        <pc:spChg chg="add mod">
+          <ac:chgData name="Cesar Augusto Lopez Gallego" userId="0dfa9112-9251-4882-b472-cf2dfcee09d1" providerId="ADAL" clId="{D4E0F906-1755-4B1F-9453-860F7BADFA3E}" dt="2025-05-08T23:11:22.516" v="99" actId="20577"/>
+          <ac:spMkLst>
+            <pc:docMk/>
+            <pc:sldMk cId="1276971801" sldId="455"/>
+            <ac:spMk id="9" creationId="{8CC40243-4C05-4B09-8D78-98F027AD10B8}"/>
+          </ac:spMkLst>
+        </pc:spChg>
+        <pc:picChg chg="add mod">
+          <ac:chgData name="Cesar Augusto Lopez Gallego" userId="0dfa9112-9251-4882-b472-cf2dfcee09d1" providerId="ADAL" clId="{D4E0F906-1755-4B1F-9453-860F7BADFA3E}" dt="2025-05-06T22:26:55.604" v="8" actId="1076"/>
+          <ac:picMkLst>
+            <pc:docMk/>
+            <pc:sldMk cId="1276971801" sldId="455"/>
+            <ac:picMk id="5" creationId="{4A033ECC-112B-48A3-BCFB-50A3D3DE0EE1}"/>
+          </ac:picMkLst>
+        </pc:picChg>
+        <pc:picChg chg="add del">
+          <ac:chgData name="Cesar Augusto Lopez Gallego" userId="0dfa9112-9251-4882-b472-cf2dfcee09d1" providerId="ADAL" clId="{D4E0F906-1755-4B1F-9453-860F7BADFA3E}" dt="2025-05-06T22:26:59.708" v="10" actId="22"/>
+          <ac:picMkLst>
+            <pc:docMk/>
+            <pc:sldMk cId="1276971801" sldId="455"/>
+            <ac:picMk id="7" creationId="{9367B686-F0F4-463E-9A55-DD7A2BB877A2}"/>
+          </ac:picMkLst>
+        </pc:picChg>
+      </pc:sldChg>
+    </pc:docChg>
+  </pc:docChgLst>
   <pc:docChgLst>
     <pc:chgData name="Cesar Augusto" userId="0dfa9112-9251-4882-b472-cf2dfcee09d1" providerId="ADAL" clId="{06E7DAEE-A768-4529-805C-929AB6E77D58}"/>
     <pc:docChg chg="addSld delSld modSld">
@@ -719,7 +975,7 @@
           <a:p>
             <a:fld id="{7E45849E-016E-42F0-8ABB-364CAD932BB7}" type="datetimeFigureOut">
               <a:rPr lang="es-CO" smtClean="0"/>
-              <a:t>16/10/2024</a:t>
+              <a:t>8/05/2025</a:t>
             </a:fld>
             <a:endParaRPr lang="es-CO"/>
           </a:p>
@@ -1340,7 +1596,7 @@
                 <a:tabLst/>
                 <a:defRPr/>
               </a:pPr>
-              <a:t>3</a:t>
+              <a:t>9</a:t>
             </a:fld>
             <a:endParaRPr kumimoji="0" lang="es-CO" sz="1200" b="0" i="0" u="none" strike="noStrike" kern="1200" cap="none" spc="0" normalizeH="0" baseline="0" noProof="0">
               <a:ln>
@@ -1508,7 +1764,7 @@
                 <a:tabLst/>
                 <a:defRPr/>
               </a:pPr>
-              <a:t>4</a:t>
+              <a:t>10</a:t>
             </a:fld>
             <a:endParaRPr kumimoji="0" lang="es-CO" sz="1200" b="0" i="0" u="none" strike="noStrike" kern="1200" cap="none" spc="0" normalizeH="0" baseline="0" noProof="0">
               <a:ln>
@@ -1690,7 +1946,7 @@
                 <a:tabLst/>
                 <a:defRPr/>
               </a:pPr>
-              <a:t>8</a:t>
+              <a:t>14</a:t>
             </a:fld>
             <a:endParaRPr kumimoji="0" lang="es-CO" sz="1200" b="0" i="0" u="none" strike="noStrike" kern="1200" cap="none" spc="0" normalizeH="0" baseline="0" noProof="0">
               <a:ln>
@@ -1767,44 +2023,9 @@
           <a:lstStyle/>
           <a:p>
             <a:r>
-              <a:rPr lang="es-ES" sz="1200" b="1" i="0" kern="1200" dirty="0">
-                <a:solidFill>
-                  <a:schemeClr val="tx1"/>
-                </a:solidFill>
-                <a:effectLst/>
-                <a:latin typeface="+mn-lt"/>
-                <a:ea typeface="+mn-ea"/>
-                <a:cs typeface="+mn-cs"/>
-              </a:rPr>
-              <a:t>NPS</a:t>
-            </a:r>
-            <a:r>
-              <a:rPr lang="es-ES" sz="1200" b="0" i="0" kern="1200" dirty="0">
-                <a:solidFill>
-                  <a:schemeClr val="tx1"/>
-                </a:solidFill>
-                <a:effectLst/>
-                <a:latin typeface="+mn-lt"/>
-                <a:ea typeface="+mn-ea"/>
-                <a:cs typeface="+mn-cs"/>
-              </a:rPr>
-              <a:t>, indicador para medir la lealtad del cliente y una marca comercial registrada basándose en recomendaciones</a:t>
-            </a:r>
-          </a:p>
-          <a:p>
-            <a:r>
-              <a:rPr lang="es-ES" sz="1200" b="0" i="0" kern="1200" dirty="0">
-                <a:solidFill>
-                  <a:schemeClr val="tx1"/>
-                </a:solidFill>
-                <a:effectLst/>
-                <a:latin typeface="+mn-lt"/>
-                <a:ea typeface="+mn-ea"/>
-                <a:cs typeface="+mn-cs"/>
-              </a:rPr>
-              <a:t>¿Cuán probable es que recomiende el producto o servicio a un familiar o amigo?</a:t>
-            </a:r>
-            <a:endParaRPr lang="es-CO" dirty="0"/>
+              <a:rPr lang="es-CO" dirty="0"/>
+              <a:t>https://app.clickup.com/</a:t>
+            </a:r>
           </a:p>
         </p:txBody>
       </p:sp>
@@ -1872,7 +2093,7 @@
                 <a:tabLst/>
                 <a:defRPr/>
               </a:pPr>
-              <a:t>9</a:t>
+              <a:t>15</a:t>
             </a:fld>
             <a:endParaRPr kumimoji="0" lang="es-CO" sz="1200" b="0" i="0" u="none" strike="noStrike" kern="1200" cap="none" spc="0" normalizeH="0" baseline="0" noProof="0">
               <a:ln>
@@ -3172,7 +3393,7 @@
           <a:p>
             <a:fld id="{6B86245D-015E-46AE-96CC-32E8A5E9A1DF}" type="datetimeFigureOut">
               <a:rPr lang="es-CO" smtClean="0"/>
-              <a:t>16/10/2024</a:t>
+              <a:t>8/05/2025</a:t>
             </a:fld>
             <a:endParaRPr lang="es-CO"/>
           </a:p>
@@ -3342,7 +3563,7 @@
           <a:p>
             <a:fld id="{6B86245D-015E-46AE-96CC-32E8A5E9A1DF}" type="datetimeFigureOut">
               <a:rPr lang="es-CO" smtClean="0"/>
-              <a:t>16/10/2024</a:t>
+              <a:t>8/05/2025</a:t>
             </a:fld>
             <a:endParaRPr lang="es-CO"/>
           </a:p>
@@ -3574,7 +3795,7 @@
           <a:p>
             <a:fld id="{6B86245D-015E-46AE-96CC-32E8A5E9A1DF}" type="datetimeFigureOut">
               <a:rPr lang="es-CO" smtClean="0"/>
-              <a:t>16/10/2024</a:t>
+              <a:t>8/05/2025</a:t>
             </a:fld>
             <a:endParaRPr lang="es-CO"/>
           </a:p>
@@ -3766,7 +3987,7 @@
           <a:p>
             <a:fld id="{6B86245D-015E-46AE-96CC-32E8A5E9A1DF}" type="datetimeFigureOut">
               <a:rPr lang="es-CO" smtClean="0"/>
-              <a:t>16/10/2024</a:t>
+              <a:t>8/05/2025</a:t>
             </a:fld>
             <a:endParaRPr lang="es-CO"/>
           </a:p>
@@ -5254,9 +5475,18 @@
           <a:lstStyle/>
           <a:p>
             <a:r>
+              <a:rPr lang="es-CO" dirty="0" err="1"/>
+              <a:t>Funnels</a:t>
+            </a:r>
+            <a:r>
               <a:rPr lang="es-CO" dirty="0"/>
-              <a:t>Visualización de Indicadores</a:t>
-            </a:r>
+              <a:t> &amp; </a:t>
+            </a:r>
+            <a:r>
+              <a:rPr lang="es-CO" dirty="0" err="1"/>
+              <a:t>OKRs</a:t>
+            </a:r>
+            <a:endParaRPr lang="es-CO" dirty="0"/>
           </a:p>
         </p:txBody>
       </p:sp>
@@ -5299,2963 +5529,6 @@
 </file>
 
 <file path=ppt/slides/slide10.xml><?xml version="1.0" encoding="utf-8"?>
-<p:sld xmlns:a="http://schemas.openxmlformats.org/drawingml/2006/main" xmlns:r="http://schemas.openxmlformats.org/officeDocument/2006/relationships" xmlns:p="http://schemas.openxmlformats.org/presentationml/2006/main">
-  <p:cSld>
-    <p:spTree>
-      <p:nvGrpSpPr>
-        <p:cNvPr id="1" name=""/>
-        <p:cNvGrpSpPr/>
-        <p:nvPr/>
-      </p:nvGrpSpPr>
-      <p:grpSpPr>
-        <a:xfrm>
-          <a:off x="0" y="0"/>
-          <a:ext cx="0" cy="0"/>
-          <a:chOff x="0" y="0"/>
-          <a:chExt cx="0" cy="0"/>
-        </a:xfrm>
-      </p:grpSpPr>
-      <p:sp>
-        <p:nvSpPr>
-          <p:cNvPr id="4" name="Título 3"/>
-          <p:cNvSpPr>
-            <a:spLocks noGrp="1"/>
-          </p:cNvSpPr>
-          <p:nvPr>
-            <p:ph type="ctrTitle"/>
-          </p:nvPr>
-        </p:nvSpPr>
-        <p:spPr>
-          <a:xfrm>
-            <a:off x="1012197" y="2273776"/>
-            <a:ext cx="5480853" cy="1716334"/>
-          </a:xfrm>
-        </p:spPr>
-        <p:txBody>
-          <a:bodyPr>
-            <a:noAutofit/>
-          </a:bodyPr>
-          <a:lstStyle/>
-          <a:p>
-            <a:r>
-              <a:rPr lang="es-ES" sz="3177" b="1" dirty="0"/>
-              <a:t>Introducción a los Indicadores para medir aspectos del comercio electrónico</a:t>
-            </a:r>
-            <a:endParaRPr lang="es-CO" sz="3177" b="1" dirty="0"/>
-          </a:p>
-        </p:txBody>
-      </p:sp>
-      <p:pic>
-        <p:nvPicPr>
-          <p:cNvPr id="6" name="Imagen 5"/>
-          <p:cNvPicPr>
-            <a:picLocks noChangeAspect="1"/>
-          </p:cNvPicPr>
-          <p:nvPr/>
-        </p:nvPicPr>
-        <p:blipFill>
-          <a:blip r:embed="rId2"/>
-          <a:stretch>
-            <a:fillRect/>
-          </a:stretch>
-        </p:blipFill>
-        <p:spPr>
-          <a:xfrm>
-            <a:off x="7018776" y="1217588"/>
-            <a:ext cx="3597088" cy="4076140"/>
-          </a:xfrm>
-          <a:prstGeom prst="rect">
-            <a:avLst/>
-          </a:prstGeom>
-        </p:spPr>
-      </p:pic>
-    </p:spTree>
-    <p:extLst>
-      <p:ext uri="{BB962C8B-B14F-4D97-AF65-F5344CB8AC3E}">
-        <p14:creationId xmlns:p14="http://schemas.microsoft.com/office/powerpoint/2010/main" val="978785359"/>
-      </p:ext>
-    </p:extLst>
-  </p:cSld>
-  <p:clrMapOvr>
-    <a:masterClrMapping/>
-  </p:clrMapOvr>
-</p:sld>
-</file>
-
-<file path=ppt/slides/slide11.xml><?xml version="1.0" encoding="utf-8"?>
-<p:sld xmlns:a="http://schemas.openxmlformats.org/drawingml/2006/main" xmlns:r="http://schemas.openxmlformats.org/officeDocument/2006/relationships" xmlns:p="http://schemas.openxmlformats.org/presentationml/2006/main">
-  <p:cSld>
-    <p:spTree>
-      <p:nvGrpSpPr>
-        <p:cNvPr id="1" name=""/>
-        <p:cNvGrpSpPr/>
-        <p:nvPr/>
-      </p:nvGrpSpPr>
-      <p:grpSpPr>
-        <a:xfrm>
-          <a:off x="0" y="0"/>
-          <a:ext cx="0" cy="0"/>
-          <a:chOff x="0" y="0"/>
-          <a:chExt cx="0" cy="0"/>
-        </a:xfrm>
-      </p:grpSpPr>
-      <p:sp>
-        <p:nvSpPr>
-          <p:cNvPr id="2" name="Título 1"/>
-          <p:cNvSpPr>
-            <a:spLocks noGrp="1"/>
-          </p:cNvSpPr>
-          <p:nvPr>
-            <p:ph type="title"/>
-          </p:nvPr>
-        </p:nvSpPr>
-        <p:spPr>
-          <a:xfrm>
-            <a:off x="838200" y="365126"/>
-            <a:ext cx="9377006" cy="1325563"/>
-          </a:xfrm>
-        </p:spPr>
-        <p:txBody>
-          <a:bodyPr/>
-          <a:lstStyle/>
-          <a:p>
-            <a:r>
-              <a:rPr lang="es-ES" dirty="0"/>
-              <a:t>Qué es un </a:t>
-            </a:r>
-            <a:r>
-              <a:rPr lang="es-ES" dirty="0" err="1"/>
-              <a:t>Funnel</a:t>
-            </a:r>
-            <a:r>
-              <a:rPr lang="es-ES" dirty="0"/>
-              <a:t>?</a:t>
-            </a:r>
-            <a:endParaRPr lang="es-CO" dirty="0"/>
-          </a:p>
-        </p:txBody>
-      </p:sp>
-      <p:sp>
-        <p:nvSpPr>
-          <p:cNvPr id="3" name="Marcador de contenido 2"/>
-          <p:cNvSpPr>
-            <a:spLocks noGrp="1"/>
-          </p:cNvSpPr>
-          <p:nvPr>
-            <p:ph idx="1"/>
-          </p:nvPr>
-        </p:nvSpPr>
-        <p:spPr>
-          <a:xfrm>
-            <a:off x="838200" y="1690689"/>
-            <a:ext cx="4371965" cy="4558774"/>
-          </a:xfrm>
-        </p:spPr>
-        <p:txBody>
-          <a:bodyPr>
-            <a:normAutofit fontScale="70000" lnSpcReduction="20000"/>
-          </a:bodyPr>
-          <a:lstStyle/>
-          <a:p>
-            <a:pPr marL="0" indent="0">
-              <a:buNone/>
-            </a:pPr>
-            <a:r>
-              <a:rPr lang="es-ES" dirty="0" err="1"/>
-              <a:t>Funnel</a:t>
-            </a:r>
-            <a:endParaRPr lang="es-ES" dirty="0"/>
-          </a:p>
-          <a:p>
-            <a:r>
-              <a:rPr lang="es-ES" dirty="0"/>
-              <a:t>El </a:t>
-            </a:r>
-            <a:r>
-              <a:rPr lang="es-ES" dirty="0" err="1"/>
-              <a:t>Funnel</a:t>
-            </a:r>
-            <a:r>
-              <a:rPr lang="es-ES" dirty="0"/>
-              <a:t> es un tipo de método analítico que muestra los pasos importantes del </a:t>
-            </a:r>
-            <a:r>
-              <a:rPr lang="es-ES" dirty="0" err="1"/>
-              <a:t>journey</a:t>
-            </a:r>
-            <a:r>
-              <a:rPr lang="es-ES" dirty="0"/>
-              <a:t> del cliente</a:t>
-            </a:r>
-          </a:p>
-          <a:p>
-            <a:r>
-              <a:rPr lang="es-ES" dirty="0"/>
-              <a:t>Ayuda a comprender el porcentaje de usuarios que permanecen o abandonan en un paso determinado</a:t>
-            </a:r>
-          </a:p>
-          <a:p>
-            <a:pPr marL="0" indent="0">
-              <a:buNone/>
-            </a:pPr>
-            <a:r>
-              <a:rPr lang="es-CO" sz="2559" i="1" dirty="0"/>
-              <a:t>Fuente: </a:t>
-            </a:r>
-            <a:r>
-              <a:rPr lang="es-CO" sz="2559" i="1" dirty="0" err="1"/>
-              <a:t>Tomi</a:t>
-            </a:r>
-            <a:r>
-              <a:rPr lang="es-CO" sz="2559" i="1" dirty="0"/>
-              <a:t> Mester, data36.com</a:t>
-            </a:r>
-            <a:endParaRPr lang="es-CO" sz="2559" dirty="0"/>
-          </a:p>
-          <a:p>
-            <a:pPr marL="0" indent="0">
-              <a:buNone/>
-            </a:pPr>
-            <a:endParaRPr lang="es-ES" dirty="0"/>
-          </a:p>
-          <a:p>
-            <a:pPr marL="0" indent="0">
-              <a:buNone/>
-            </a:pPr>
-            <a:r>
-              <a:rPr lang="es-ES" dirty="0" err="1"/>
-              <a:t>Funnel</a:t>
-            </a:r>
-            <a:r>
-              <a:rPr lang="es-ES" dirty="0"/>
-              <a:t> de Ventas</a:t>
-            </a:r>
-          </a:p>
-          <a:p>
-            <a:r>
-              <a:rPr lang="es-ES" dirty="0"/>
-              <a:t>Camino que recorre un cliente desde que te conoce por primera vez hasta que te acaba comprando por primera, segunda o n veces.</a:t>
-            </a:r>
-          </a:p>
-          <a:p>
-            <a:pPr marL="0" indent="0">
-              <a:buNone/>
-            </a:pPr>
-            <a:r>
-              <a:rPr lang="es-CO" sz="2559" i="1" dirty="0"/>
-              <a:t>Fuente: Alfonso Prim, innokabi.com</a:t>
-            </a:r>
-            <a:endParaRPr lang="es-CO" sz="2559" dirty="0"/>
-          </a:p>
-          <a:p>
-            <a:pPr marL="0" indent="0">
-              <a:buNone/>
-            </a:pPr>
-            <a:endParaRPr lang="es-ES" dirty="0"/>
-          </a:p>
-        </p:txBody>
-      </p:sp>
-      <p:pic>
-        <p:nvPicPr>
-          <p:cNvPr id="6" name="Imagen 5"/>
-          <p:cNvPicPr>
-            <a:picLocks noChangeAspect="1"/>
-          </p:cNvPicPr>
-          <p:nvPr/>
-        </p:nvPicPr>
-        <p:blipFill>
-          <a:blip r:embed="rId2"/>
-          <a:stretch>
-            <a:fillRect/>
-          </a:stretch>
-        </p:blipFill>
-        <p:spPr>
-          <a:xfrm>
-            <a:off x="5326589" y="2211928"/>
-            <a:ext cx="2855985" cy="3107983"/>
-          </a:xfrm>
-          <a:prstGeom prst="rect">
-            <a:avLst/>
-          </a:prstGeom>
-        </p:spPr>
-      </p:pic>
-      <p:sp>
-        <p:nvSpPr>
-          <p:cNvPr id="7" name="Rectángulo 6"/>
-          <p:cNvSpPr/>
-          <p:nvPr/>
-        </p:nvSpPr>
-        <p:spPr>
-          <a:xfrm>
-            <a:off x="6361522" y="5319911"/>
-            <a:ext cx="3575018" cy="309637"/>
-          </a:xfrm>
-          <a:prstGeom prst="rect">
-            <a:avLst/>
-          </a:prstGeom>
-        </p:spPr>
-        <p:txBody>
-          <a:bodyPr wrap="none">
-            <a:spAutoFit/>
-          </a:bodyPr>
-          <a:lstStyle/>
-          <a:p>
-            <a:pPr defTabSz="403433"/>
-            <a:r>
-              <a:rPr lang="es-CO" sz="1412" i="1" dirty="0" err="1">
-                <a:solidFill>
-                  <a:srgbClr val="333333"/>
-                </a:solidFill>
-                <a:latin typeface="Lato"/>
-              </a:rPr>
-              <a:t>Dave</a:t>
-            </a:r>
-            <a:r>
-              <a:rPr lang="es-CO" sz="1412" i="1" dirty="0">
-                <a:solidFill>
-                  <a:srgbClr val="333333"/>
-                </a:solidFill>
-                <a:latin typeface="Lato"/>
-              </a:rPr>
-              <a:t> </a:t>
-            </a:r>
-            <a:r>
-              <a:rPr lang="es-CO" sz="1412" i="1" dirty="0" err="1">
-                <a:solidFill>
-                  <a:srgbClr val="333333"/>
-                </a:solidFill>
-                <a:latin typeface="Lato"/>
-              </a:rPr>
-              <a:t>McClure</a:t>
-            </a:r>
-            <a:r>
-              <a:rPr lang="es-CO" sz="1412" i="1" dirty="0">
-                <a:solidFill>
-                  <a:srgbClr val="333333"/>
-                </a:solidFill>
-                <a:latin typeface="Lato"/>
-              </a:rPr>
-              <a:t> AARRR </a:t>
-            </a:r>
-            <a:r>
-              <a:rPr lang="es-CO" sz="1412" i="1" dirty="0" err="1">
-                <a:solidFill>
-                  <a:srgbClr val="333333"/>
-                </a:solidFill>
-                <a:latin typeface="Lato"/>
-              </a:rPr>
-              <a:t>Simplest</a:t>
-            </a:r>
-            <a:r>
-              <a:rPr lang="es-CO" sz="1412" i="1" dirty="0">
-                <a:solidFill>
-                  <a:srgbClr val="333333"/>
-                </a:solidFill>
-                <a:latin typeface="Lato"/>
-              </a:rPr>
-              <a:t> </a:t>
-            </a:r>
-            <a:r>
-              <a:rPr lang="es-CO" sz="1412" i="1" dirty="0" err="1">
-                <a:solidFill>
-                  <a:srgbClr val="333333"/>
-                </a:solidFill>
-                <a:latin typeface="Lato"/>
-              </a:rPr>
-              <a:t>Funnel</a:t>
-            </a:r>
-            <a:r>
-              <a:rPr lang="es-CO" sz="1412" i="1" dirty="0">
-                <a:solidFill>
-                  <a:srgbClr val="333333"/>
-                </a:solidFill>
-                <a:latin typeface="Lato"/>
-              </a:rPr>
-              <a:t> </a:t>
-            </a:r>
-            <a:r>
-              <a:rPr lang="es-CO" sz="1412" i="1" dirty="0" err="1">
-                <a:solidFill>
-                  <a:srgbClr val="333333"/>
-                </a:solidFill>
-                <a:latin typeface="Lato"/>
-              </a:rPr>
-              <a:t>model</a:t>
-            </a:r>
-            <a:endParaRPr lang="es-CO" sz="1412" dirty="0">
-              <a:solidFill>
-                <a:prstClr val="black"/>
-              </a:solidFill>
-              <a:latin typeface="Calibri" panose="020F0502020204030204"/>
-            </a:endParaRPr>
-          </a:p>
-        </p:txBody>
-      </p:sp>
-      <p:sp>
-        <p:nvSpPr>
-          <p:cNvPr id="8" name="Rectángulo 7"/>
-          <p:cNvSpPr/>
-          <p:nvPr/>
-        </p:nvSpPr>
-        <p:spPr>
-          <a:xfrm>
-            <a:off x="8182574" y="2338421"/>
-            <a:ext cx="3195006" cy="451274"/>
-          </a:xfrm>
-          <a:prstGeom prst="rect">
-            <a:avLst/>
-          </a:prstGeom>
-        </p:spPr>
-        <p:style>
-          <a:lnRef idx="2">
-            <a:schemeClr val="dk1"/>
-          </a:lnRef>
-          <a:fillRef idx="1">
-            <a:schemeClr val="lt1"/>
-          </a:fillRef>
-          <a:effectRef idx="0">
-            <a:schemeClr val="dk1"/>
-          </a:effectRef>
-          <a:fontRef idx="minor">
-            <a:schemeClr val="dk1"/>
-          </a:fontRef>
-        </p:style>
-        <p:txBody>
-          <a:bodyPr rtlCol="0" anchor="ctr"/>
-          <a:lstStyle/>
-          <a:p>
-            <a:pPr algn="ctr" defTabSz="403433"/>
-            <a:r>
-              <a:rPr lang="es-ES" sz="1412" dirty="0">
-                <a:solidFill>
-                  <a:prstClr val="black"/>
-                </a:solidFill>
-                <a:latin typeface="Calibri" panose="020F0502020204030204"/>
-              </a:rPr>
-              <a:t>Cantidad de Usuarios en la </a:t>
-            </a:r>
-            <a:r>
-              <a:rPr lang="es-ES" sz="1412" dirty="0" err="1">
-                <a:solidFill>
-                  <a:prstClr val="black"/>
-                </a:solidFill>
-                <a:latin typeface="Calibri" panose="020F0502020204030204"/>
-              </a:rPr>
-              <a:t>landing</a:t>
-            </a:r>
-            <a:r>
-              <a:rPr lang="es-ES" sz="1412" dirty="0">
-                <a:solidFill>
-                  <a:prstClr val="black"/>
-                </a:solidFill>
-                <a:latin typeface="Calibri" panose="020F0502020204030204"/>
-              </a:rPr>
-              <a:t> page</a:t>
-            </a:r>
-            <a:endParaRPr lang="es-CO" sz="1412" dirty="0">
-              <a:solidFill>
-                <a:prstClr val="black"/>
-              </a:solidFill>
-              <a:latin typeface="Calibri" panose="020F0502020204030204"/>
-            </a:endParaRPr>
-          </a:p>
-        </p:txBody>
-      </p:sp>
-      <p:sp>
-        <p:nvSpPr>
-          <p:cNvPr id="9" name="Rectángulo 8"/>
-          <p:cNvSpPr/>
-          <p:nvPr/>
-        </p:nvSpPr>
-        <p:spPr>
-          <a:xfrm>
-            <a:off x="8180297" y="2910489"/>
-            <a:ext cx="3195006" cy="451274"/>
-          </a:xfrm>
-          <a:prstGeom prst="rect">
-            <a:avLst/>
-          </a:prstGeom>
-        </p:spPr>
-        <p:style>
-          <a:lnRef idx="2">
-            <a:schemeClr val="accent1"/>
-          </a:lnRef>
-          <a:fillRef idx="1">
-            <a:schemeClr val="lt1"/>
-          </a:fillRef>
-          <a:effectRef idx="0">
-            <a:schemeClr val="accent1"/>
-          </a:effectRef>
-          <a:fontRef idx="minor">
-            <a:schemeClr val="dk1"/>
-          </a:fontRef>
-        </p:style>
-        <p:txBody>
-          <a:bodyPr rtlCol="0" anchor="ctr"/>
-          <a:lstStyle/>
-          <a:p>
-            <a:pPr algn="ctr" defTabSz="403433"/>
-            <a:r>
-              <a:rPr lang="es-ES" sz="1412" dirty="0">
-                <a:solidFill>
-                  <a:prstClr val="black"/>
-                </a:solidFill>
-                <a:latin typeface="Calibri" panose="020F0502020204030204"/>
-              </a:rPr>
-              <a:t>Cantidad de usuarios que comienzan a ver el producto</a:t>
-            </a:r>
-            <a:endParaRPr lang="es-CO" sz="1412" dirty="0">
-              <a:solidFill>
-                <a:prstClr val="black"/>
-              </a:solidFill>
-              <a:latin typeface="Calibri" panose="020F0502020204030204"/>
-            </a:endParaRPr>
-          </a:p>
-        </p:txBody>
-      </p:sp>
-      <p:sp>
-        <p:nvSpPr>
-          <p:cNvPr id="10" name="Rectángulo 9"/>
-          <p:cNvSpPr/>
-          <p:nvPr/>
-        </p:nvSpPr>
-        <p:spPr>
-          <a:xfrm>
-            <a:off x="8180297" y="3518802"/>
-            <a:ext cx="3195006" cy="451274"/>
-          </a:xfrm>
-          <a:prstGeom prst="rect">
-            <a:avLst/>
-          </a:prstGeom>
-        </p:spPr>
-        <p:style>
-          <a:lnRef idx="2">
-            <a:schemeClr val="accent2"/>
-          </a:lnRef>
-          <a:fillRef idx="1">
-            <a:schemeClr val="lt1"/>
-          </a:fillRef>
-          <a:effectRef idx="0">
-            <a:schemeClr val="accent2"/>
-          </a:effectRef>
-          <a:fontRef idx="minor">
-            <a:schemeClr val="dk1"/>
-          </a:fontRef>
-        </p:style>
-        <p:txBody>
-          <a:bodyPr rtlCol="0" anchor="ctr"/>
-          <a:lstStyle/>
-          <a:p>
-            <a:pPr algn="ctr" defTabSz="403433"/>
-            <a:r>
-              <a:rPr lang="es-ES" sz="1412" dirty="0">
-                <a:solidFill>
-                  <a:prstClr val="black"/>
-                </a:solidFill>
-                <a:latin typeface="Calibri" panose="020F0502020204030204"/>
-              </a:rPr>
-              <a:t>Cantidad de usuarios que vuelven al </a:t>
-            </a:r>
-            <a:r>
-              <a:rPr lang="es-ES" sz="1412" dirty="0" err="1">
-                <a:solidFill>
-                  <a:prstClr val="black"/>
-                </a:solidFill>
-                <a:latin typeface="Calibri" panose="020F0502020204030204"/>
-              </a:rPr>
-              <a:t>website</a:t>
-            </a:r>
-            <a:r>
-              <a:rPr lang="es-ES" sz="1412" dirty="0">
-                <a:solidFill>
-                  <a:prstClr val="black"/>
-                </a:solidFill>
-                <a:latin typeface="Calibri" panose="020F0502020204030204"/>
-              </a:rPr>
-              <a:t> general o al del producto</a:t>
-            </a:r>
-            <a:endParaRPr lang="es-CO" sz="1412" dirty="0">
-              <a:solidFill>
-                <a:prstClr val="black"/>
-              </a:solidFill>
-              <a:latin typeface="Calibri" panose="020F0502020204030204"/>
-            </a:endParaRPr>
-          </a:p>
-        </p:txBody>
-      </p:sp>
-      <p:sp>
-        <p:nvSpPr>
-          <p:cNvPr id="11" name="Rectángulo 10"/>
-          <p:cNvSpPr/>
-          <p:nvPr/>
-        </p:nvSpPr>
-        <p:spPr>
-          <a:xfrm>
-            <a:off x="8180296" y="4139529"/>
-            <a:ext cx="3195006" cy="451274"/>
-          </a:xfrm>
-          <a:prstGeom prst="rect">
-            <a:avLst/>
-          </a:prstGeom>
-        </p:spPr>
-        <p:style>
-          <a:lnRef idx="2">
-            <a:schemeClr val="accent1"/>
-          </a:lnRef>
-          <a:fillRef idx="1">
-            <a:schemeClr val="lt1"/>
-          </a:fillRef>
-          <a:effectRef idx="0">
-            <a:schemeClr val="accent1"/>
-          </a:effectRef>
-          <a:fontRef idx="minor">
-            <a:schemeClr val="dk1"/>
-          </a:fontRef>
-        </p:style>
-        <p:txBody>
-          <a:bodyPr rtlCol="0" anchor="ctr"/>
-          <a:lstStyle/>
-          <a:p>
-            <a:pPr algn="ctr" defTabSz="403433"/>
-            <a:r>
-              <a:rPr lang="es-ES" sz="1412" dirty="0">
-                <a:solidFill>
-                  <a:prstClr val="black"/>
-                </a:solidFill>
-                <a:latin typeface="Calibri" panose="020F0502020204030204"/>
-              </a:rPr>
-              <a:t>Cantidad de usuarios que realizan compras</a:t>
-            </a:r>
-            <a:endParaRPr lang="es-CO" sz="1412" dirty="0">
-              <a:solidFill>
-                <a:prstClr val="black"/>
-              </a:solidFill>
-              <a:latin typeface="Calibri" panose="020F0502020204030204"/>
-            </a:endParaRPr>
-          </a:p>
-        </p:txBody>
-      </p:sp>
-      <p:sp>
-        <p:nvSpPr>
-          <p:cNvPr id="12" name="Rectángulo 11"/>
-          <p:cNvSpPr/>
-          <p:nvPr/>
-        </p:nvSpPr>
-        <p:spPr>
-          <a:xfrm>
-            <a:off x="8180296" y="4750468"/>
-            <a:ext cx="3195006" cy="451274"/>
-          </a:xfrm>
-          <a:prstGeom prst="rect">
-            <a:avLst/>
-          </a:prstGeom>
-        </p:spPr>
-        <p:style>
-          <a:lnRef idx="2">
-            <a:schemeClr val="accent4"/>
-          </a:lnRef>
-          <a:fillRef idx="1">
-            <a:schemeClr val="lt1"/>
-          </a:fillRef>
-          <a:effectRef idx="0">
-            <a:schemeClr val="accent4"/>
-          </a:effectRef>
-          <a:fontRef idx="minor">
-            <a:schemeClr val="dk1"/>
-          </a:fontRef>
-        </p:style>
-        <p:txBody>
-          <a:bodyPr rtlCol="0" anchor="ctr"/>
-          <a:lstStyle/>
-          <a:p>
-            <a:pPr algn="ctr" defTabSz="403433"/>
-            <a:r>
-              <a:rPr lang="es-ES" sz="1412" dirty="0">
-                <a:solidFill>
-                  <a:prstClr val="black"/>
-                </a:solidFill>
-                <a:latin typeface="Calibri" panose="020F0502020204030204"/>
-              </a:rPr>
-              <a:t>Cantidad de usuarios que recomiendan</a:t>
-            </a:r>
-            <a:endParaRPr lang="es-CO" sz="1412" dirty="0">
-              <a:solidFill>
-                <a:prstClr val="black"/>
-              </a:solidFill>
-              <a:latin typeface="Calibri" panose="020F0502020204030204"/>
-            </a:endParaRPr>
-          </a:p>
-        </p:txBody>
-      </p:sp>
-    </p:spTree>
-    <p:extLst>
-      <p:ext uri="{BB962C8B-B14F-4D97-AF65-F5344CB8AC3E}">
-        <p14:creationId xmlns:p14="http://schemas.microsoft.com/office/powerpoint/2010/main" val="2907897016"/>
-      </p:ext>
-    </p:extLst>
-  </p:cSld>
-  <p:clrMapOvr>
-    <a:masterClrMapping/>
-  </p:clrMapOvr>
-</p:sld>
-</file>
-
-<file path=ppt/slides/slide12.xml><?xml version="1.0" encoding="utf-8"?>
-<p:sld xmlns:a="http://schemas.openxmlformats.org/drawingml/2006/main" xmlns:r="http://schemas.openxmlformats.org/officeDocument/2006/relationships" xmlns:p="http://schemas.openxmlformats.org/presentationml/2006/main">
-  <p:cSld>
-    <p:spTree>
-      <p:nvGrpSpPr>
-        <p:cNvPr id="1" name=""/>
-        <p:cNvGrpSpPr/>
-        <p:nvPr/>
-      </p:nvGrpSpPr>
-      <p:grpSpPr>
-        <a:xfrm>
-          <a:off x="0" y="0"/>
-          <a:ext cx="0" cy="0"/>
-          <a:chOff x="0" y="0"/>
-          <a:chExt cx="0" cy="0"/>
-        </a:xfrm>
-      </p:grpSpPr>
-      <p:sp>
-        <p:nvSpPr>
-          <p:cNvPr id="2" name="Título 1"/>
-          <p:cNvSpPr>
-            <a:spLocks noGrp="1"/>
-          </p:cNvSpPr>
-          <p:nvPr>
-            <p:ph type="title"/>
-          </p:nvPr>
-        </p:nvSpPr>
-        <p:spPr/>
-        <p:txBody>
-          <a:bodyPr/>
-          <a:lstStyle/>
-          <a:p>
-            <a:r>
-              <a:rPr lang="es-ES" dirty="0"/>
-              <a:t>Para qué usan un </a:t>
-            </a:r>
-            <a:r>
-              <a:rPr lang="es-ES" dirty="0" err="1"/>
-              <a:t>funnel</a:t>
-            </a:r>
-            <a:r>
-              <a:rPr lang="es-ES" dirty="0"/>
-              <a:t> de ventas</a:t>
-            </a:r>
-            <a:endParaRPr lang="es-CO" dirty="0"/>
-          </a:p>
-        </p:txBody>
-      </p:sp>
-      <p:sp>
-        <p:nvSpPr>
-          <p:cNvPr id="4" name="Anillo 3"/>
-          <p:cNvSpPr/>
-          <p:nvPr/>
-        </p:nvSpPr>
-        <p:spPr>
-          <a:xfrm>
-            <a:off x="838201" y="2119622"/>
-            <a:ext cx="2533896" cy="2570895"/>
-          </a:xfrm>
-          <a:prstGeom prst="donut">
-            <a:avLst>
-              <a:gd name="adj" fmla="val 9446"/>
-            </a:avLst>
-          </a:prstGeom>
-        </p:spPr>
-        <p:style>
-          <a:lnRef idx="0">
-            <a:schemeClr val="accent4"/>
-          </a:lnRef>
-          <a:fillRef idx="3">
-            <a:schemeClr val="accent4"/>
-          </a:fillRef>
-          <a:effectRef idx="3">
-            <a:schemeClr val="accent4"/>
-          </a:effectRef>
-          <a:fontRef idx="minor">
-            <a:schemeClr val="lt1"/>
-          </a:fontRef>
-        </p:style>
-        <p:txBody>
-          <a:bodyPr rtlCol="0" anchor="ctr"/>
-          <a:lstStyle/>
-          <a:p>
-            <a:pPr algn="ctr" defTabSz="403433"/>
-            <a:r>
-              <a:rPr lang="es-ES" sz="1588" dirty="0">
-                <a:solidFill>
-                  <a:prstClr val="black"/>
-                </a:solidFill>
-                <a:latin typeface="Calibri" panose="020F0502020204030204"/>
-              </a:rPr>
-              <a:t>Vender</a:t>
-            </a:r>
-          </a:p>
-          <a:p>
-            <a:pPr algn="ctr" defTabSz="403433"/>
-            <a:r>
-              <a:rPr lang="es-ES" sz="1588" dirty="0">
-                <a:solidFill>
-                  <a:prstClr val="black"/>
-                </a:solidFill>
-                <a:latin typeface="Calibri" panose="020F0502020204030204"/>
-              </a:rPr>
-              <a:t>(definir: cliente ideal, propuesta de valor, escala de valor)</a:t>
-            </a:r>
-            <a:endParaRPr lang="es-CO" sz="1588" dirty="0">
-              <a:solidFill>
-                <a:prstClr val="black"/>
-              </a:solidFill>
-              <a:latin typeface="Calibri" panose="020F0502020204030204"/>
-            </a:endParaRPr>
-          </a:p>
-        </p:txBody>
-      </p:sp>
-      <p:sp>
-        <p:nvSpPr>
-          <p:cNvPr id="5" name="Anillo 4"/>
-          <p:cNvSpPr/>
-          <p:nvPr/>
-        </p:nvSpPr>
-        <p:spPr>
-          <a:xfrm>
-            <a:off x="3532173" y="2119622"/>
-            <a:ext cx="2570896" cy="2570896"/>
-          </a:xfrm>
-          <a:prstGeom prst="donut">
-            <a:avLst>
-              <a:gd name="adj" fmla="val 9523"/>
-            </a:avLst>
-          </a:prstGeom>
-        </p:spPr>
-        <p:style>
-          <a:lnRef idx="0">
-            <a:schemeClr val="accent4"/>
-          </a:lnRef>
-          <a:fillRef idx="3">
-            <a:schemeClr val="accent4"/>
-          </a:fillRef>
-          <a:effectRef idx="3">
-            <a:schemeClr val="accent4"/>
-          </a:effectRef>
-          <a:fontRef idx="minor">
-            <a:schemeClr val="lt1"/>
-          </a:fontRef>
-        </p:style>
-        <p:txBody>
-          <a:bodyPr rtlCol="0" anchor="ctr"/>
-          <a:lstStyle/>
-          <a:p>
-            <a:pPr algn="ctr" defTabSz="403433"/>
-            <a:r>
-              <a:rPr lang="es-ES" sz="1588" dirty="0">
-                <a:solidFill>
-                  <a:prstClr val="black"/>
-                </a:solidFill>
-                <a:latin typeface="Calibri" panose="020F0502020204030204"/>
-              </a:rPr>
-              <a:t>Vender </a:t>
-            </a:r>
-            <a:r>
-              <a:rPr lang="es-ES" sz="1588" dirty="0" err="1">
-                <a:solidFill>
-                  <a:prstClr val="black"/>
-                </a:solidFill>
-                <a:latin typeface="Calibri" panose="020F0502020204030204"/>
-              </a:rPr>
-              <a:t>downsells</a:t>
-            </a:r>
-            <a:endParaRPr lang="es-ES" sz="1588" dirty="0">
-              <a:solidFill>
-                <a:prstClr val="black"/>
-              </a:solidFill>
-              <a:latin typeface="Calibri" panose="020F0502020204030204"/>
-            </a:endParaRPr>
-          </a:p>
-          <a:p>
-            <a:pPr algn="ctr" defTabSz="403433"/>
-            <a:r>
-              <a:rPr lang="es-ES" sz="1588" dirty="0">
-                <a:solidFill>
-                  <a:prstClr val="black"/>
-                </a:solidFill>
-                <a:latin typeface="Calibri" panose="020F0502020204030204"/>
-              </a:rPr>
-              <a:t>(Ofrecer productos similares más baratos, a los  clientes que no compran)</a:t>
-            </a:r>
-            <a:endParaRPr lang="es-CO" sz="1588" dirty="0">
-              <a:solidFill>
-                <a:prstClr val="black"/>
-              </a:solidFill>
-              <a:latin typeface="Calibri" panose="020F0502020204030204"/>
-            </a:endParaRPr>
-          </a:p>
-        </p:txBody>
-      </p:sp>
-      <p:sp>
-        <p:nvSpPr>
-          <p:cNvPr id="6" name="Anillo 5"/>
-          <p:cNvSpPr/>
-          <p:nvPr/>
-        </p:nvSpPr>
-        <p:spPr>
-          <a:xfrm>
-            <a:off x="6304165" y="2119622"/>
-            <a:ext cx="2570896" cy="2570896"/>
-          </a:xfrm>
-          <a:prstGeom prst="donut">
-            <a:avLst>
-              <a:gd name="adj" fmla="val 9523"/>
-            </a:avLst>
-          </a:prstGeom>
-        </p:spPr>
-        <p:style>
-          <a:lnRef idx="0">
-            <a:schemeClr val="accent4"/>
-          </a:lnRef>
-          <a:fillRef idx="3">
-            <a:schemeClr val="accent4"/>
-          </a:fillRef>
-          <a:effectRef idx="3">
-            <a:schemeClr val="accent4"/>
-          </a:effectRef>
-          <a:fontRef idx="minor">
-            <a:schemeClr val="lt1"/>
-          </a:fontRef>
-        </p:style>
-        <p:txBody>
-          <a:bodyPr rtlCol="0" anchor="ctr"/>
-          <a:lstStyle/>
-          <a:p>
-            <a:pPr algn="ctr" defTabSz="403433"/>
-            <a:r>
-              <a:rPr lang="es-ES" sz="1588" dirty="0">
-                <a:solidFill>
-                  <a:prstClr val="black"/>
-                </a:solidFill>
-                <a:latin typeface="Calibri" panose="020F0502020204030204"/>
-              </a:rPr>
-              <a:t>Vender </a:t>
-            </a:r>
-            <a:r>
-              <a:rPr lang="es-ES" sz="1588" dirty="0" err="1">
-                <a:solidFill>
-                  <a:prstClr val="black"/>
-                </a:solidFill>
-                <a:latin typeface="Calibri" panose="020F0502020204030204"/>
-              </a:rPr>
-              <a:t>upsells</a:t>
-            </a:r>
-            <a:endParaRPr lang="es-ES" sz="1588" dirty="0">
-              <a:solidFill>
-                <a:prstClr val="black"/>
-              </a:solidFill>
-              <a:latin typeface="Calibri" panose="020F0502020204030204"/>
-            </a:endParaRPr>
-          </a:p>
-          <a:p>
-            <a:pPr algn="ctr" defTabSz="403433"/>
-            <a:r>
-              <a:rPr lang="es-ES" sz="1588" dirty="0">
-                <a:solidFill>
-                  <a:prstClr val="black"/>
-                </a:solidFill>
-                <a:latin typeface="Calibri" panose="020F0502020204030204"/>
-              </a:rPr>
-              <a:t>(Volver a vender a clientes que ya compraron)</a:t>
-            </a:r>
-            <a:endParaRPr lang="es-CO" sz="1588" dirty="0">
-              <a:solidFill>
-                <a:prstClr val="black"/>
-              </a:solidFill>
-              <a:latin typeface="Calibri" panose="020F0502020204030204"/>
-            </a:endParaRPr>
-          </a:p>
-        </p:txBody>
-      </p:sp>
-      <p:sp>
-        <p:nvSpPr>
-          <p:cNvPr id="7" name="Anillo 6"/>
-          <p:cNvSpPr/>
-          <p:nvPr/>
-        </p:nvSpPr>
-        <p:spPr>
-          <a:xfrm>
-            <a:off x="8995848" y="2131020"/>
-            <a:ext cx="2570896" cy="2570896"/>
-          </a:xfrm>
-          <a:prstGeom prst="donut">
-            <a:avLst>
-              <a:gd name="adj" fmla="val 9523"/>
-            </a:avLst>
-          </a:prstGeom>
-        </p:spPr>
-        <p:style>
-          <a:lnRef idx="0">
-            <a:schemeClr val="accent4"/>
-          </a:lnRef>
-          <a:fillRef idx="3">
-            <a:schemeClr val="accent4"/>
-          </a:fillRef>
-          <a:effectRef idx="3">
-            <a:schemeClr val="accent4"/>
-          </a:effectRef>
-          <a:fontRef idx="minor">
-            <a:schemeClr val="lt1"/>
-          </a:fontRef>
-        </p:style>
-        <p:txBody>
-          <a:bodyPr rtlCol="0" anchor="ctr"/>
-          <a:lstStyle/>
-          <a:p>
-            <a:pPr algn="ctr" defTabSz="403433"/>
-            <a:r>
-              <a:rPr lang="es-ES" sz="1588" dirty="0">
-                <a:solidFill>
-                  <a:prstClr val="black"/>
-                </a:solidFill>
-                <a:latin typeface="Calibri" panose="020F0502020204030204"/>
-              </a:rPr>
-              <a:t>Mejorar el </a:t>
-            </a:r>
-            <a:r>
-              <a:rPr lang="es-ES" sz="1588" dirty="0" err="1">
-                <a:solidFill>
-                  <a:prstClr val="black"/>
-                </a:solidFill>
-                <a:latin typeface="Calibri" panose="020F0502020204030204"/>
-              </a:rPr>
-              <a:t>engagement</a:t>
-            </a:r>
-            <a:endParaRPr lang="es-CO" sz="1588" dirty="0">
-              <a:solidFill>
-                <a:prstClr val="black"/>
-              </a:solidFill>
-              <a:latin typeface="Calibri" panose="020F0502020204030204"/>
-            </a:endParaRPr>
-          </a:p>
-        </p:txBody>
-      </p:sp>
-    </p:spTree>
-    <p:extLst>
-      <p:ext uri="{BB962C8B-B14F-4D97-AF65-F5344CB8AC3E}">
-        <p14:creationId xmlns:p14="http://schemas.microsoft.com/office/powerpoint/2010/main" val="201777500"/>
-      </p:ext>
-    </p:extLst>
-  </p:cSld>
-  <p:clrMapOvr>
-    <a:masterClrMapping/>
-  </p:clrMapOvr>
-</p:sld>
-</file>
-
-<file path=ppt/slides/slide13.xml><?xml version="1.0" encoding="utf-8"?>
-<p:sld xmlns:a="http://schemas.openxmlformats.org/drawingml/2006/main" xmlns:r="http://schemas.openxmlformats.org/officeDocument/2006/relationships" xmlns:p="http://schemas.openxmlformats.org/presentationml/2006/main">
-  <p:cSld>
-    <p:spTree>
-      <p:nvGrpSpPr>
-        <p:cNvPr id="1" name=""/>
-        <p:cNvGrpSpPr/>
-        <p:nvPr/>
-      </p:nvGrpSpPr>
-      <p:grpSpPr>
-        <a:xfrm>
-          <a:off x="0" y="0"/>
-          <a:ext cx="0" cy="0"/>
-          <a:chOff x="0" y="0"/>
-          <a:chExt cx="0" cy="0"/>
-        </a:xfrm>
-      </p:grpSpPr>
-      <p:sp>
-        <p:nvSpPr>
-          <p:cNvPr id="2" name="Título 1"/>
-          <p:cNvSpPr>
-            <a:spLocks noGrp="1"/>
-          </p:cNvSpPr>
-          <p:nvPr>
-            <p:ph type="title"/>
-          </p:nvPr>
-        </p:nvSpPr>
-        <p:spPr>
-          <a:xfrm>
-            <a:off x="838200" y="365126"/>
-            <a:ext cx="9568456" cy="1325563"/>
-          </a:xfrm>
-        </p:spPr>
-        <p:txBody>
-          <a:bodyPr/>
-          <a:lstStyle/>
-          <a:p>
-            <a:r>
-              <a:rPr lang="es-ES" dirty="0"/>
-              <a:t>Términos claves en </a:t>
-            </a:r>
-            <a:r>
-              <a:rPr lang="es-ES" dirty="0" err="1"/>
-              <a:t>funnels</a:t>
-            </a:r>
-            <a:r>
-              <a:rPr lang="es-ES" dirty="0"/>
-              <a:t> de comercio digital</a:t>
-            </a:r>
-            <a:endParaRPr lang="es-CO" dirty="0"/>
-          </a:p>
-        </p:txBody>
-      </p:sp>
-      <p:sp>
-        <p:nvSpPr>
-          <p:cNvPr id="3" name="Marcador de contenido 2"/>
-          <p:cNvSpPr>
-            <a:spLocks noGrp="1"/>
-          </p:cNvSpPr>
-          <p:nvPr>
-            <p:ph idx="1"/>
-          </p:nvPr>
-        </p:nvSpPr>
-        <p:spPr>
-          <a:xfrm>
-            <a:off x="838200" y="1825625"/>
-            <a:ext cx="4330940" cy="4351338"/>
-          </a:xfrm>
-        </p:spPr>
-        <p:txBody>
-          <a:bodyPr>
-            <a:normAutofit fontScale="77500" lnSpcReduction="20000"/>
-          </a:bodyPr>
-          <a:lstStyle/>
-          <a:p>
-            <a:r>
-              <a:rPr lang="es-CO" b="1" dirty="0">
-                <a:solidFill>
-                  <a:srgbClr val="FF0000"/>
-                </a:solidFill>
-              </a:rPr>
-              <a:t>Leads</a:t>
-            </a:r>
-            <a:r>
-              <a:rPr lang="es-CO" dirty="0"/>
-              <a:t> : Usuario convertido en suscriptor</a:t>
-            </a:r>
-          </a:p>
-          <a:p>
-            <a:r>
-              <a:rPr lang="es-ES" sz="2824" b="1" dirty="0" err="1">
-                <a:solidFill>
-                  <a:srgbClr val="FF0000"/>
-                </a:solidFill>
-              </a:rPr>
-              <a:t>LeadMagnet</a:t>
-            </a:r>
-            <a:r>
-              <a:rPr lang="es-ES" dirty="0"/>
-              <a:t>: Imán de atracción para que usuarios se conviertan en suscriptores</a:t>
-            </a:r>
-          </a:p>
-          <a:p>
-            <a:r>
-              <a:rPr lang="es-ES" sz="2824" b="1" dirty="0">
-                <a:solidFill>
-                  <a:srgbClr val="FF0000"/>
-                </a:solidFill>
-              </a:rPr>
-              <a:t>Lead </a:t>
-            </a:r>
-            <a:r>
-              <a:rPr lang="es-ES" sz="2824" b="1" dirty="0" err="1">
-                <a:solidFill>
-                  <a:srgbClr val="FF0000"/>
-                </a:solidFill>
-              </a:rPr>
-              <a:t>Scoring</a:t>
-            </a:r>
-            <a:r>
-              <a:rPr lang="es-ES" dirty="0"/>
-              <a:t>: Puntuación de los leads en función de la proximidad a la venta</a:t>
-            </a:r>
-          </a:p>
-          <a:p>
-            <a:r>
-              <a:rPr lang="es-ES" sz="2824" b="1" dirty="0">
-                <a:solidFill>
-                  <a:srgbClr val="FF0000"/>
-                </a:solidFill>
-              </a:rPr>
-              <a:t>Lead </a:t>
-            </a:r>
-            <a:r>
-              <a:rPr lang="es-ES" sz="2824" b="1" dirty="0" err="1">
-                <a:solidFill>
-                  <a:srgbClr val="FF0000"/>
-                </a:solidFill>
-              </a:rPr>
-              <a:t>nurturing</a:t>
-            </a:r>
-            <a:r>
-              <a:rPr lang="es-ES" dirty="0"/>
-              <a:t>: proceso de maduración a los leads para acercarlos a la venta</a:t>
-            </a:r>
-          </a:p>
-          <a:p>
-            <a:r>
-              <a:rPr lang="es-ES" sz="2824" b="1" dirty="0" err="1">
-                <a:solidFill>
-                  <a:srgbClr val="FF0000"/>
-                </a:solidFill>
-              </a:rPr>
-              <a:t>Landing</a:t>
-            </a:r>
-            <a:r>
-              <a:rPr lang="es-ES" sz="2824" b="1" dirty="0">
-                <a:solidFill>
-                  <a:srgbClr val="FF0000"/>
-                </a:solidFill>
-              </a:rPr>
-              <a:t> page</a:t>
-            </a:r>
-            <a:r>
-              <a:rPr lang="es-ES" dirty="0"/>
-              <a:t>: página del comercio</a:t>
-            </a:r>
-          </a:p>
-          <a:p>
-            <a:r>
-              <a:rPr lang="es-ES" sz="2824" b="1" dirty="0" err="1">
-                <a:solidFill>
-                  <a:srgbClr val="FF0000"/>
-                </a:solidFill>
-              </a:rPr>
-              <a:t>Squeeze</a:t>
-            </a:r>
-            <a:r>
-              <a:rPr lang="es-ES" sz="2824" b="1" dirty="0">
-                <a:solidFill>
-                  <a:srgbClr val="FF0000"/>
-                </a:solidFill>
-              </a:rPr>
-              <a:t> page</a:t>
-            </a:r>
-            <a:r>
-              <a:rPr lang="es-ES" dirty="0"/>
-              <a:t>: página para convertir usuarios a leads</a:t>
-            </a:r>
-          </a:p>
-          <a:p>
-            <a:endParaRPr lang="es-CO" b="1" dirty="0"/>
-          </a:p>
-          <a:p>
-            <a:endParaRPr lang="es-CO" dirty="0"/>
-          </a:p>
-        </p:txBody>
-      </p:sp>
-      <p:sp>
-        <p:nvSpPr>
-          <p:cNvPr id="4" name="Rectángulo 3"/>
-          <p:cNvSpPr/>
-          <p:nvPr/>
-        </p:nvSpPr>
-        <p:spPr>
-          <a:xfrm>
-            <a:off x="5743489" y="1825625"/>
-            <a:ext cx="5319565" cy="3917864"/>
-          </a:xfrm>
-          <a:prstGeom prst="rect">
-            <a:avLst/>
-          </a:prstGeom>
-        </p:spPr>
-        <p:txBody>
-          <a:bodyPr vert="horz" lIns="80682" tIns="40341" rIns="80682" bIns="40341" rtlCol="0">
-            <a:normAutofit/>
-          </a:bodyPr>
-          <a:lstStyle/>
-          <a:p>
-            <a:pPr marL="228605" indent="-228605" defTabSz="914422">
-              <a:lnSpc>
-                <a:spcPct val="90000"/>
-              </a:lnSpc>
-              <a:spcBef>
-                <a:spcPts val="1000"/>
-              </a:spcBef>
-              <a:buFont typeface="Arial" panose="020B0604020202020204" pitchFamily="34" charset="0"/>
-              <a:buChar char="•"/>
-            </a:pPr>
-            <a:r>
-              <a:rPr lang="es-ES" sz="2206" b="1" dirty="0">
-                <a:solidFill>
-                  <a:srgbClr val="FF0000"/>
-                </a:solidFill>
-                <a:latin typeface="Calibri" panose="020F0502020204030204"/>
-              </a:rPr>
-              <a:t>Conversión</a:t>
-            </a:r>
-            <a:r>
-              <a:rPr lang="es-ES" sz="2118" dirty="0">
-                <a:solidFill>
-                  <a:prstClr val="black"/>
-                </a:solidFill>
-                <a:latin typeface="Calibri" panose="020F0502020204030204"/>
-              </a:rPr>
-              <a:t>: cuando consigues que un usuario lleve a cabo la acción que querías</a:t>
-            </a:r>
-          </a:p>
-          <a:p>
-            <a:pPr marL="228605" indent="-228605" defTabSz="914422">
-              <a:lnSpc>
-                <a:spcPct val="90000"/>
-              </a:lnSpc>
-              <a:spcBef>
-                <a:spcPts val="1000"/>
-              </a:spcBef>
-              <a:buFont typeface="Arial" panose="020B0604020202020204" pitchFamily="34" charset="0"/>
-              <a:buChar char="•"/>
-            </a:pPr>
-            <a:r>
-              <a:rPr lang="es-ES" sz="2206" b="1" dirty="0" err="1">
-                <a:solidFill>
-                  <a:srgbClr val="FF0000"/>
-                </a:solidFill>
-                <a:latin typeface="Calibri" panose="020F0502020204030204"/>
-              </a:rPr>
-              <a:t>Upsell</a:t>
-            </a:r>
-            <a:r>
-              <a:rPr lang="es-ES" sz="2118" dirty="0">
-                <a:solidFill>
-                  <a:prstClr val="black"/>
-                </a:solidFill>
-                <a:latin typeface="Calibri" panose="020F0502020204030204"/>
-              </a:rPr>
-              <a:t>: ofrece producto más caro a los compradores</a:t>
-            </a:r>
-          </a:p>
-          <a:p>
-            <a:pPr marL="228605" indent="-228605" defTabSz="914422">
-              <a:lnSpc>
-                <a:spcPct val="90000"/>
-              </a:lnSpc>
-              <a:spcBef>
-                <a:spcPts val="1000"/>
-              </a:spcBef>
-              <a:buFont typeface="Arial" panose="020B0604020202020204" pitchFamily="34" charset="0"/>
-              <a:buChar char="•"/>
-            </a:pPr>
-            <a:r>
-              <a:rPr lang="es-ES" sz="2206" b="1" dirty="0" err="1">
-                <a:solidFill>
-                  <a:srgbClr val="FF0000"/>
-                </a:solidFill>
-                <a:latin typeface="Calibri" panose="020F0502020204030204"/>
-              </a:rPr>
-              <a:t>Downsell</a:t>
-            </a:r>
-            <a:r>
-              <a:rPr lang="es-ES" sz="2118" dirty="0">
-                <a:solidFill>
-                  <a:prstClr val="black"/>
-                </a:solidFill>
-                <a:latin typeface="Calibri" panose="020F0502020204030204"/>
-              </a:rPr>
-              <a:t>: ofrece producto más barato a los leads que no compran el producto principal</a:t>
-            </a:r>
-          </a:p>
-          <a:p>
-            <a:pPr marL="228605" indent="-228605" defTabSz="914422">
-              <a:lnSpc>
-                <a:spcPct val="90000"/>
-              </a:lnSpc>
-              <a:spcBef>
-                <a:spcPts val="1000"/>
-              </a:spcBef>
-              <a:buFont typeface="Arial" panose="020B0604020202020204" pitchFamily="34" charset="0"/>
-              <a:buChar char="•"/>
-            </a:pPr>
-            <a:r>
-              <a:rPr lang="es-ES" sz="2206" b="1" dirty="0">
-                <a:solidFill>
-                  <a:srgbClr val="FF0000"/>
-                </a:solidFill>
-                <a:latin typeface="Calibri" panose="020F0502020204030204"/>
-              </a:rPr>
-              <a:t>OTO</a:t>
-            </a:r>
-            <a:r>
-              <a:rPr lang="es-ES" sz="2118" dirty="0">
-                <a:solidFill>
-                  <a:prstClr val="black"/>
-                </a:solidFill>
-                <a:latin typeface="Calibri" panose="020F0502020204030204"/>
-              </a:rPr>
-              <a:t>: oferta de una sola vez, tiempo corto</a:t>
-            </a:r>
-          </a:p>
-          <a:p>
-            <a:pPr marL="228605" indent="-228605" defTabSz="914422">
-              <a:lnSpc>
-                <a:spcPct val="90000"/>
-              </a:lnSpc>
-              <a:spcBef>
-                <a:spcPts val="1000"/>
-              </a:spcBef>
-              <a:buFont typeface="Arial" panose="020B0604020202020204" pitchFamily="34" charset="0"/>
-              <a:buChar char="•"/>
-            </a:pPr>
-            <a:r>
-              <a:rPr lang="es-ES" sz="2206" b="1" dirty="0" err="1">
-                <a:solidFill>
-                  <a:srgbClr val="FF0000"/>
-                </a:solidFill>
-                <a:latin typeface="Calibri" panose="020F0502020204030204"/>
-              </a:rPr>
-              <a:t>Bump</a:t>
-            </a:r>
-            <a:r>
-              <a:rPr lang="es-ES" sz="2118" dirty="0">
-                <a:solidFill>
-                  <a:prstClr val="black"/>
-                </a:solidFill>
-                <a:latin typeface="Calibri" panose="020F0502020204030204"/>
-              </a:rPr>
-              <a:t>: Oferta extra que aparece en la página de pago de un producto</a:t>
-            </a:r>
-          </a:p>
-          <a:p>
-            <a:pPr marL="228605" indent="-228605" defTabSz="914422">
-              <a:lnSpc>
-                <a:spcPct val="90000"/>
-              </a:lnSpc>
-              <a:spcBef>
-                <a:spcPts val="1000"/>
-              </a:spcBef>
-              <a:buFont typeface="Arial" panose="020B0604020202020204" pitchFamily="34" charset="0"/>
-              <a:buChar char="•"/>
-            </a:pPr>
-            <a:r>
-              <a:rPr lang="es-ES" sz="2206" b="1" dirty="0" err="1">
-                <a:solidFill>
-                  <a:srgbClr val="FF0000"/>
-                </a:solidFill>
-                <a:latin typeface="Calibri" panose="020F0502020204030204"/>
-              </a:rPr>
-              <a:t>Evergreen</a:t>
-            </a:r>
-            <a:r>
-              <a:rPr lang="es-ES" sz="2118" dirty="0">
-                <a:solidFill>
-                  <a:prstClr val="black"/>
-                </a:solidFill>
-                <a:latin typeface="Calibri" panose="020F0502020204030204"/>
-              </a:rPr>
-              <a:t>: Oferta atemporal que no caduca</a:t>
-            </a:r>
-            <a:endParaRPr lang="es-CO" sz="2118" dirty="0">
-              <a:solidFill>
-                <a:prstClr val="black"/>
-              </a:solidFill>
-              <a:latin typeface="Calibri" panose="020F0502020204030204"/>
-            </a:endParaRPr>
-          </a:p>
-        </p:txBody>
-      </p:sp>
-      <p:sp>
-        <p:nvSpPr>
-          <p:cNvPr id="5" name="CuadroTexto 4"/>
-          <p:cNvSpPr txBox="1"/>
-          <p:nvPr/>
-        </p:nvSpPr>
-        <p:spPr>
-          <a:xfrm>
-            <a:off x="9080184" y="6027601"/>
-            <a:ext cx="1777923" cy="309637"/>
-          </a:xfrm>
-          <a:prstGeom prst="rect">
-            <a:avLst/>
-          </a:prstGeom>
-          <a:noFill/>
-        </p:spPr>
-        <p:txBody>
-          <a:bodyPr wrap="none" rtlCol="0">
-            <a:spAutoFit/>
-          </a:bodyPr>
-          <a:lstStyle/>
-          <a:p>
-            <a:pPr defTabSz="403433"/>
-            <a:r>
-              <a:rPr lang="es-ES" sz="1412" dirty="0">
-                <a:solidFill>
-                  <a:prstClr val="black"/>
-                </a:solidFill>
-                <a:latin typeface="Calibri" panose="020F0502020204030204"/>
-              </a:rPr>
-              <a:t>Fuente: Innokabi.com</a:t>
-            </a:r>
-            <a:endParaRPr lang="es-CO" sz="1412" dirty="0">
-              <a:solidFill>
-                <a:prstClr val="black"/>
-              </a:solidFill>
-              <a:latin typeface="Calibri" panose="020F0502020204030204"/>
-            </a:endParaRPr>
-          </a:p>
-        </p:txBody>
-      </p:sp>
-    </p:spTree>
-    <p:extLst>
-      <p:ext uri="{BB962C8B-B14F-4D97-AF65-F5344CB8AC3E}">
-        <p14:creationId xmlns:p14="http://schemas.microsoft.com/office/powerpoint/2010/main" val="3251641448"/>
-      </p:ext>
-    </p:extLst>
-  </p:cSld>
-  <p:clrMapOvr>
-    <a:masterClrMapping/>
-  </p:clrMapOvr>
-</p:sld>
-</file>
-
-<file path=ppt/slides/slide14.xml><?xml version="1.0" encoding="utf-8"?>
-<p:sld xmlns:a="http://schemas.openxmlformats.org/drawingml/2006/main" xmlns:r="http://schemas.openxmlformats.org/officeDocument/2006/relationships" xmlns:p="http://schemas.openxmlformats.org/presentationml/2006/main">
-  <p:cSld>
-    <p:spTree>
-      <p:nvGrpSpPr>
-        <p:cNvPr id="1" name=""/>
-        <p:cNvGrpSpPr/>
-        <p:nvPr/>
-      </p:nvGrpSpPr>
-      <p:grpSpPr>
-        <a:xfrm>
-          <a:off x="0" y="0"/>
-          <a:ext cx="0" cy="0"/>
-          <a:chOff x="0" y="0"/>
-          <a:chExt cx="0" cy="0"/>
-        </a:xfrm>
-      </p:grpSpPr>
-      <p:sp>
-        <p:nvSpPr>
-          <p:cNvPr id="2" name="Título 1"/>
-          <p:cNvSpPr>
-            <a:spLocks noGrp="1"/>
-          </p:cNvSpPr>
-          <p:nvPr>
-            <p:ph type="title"/>
-          </p:nvPr>
-        </p:nvSpPr>
-        <p:spPr/>
-        <p:txBody>
-          <a:bodyPr/>
-          <a:lstStyle/>
-          <a:p>
-            <a:r>
-              <a:rPr lang="es-ES" dirty="0"/>
-              <a:t>Métricas para </a:t>
-            </a:r>
-            <a:r>
-              <a:rPr lang="es-ES" dirty="0" err="1"/>
-              <a:t>funels</a:t>
-            </a:r>
-            <a:endParaRPr lang="es-CO" dirty="0"/>
-          </a:p>
-        </p:txBody>
-      </p:sp>
-      <p:sp>
-        <p:nvSpPr>
-          <p:cNvPr id="3" name="Marcador de contenido 2"/>
-          <p:cNvSpPr>
-            <a:spLocks noGrp="1"/>
-          </p:cNvSpPr>
-          <p:nvPr>
-            <p:ph idx="1"/>
-          </p:nvPr>
-        </p:nvSpPr>
-        <p:spPr/>
-        <p:txBody>
-          <a:bodyPr>
-            <a:normAutofit fontScale="92500" lnSpcReduction="10000"/>
-          </a:bodyPr>
-          <a:lstStyle/>
-          <a:p>
-            <a:r>
-              <a:rPr lang="es-ES" dirty="0"/>
-              <a:t>Coste por lead (CPL): ¿Cuánto te cuesta conseguir cada nuevo lead?</a:t>
-            </a:r>
-          </a:p>
-          <a:p>
-            <a:r>
-              <a:rPr lang="es-ES" dirty="0"/>
-              <a:t>Número de leads: Cantidad de leads que consigues por período</a:t>
-            </a:r>
-          </a:p>
-          <a:p>
-            <a:r>
-              <a:rPr lang="es-ES" dirty="0"/>
-              <a:t>Conversión de tu </a:t>
-            </a:r>
-            <a:r>
-              <a:rPr lang="es-ES" dirty="0" err="1"/>
-              <a:t>squeeze</a:t>
-            </a:r>
-            <a:r>
-              <a:rPr lang="es-ES" dirty="0"/>
-              <a:t> page: (Leads conseguidos/Total visitas </a:t>
-            </a:r>
-            <a:r>
-              <a:rPr lang="es-ES" dirty="0" err="1"/>
-              <a:t>Squeeze</a:t>
-            </a:r>
-            <a:r>
-              <a:rPr lang="es-ES" dirty="0"/>
-              <a:t> Page) X100.</a:t>
-            </a:r>
-          </a:p>
-          <a:p>
-            <a:r>
-              <a:rPr lang="es-ES" dirty="0"/>
-              <a:t>Tasa de apertura de emails: el porcentaje de personas que abren tus emails.</a:t>
-            </a:r>
-          </a:p>
-          <a:p>
-            <a:r>
-              <a:rPr lang="es-ES" dirty="0"/>
-              <a:t>Tasa de clics: porcentaje de suscriptores que hacen clic en los enlaces de tus correos.</a:t>
-            </a:r>
-          </a:p>
-          <a:p>
-            <a:r>
-              <a:rPr lang="es-ES" dirty="0"/>
-              <a:t>Número de ventas: Ventas por mes gracias a tu embudo.</a:t>
-            </a:r>
-          </a:p>
-          <a:p>
-            <a:r>
-              <a:rPr lang="es-ES" dirty="0"/>
-              <a:t>Conversión de tu página de ventas: cuánta gente te compra una vez que visita tu página de ventas. </a:t>
-            </a:r>
-            <a:endParaRPr lang="es-CO" dirty="0"/>
-          </a:p>
-        </p:txBody>
-      </p:sp>
-      <p:sp>
-        <p:nvSpPr>
-          <p:cNvPr id="4" name="CuadroTexto 3"/>
-          <p:cNvSpPr txBox="1"/>
-          <p:nvPr/>
-        </p:nvSpPr>
-        <p:spPr>
-          <a:xfrm>
-            <a:off x="9080184" y="6027601"/>
-            <a:ext cx="1777923" cy="309637"/>
-          </a:xfrm>
-          <a:prstGeom prst="rect">
-            <a:avLst/>
-          </a:prstGeom>
-          <a:noFill/>
-        </p:spPr>
-        <p:txBody>
-          <a:bodyPr wrap="none" rtlCol="0">
-            <a:spAutoFit/>
-          </a:bodyPr>
-          <a:lstStyle/>
-          <a:p>
-            <a:pPr defTabSz="403433"/>
-            <a:r>
-              <a:rPr lang="es-ES" sz="1412" dirty="0">
-                <a:solidFill>
-                  <a:prstClr val="black"/>
-                </a:solidFill>
-                <a:latin typeface="Calibri" panose="020F0502020204030204"/>
-              </a:rPr>
-              <a:t>Fuente: Innokabi.com</a:t>
-            </a:r>
-            <a:endParaRPr lang="es-CO" sz="1412" dirty="0">
-              <a:solidFill>
-                <a:prstClr val="black"/>
-              </a:solidFill>
-              <a:latin typeface="Calibri" panose="020F0502020204030204"/>
-            </a:endParaRPr>
-          </a:p>
-        </p:txBody>
-      </p:sp>
-    </p:spTree>
-    <p:extLst>
-      <p:ext uri="{BB962C8B-B14F-4D97-AF65-F5344CB8AC3E}">
-        <p14:creationId xmlns:p14="http://schemas.microsoft.com/office/powerpoint/2010/main" val="4057058426"/>
-      </p:ext>
-    </p:extLst>
-  </p:cSld>
-  <p:clrMapOvr>
-    <a:masterClrMapping/>
-  </p:clrMapOvr>
-</p:sld>
-</file>
-
-<file path=ppt/slides/slide15.xml><?xml version="1.0" encoding="utf-8"?>
-<p:sld xmlns:a="http://schemas.openxmlformats.org/drawingml/2006/main" xmlns:r="http://schemas.openxmlformats.org/officeDocument/2006/relationships" xmlns:p="http://schemas.openxmlformats.org/presentationml/2006/main">
-  <p:cSld>
-    <p:spTree>
-      <p:nvGrpSpPr>
-        <p:cNvPr id="1" name=""/>
-        <p:cNvGrpSpPr/>
-        <p:nvPr/>
-      </p:nvGrpSpPr>
-      <p:grpSpPr>
-        <a:xfrm>
-          <a:off x="0" y="0"/>
-          <a:ext cx="0" cy="0"/>
-          <a:chOff x="0" y="0"/>
-          <a:chExt cx="0" cy="0"/>
-        </a:xfrm>
-      </p:grpSpPr>
-      <p:sp>
-        <p:nvSpPr>
-          <p:cNvPr id="2" name="Título 1"/>
-          <p:cNvSpPr>
-            <a:spLocks noGrp="1"/>
-          </p:cNvSpPr>
-          <p:nvPr>
-            <p:ph type="title"/>
-          </p:nvPr>
-        </p:nvSpPr>
-        <p:spPr/>
-        <p:txBody>
-          <a:bodyPr>
-            <a:normAutofit/>
-          </a:bodyPr>
-          <a:lstStyle/>
-          <a:p>
-            <a:r>
-              <a:rPr lang="es-ES" sz="3530" dirty="0"/>
-              <a:t>Ejemplo: </a:t>
-            </a:r>
-            <a:r>
-              <a:rPr lang="es-ES" sz="3530" dirty="0" err="1"/>
-              <a:t>Funel</a:t>
-            </a:r>
-            <a:r>
-              <a:rPr lang="es-ES" sz="3530" dirty="0"/>
-              <a:t> en PowerBI</a:t>
-            </a:r>
-            <a:endParaRPr lang="es-CO" sz="3530" dirty="0"/>
-          </a:p>
-        </p:txBody>
-      </p:sp>
-      <p:grpSp>
-        <p:nvGrpSpPr>
-          <p:cNvPr id="9" name="Grupo 8"/>
-          <p:cNvGrpSpPr/>
-          <p:nvPr/>
-        </p:nvGrpSpPr>
-        <p:grpSpPr>
-          <a:xfrm>
-            <a:off x="1002103" y="1606817"/>
-            <a:ext cx="4578589" cy="3207557"/>
-            <a:chOff x="756778" y="2400289"/>
-            <a:chExt cx="5281565" cy="3936570"/>
-          </a:xfrm>
-        </p:grpSpPr>
-        <p:pic>
-          <p:nvPicPr>
-            <p:cNvPr id="4" name="Imagen 3"/>
-            <p:cNvPicPr>
-              <a:picLocks noChangeAspect="1"/>
-            </p:cNvPicPr>
-            <p:nvPr/>
-          </p:nvPicPr>
-          <p:blipFill>
-            <a:blip r:embed="rId2"/>
-            <a:stretch>
-              <a:fillRect/>
-            </a:stretch>
-          </p:blipFill>
-          <p:spPr>
-            <a:xfrm>
-              <a:off x="756778" y="2400289"/>
-              <a:ext cx="5281565" cy="3936570"/>
-            </a:xfrm>
-            <a:prstGeom prst="rect">
-              <a:avLst/>
-            </a:prstGeom>
-          </p:spPr>
-        </p:pic>
-        <p:sp>
-          <p:nvSpPr>
-            <p:cNvPr id="5" name="CuadroTexto 4"/>
-            <p:cNvSpPr txBox="1"/>
-            <p:nvPr/>
-          </p:nvSpPr>
-          <p:spPr>
-            <a:xfrm>
-              <a:off x="2768605" y="2709028"/>
-              <a:ext cx="1712952" cy="413219"/>
-            </a:xfrm>
-            <a:prstGeom prst="rect">
-              <a:avLst/>
-            </a:prstGeom>
-            <a:noFill/>
-          </p:spPr>
-          <p:txBody>
-            <a:bodyPr wrap="none" rtlCol="0">
-              <a:spAutoFit/>
-            </a:bodyPr>
-            <a:lstStyle/>
-            <a:p>
-              <a:pPr defTabSz="403433"/>
-              <a:r>
-                <a:rPr lang="es-ES" sz="1588" dirty="0">
-                  <a:solidFill>
-                    <a:prstClr val="black"/>
-                  </a:solidFill>
-                  <a:latin typeface="Calibri" panose="020F0502020204030204"/>
-                </a:rPr>
-                <a:t>Todas las visitas</a:t>
-              </a:r>
-            </a:p>
-          </p:txBody>
-        </p:sp>
-        <p:sp>
-          <p:nvSpPr>
-            <p:cNvPr id="6" name="CuadroTexto 5"/>
-            <p:cNvSpPr txBox="1"/>
-            <p:nvPr/>
-          </p:nvSpPr>
-          <p:spPr>
-            <a:xfrm>
-              <a:off x="2683053" y="3652346"/>
-              <a:ext cx="1859994" cy="413219"/>
-            </a:xfrm>
-            <a:prstGeom prst="rect">
-              <a:avLst/>
-            </a:prstGeom>
-            <a:noFill/>
-          </p:spPr>
-          <p:txBody>
-            <a:bodyPr wrap="none" rtlCol="0">
-              <a:spAutoFit/>
-            </a:bodyPr>
-            <a:lstStyle/>
-            <a:p>
-              <a:pPr defTabSz="403433"/>
-              <a:r>
-                <a:rPr lang="es-ES" sz="1588" dirty="0">
-                  <a:solidFill>
-                    <a:prstClr val="black"/>
-                  </a:solidFill>
-                  <a:latin typeface="Calibri" panose="020F0502020204030204"/>
-                </a:rPr>
-                <a:t>Vieron Productos</a:t>
-              </a:r>
-            </a:p>
-          </p:txBody>
-        </p:sp>
-        <p:sp>
-          <p:nvSpPr>
-            <p:cNvPr id="7" name="CuadroTexto 6"/>
-            <p:cNvSpPr txBox="1"/>
-            <p:nvPr/>
-          </p:nvSpPr>
-          <p:spPr>
-            <a:xfrm>
-              <a:off x="2738768" y="4461562"/>
-              <a:ext cx="1703114" cy="413219"/>
-            </a:xfrm>
-            <a:prstGeom prst="rect">
-              <a:avLst/>
-            </a:prstGeom>
-            <a:noFill/>
-          </p:spPr>
-          <p:txBody>
-            <a:bodyPr wrap="none" rtlCol="0">
-              <a:spAutoFit/>
-            </a:bodyPr>
-            <a:lstStyle/>
-            <a:p>
-              <a:pPr defTabSz="403433"/>
-              <a:r>
-                <a:rPr lang="es-ES" sz="1588" dirty="0">
-                  <a:solidFill>
-                    <a:prstClr val="black"/>
-                  </a:solidFill>
-                  <a:latin typeface="Calibri" panose="020F0502020204030204"/>
-                </a:rPr>
-                <a:t>Cargaron  Carro</a:t>
-              </a:r>
-            </a:p>
-          </p:txBody>
-        </p:sp>
-        <p:sp>
-          <p:nvSpPr>
-            <p:cNvPr id="8" name="CuadroTexto 7"/>
-            <p:cNvSpPr txBox="1"/>
-            <p:nvPr/>
-          </p:nvSpPr>
-          <p:spPr>
-            <a:xfrm>
-              <a:off x="3044775" y="5161402"/>
-              <a:ext cx="987579" cy="413219"/>
-            </a:xfrm>
-            <a:prstGeom prst="rect">
-              <a:avLst/>
-            </a:prstGeom>
-            <a:noFill/>
-          </p:spPr>
-          <p:txBody>
-            <a:bodyPr wrap="none" rtlCol="0">
-              <a:spAutoFit/>
-            </a:bodyPr>
-            <a:lstStyle/>
-            <a:p>
-              <a:pPr defTabSz="403433"/>
-              <a:r>
-                <a:rPr lang="es-ES" sz="1588" dirty="0">
-                  <a:solidFill>
-                    <a:prstClr val="white"/>
-                  </a:solidFill>
-                  <a:latin typeface="Calibri" panose="020F0502020204030204"/>
-                </a:rPr>
-                <a:t>Pagaron</a:t>
-              </a:r>
-            </a:p>
-          </p:txBody>
-        </p:sp>
-      </p:grpSp>
-      <p:sp>
-        <p:nvSpPr>
-          <p:cNvPr id="10" name="CuadroTexto 9"/>
-          <p:cNvSpPr txBox="1"/>
-          <p:nvPr/>
-        </p:nvSpPr>
-        <p:spPr>
-          <a:xfrm>
-            <a:off x="6507354" y="1171040"/>
-            <a:ext cx="2138406" cy="336695"/>
-          </a:xfrm>
-          <a:prstGeom prst="rect">
-            <a:avLst/>
-          </a:prstGeom>
-          <a:noFill/>
-        </p:spPr>
-        <p:txBody>
-          <a:bodyPr wrap="none" rtlCol="0">
-            <a:spAutoFit/>
-          </a:bodyPr>
-          <a:lstStyle/>
-          <a:p>
-            <a:pPr defTabSz="403433"/>
-            <a:r>
-              <a:rPr lang="es-ES" sz="1588" dirty="0">
-                <a:solidFill>
-                  <a:prstClr val="black"/>
-                </a:solidFill>
-                <a:latin typeface="Calibri" panose="020F0502020204030204"/>
-              </a:rPr>
-              <a:t>Paso 1. Cargar los datos</a:t>
-            </a:r>
-            <a:endParaRPr lang="es-CO" sz="1588" dirty="0">
-              <a:solidFill>
-                <a:prstClr val="black"/>
-              </a:solidFill>
-              <a:latin typeface="Calibri" panose="020F0502020204030204"/>
-            </a:endParaRPr>
-          </a:p>
-        </p:txBody>
-      </p:sp>
-      <p:pic>
-        <p:nvPicPr>
-          <p:cNvPr id="11" name="Imagen 10"/>
-          <p:cNvPicPr>
-            <a:picLocks noChangeAspect="1"/>
-          </p:cNvPicPr>
-          <p:nvPr/>
-        </p:nvPicPr>
-        <p:blipFill>
-          <a:blip r:embed="rId3"/>
-          <a:stretch>
-            <a:fillRect/>
-          </a:stretch>
-        </p:blipFill>
-        <p:spPr>
-          <a:xfrm>
-            <a:off x="7270113" y="1657306"/>
-            <a:ext cx="2680295" cy="719822"/>
-          </a:xfrm>
-          <a:prstGeom prst="rect">
-            <a:avLst/>
-          </a:prstGeom>
-        </p:spPr>
-      </p:pic>
-      <p:pic>
-        <p:nvPicPr>
-          <p:cNvPr id="13" name="Imagen 12"/>
-          <p:cNvPicPr>
-            <a:picLocks noChangeAspect="1"/>
-          </p:cNvPicPr>
-          <p:nvPr/>
-        </p:nvPicPr>
-        <p:blipFill>
-          <a:blip r:embed="rId4"/>
-          <a:stretch>
-            <a:fillRect/>
-          </a:stretch>
-        </p:blipFill>
-        <p:spPr>
-          <a:xfrm>
-            <a:off x="7270113" y="2703009"/>
-            <a:ext cx="2395355" cy="1015174"/>
-          </a:xfrm>
-          <a:prstGeom prst="rect">
-            <a:avLst/>
-          </a:prstGeom>
-        </p:spPr>
-      </p:pic>
-      <p:sp>
-        <p:nvSpPr>
-          <p:cNvPr id="14" name="CuadroTexto 13"/>
-          <p:cNvSpPr txBox="1"/>
-          <p:nvPr/>
-        </p:nvSpPr>
-        <p:spPr>
-          <a:xfrm>
-            <a:off x="461911" y="5172600"/>
-            <a:ext cx="3791007" cy="906980"/>
-          </a:xfrm>
-          <a:prstGeom prst="rect">
-            <a:avLst/>
-          </a:prstGeom>
-          <a:noFill/>
-        </p:spPr>
-        <p:txBody>
-          <a:bodyPr wrap="square" rtlCol="0">
-            <a:spAutoFit/>
-          </a:bodyPr>
-          <a:lstStyle/>
-          <a:p>
-            <a:pPr defTabSz="403433"/>
-            <a:r>
-              <a:rPr lang="es-ES" sz="1588" dirty="0">
-                <a:solidFill>
-                  <a:prstClr val="black"/>
-                </a:solidFill>
-                <a:latin typeface="Calibri" panose="020F0502020204030204"/>
-              </a:rPr>
-              <a:t>Paso 2. En la vista de datos, Agregar columna </a:t>
-            </a:r>
-            <a:r>
-              <a:rPr lang="es-ES" sz="2118" b="1" dirty="0" err="1">
-                <a:solidFill>
-                  <a:srgbClr val="FF0000"/>
-                </a:solidFill>
-                <a:latin typeface="Calibri" panose="020F0502020204030204"/>
-              </a:rPr>
-              <a:t>Metrica</a:t>
-            </a:r>
-            <a:r>
-              <a:rPr lang="es-ES" sz="1588" dirty="0">
-                <a:solidFill>
-                  <a:prstClr val="black"/>
-                </a:solidFill>
-                <a:latin typeface="Calibri" panose="020F0502020204030204"/>
-              </a:rPr>
-              <a:t>  usando la función </a:t>
-            </a:r>
-            <a:r>
-              <a:rPr lang="es-ES" sz="1588" dirty="0" err="1">
-                <a:solidFill>
-                  <a:prstClr val="black"/>
-                </a:solidFill>
-                <a:latin typeface="Calibri" panose="020F0502020204030204"/>
-              </a:rPr>
-              <a:t>Switch</a:t>
-            </a:r>
-            <a:endParaRPr lang="es-CO" sz="1588" dirty="0">
-              <a:solidFill>
-                <a:prstClr val="black"/>
-              </a:solidFill>
-              <a:latin typeface="Calibri" panose="020F0502020204030204"/>
-            </a:endParaRPr>
-          </a:p>
-        </p:txBody>
-      </p:sp>
-      <p:sp>
-        <p:nvSpPr>
-          <p:cNvPr id="15" name="Rectángulo 14"/>
-          <p:cNvSpPr/>
-          <p:nvPr/>
-        </p:nvSpPr>
-        <p:spPr>
-          <a:xfrm>
-            <a:off x="4252917" y="5025248"/>
-            <a:ext cx="7503004" cy="1558504"/>
-          </a:xfrm>
-          <a:prstGeom prst="rect">
-            <a:avLst/>
-          </a:prstGeom>
-        </p:spPr>
-        <p:txBody>
-          <a:bodyPr wrap="square">
-            <a:spAutoFit/>
-          </a:bodyPr>
-          <a:lstStyle/>
-          <a:p>
-            <a:pPr defTabSz="403433"/>
-            <a:r>
-              <a:rPr lang="es-ES" sz="1588" dirty="0" err="1">
-                <a:solidFill>
-                  <a:prstClr val="black"/>
-                </a:solidFill>
-                <a:latin typeface="Calibri" panose="020F0502020204030204"/>
-              </a:rPr>
-              <a:t>Metrica</a:t>
-            </a:r>
-            <a:r>
-              <a:rPr lang="es-ES" sz="1588" dirty="0">
-                <a:solidFill>
-                  <a:prstClr val="black"/>
-                </a:solidFill>
-                <a:latin typeface="Calibri" panose="020F0502020204030204"/>
-              </a:rPr>
-              <a:t> = SWITCH(TRUE (), </a:t>
-            </a:r>
-          </a:p>
-          <a:p>
-            <a:pPr defTabSz="403433"/>
-            <a:r>
-              <a:rPr lang="es-ES" sz="1588" dirty="0">
-                <a:solidFill>
-                  <a:prstClr val="black"/>
-                </a:solidFill>
-                <a:latin typeface="Calibri" panose="020F0502020204030204"/>
-              </a:rPr>
-              <a:t>Datos[Fase de compra] = "</a:t>
-            </a:r>
-            <a:r>
-              <a:rPr lang="es-ES" sz="1588" dirty="0" err="1">
-                <a:solidFill>
-                  <a:prstClr val="black"/>
-                </a:solidFill>
-                <a:latin typeface="Calibri" panose="020F0502020204030204"/>
-              </a:rPr>
-              <a:t>ALL_VISITS","Todas</a:t>
-            </a:r>
-            <a:r>
-              <a:rPr lang="es-ES" sz="1588" dirty="0">
-                <a:solidFill>
-                  <a:prstClr val="black"/>
-                </a:solidFill>
-                <a:latin typeface="Calibri" panose="020F0502020204030204"/>
-              </a:rPr>
-              <a:t> las visitas",</a:t>
-            </a:r>
-          </a:p>
-          <a:p>
-            <a:pPr defTabSz="403433"/>
-            <a:r>
-              <a:rPr lang="es-ES" sz="1588" dirty="0">
-                <a:solidFill>
-                  <a:prstClr val="black"/>
-                </a:solidFill>
-                <a:latin typeface="Calibri" panose="020F0502020204030204"/>
-              </a:rPr>
-              <a:t>Datos[Fase de compra] = "</a:t>
-            </a:r>
-            <a:r>
-              <a:rPr lang="es-ES" sz="1588" dirty="0" err="1">
-                <a:solidFill>
-                  <a:prstClr val="black"/>
-                </a:solidFill>
-                <a:latin typeface="Calibri" panose="020F0502020204030204"/>
-              </a:rPr>
-              <a:t>PROD_VIEW","Visitas</a:t>
-            </a:r>
-            <a:r>
-              <a:rPr lang="es-ES" sz="1588" dirty="0">
-                <a:solidFill>
-                  <a:prstClr val="black"/>
-                </a:solidFill>
-                <a:latin typeface="Calibri" panose="020F0502020204030204"/>
-              </a:rPr>
-              <a:t> que vieron productos",</a:t>
-            </a:r>
-          </a:p>
-          <a:p>
-            <a:pPr defTabSz="403433"/>
-            <a:r>
-              <a:rPr lang="es-ES" sz="1588" dirty="0">
-                <a:solidFill>
-                  <a:prstClr val="black"/>
-                </a:solidFill>
-                <a:latin typeface="Calibri" panose="020F0502020204030204"/>
-              </a:rPr>
-              <a:t>Datos[Fase de compra] = "</a:t>
-            </a:r>
-            <a:r>
-              <a:rPr lang="es-ES" sz="1588" dirty="0" err="1">
-                <a:solidFill>
-                  <a:prstClr val="black"/>
-                </a:solidFill>
-                <a:latin typeface="Calibri" panose="020F0502020204030204"/>
-              </a:rPr>
-              <a:t>ADD_TO_CART","Visitas</a:t>
-            </a:r>
-            <a:r>
-              <a:rPr lang="es-ES" sz="1588" dirty="0">
-                <a:solidFill>
-                  <a:prstClr val="black"/>
-                </a:solidFill>
-                <a:latin typeface="Calibri" panose="020F0502020204030204"/>
-              </a:rPr>
-              <a:t> que adicionaron al carro",</a:t>
-            </a:r>
-          </a:p>
-          <a:p>
-            <a:pPr defTabSz="403433"/>
-            <a:r>
-              <a:rPr lang="es-ES" sz="1588" dirty="0">
-                <a:solidFill>
-                  <a:prstClr val="black"/>
-                </a:solidFill>
-                <a:latin typeface="Calibri" panose="020F0502020204030204"/>
-              </a:rPr>
-              <a:t>Datos[Fase de compra] = "</a:t>
-            </a:r>
-            <a:r>
-              <a:rPr lang="es-ES" sz="1588" dirty="0" err="1">
-                <a:solidFill>
-                  <a:prstClr val="black"/>
-                </a:solidFill>
-                <a:latin typeface="Calibri" panose="020F0502020204030204"/>
-              </a:rPr>
-              <a:t>CHECKOUT","Visitas</a:t>
-            </a:r>
-            <a:r>
-              <a:rPr lang="es-ES" sz="1588" dirty="0">
-                <a:solidFill>
-                  <a:prstClr val="black"/>
-                </a:solidFill>
-                <a:latin typeface="Calibri" panose="020F0502020204030204"/>
-              </a:rPr>
-              <a:t> que Pagaron",</a:t>
-            </a:r>
-          </a:p>
-          <a:p>
-            <a:pPr defTabSz="403433"/>
-            <a:r>
-              <a:rPr lang="es-ES" sz="1588" dirty="0">
-                <a:solidFill>
-                  <a:prstClr val="black"/>
-                </a:solidFill>
-                <a:latin typeface="Calibri" panose="020F0502020204030204"/>
-              </a:rPr>
-              <a:t>"")</a:t>
-            </a:r>
-          </a:p>
-        </p:txBody>
-      </p:sp>
-    </p:spTree>
-    <p:extLst>
-      <p:ext uri="{BB962C8B-B14F-4D97-AF65-F5344CB8AC3E}">
-        <p14:creationId xmlns:p14="http://schemas.microsoft.com/office/powerpoint/2010/main" val="2268595186"/>
-      </p:ext>
-    </p:extLst>
-  </p:cSld>
-  <p:clrMapOvr>
-    <a:masterClrMapping/>
-  </p:clrMapOvr>
-</p:sld>
-</file>
-
-<file path=ppt/slides/slide16.xml><?xml version="1.0" encoding="utf-8"?>
-<p:sld xmlns:a="http://schemas.openxmlformats.org/drawingml/2006/main" xmlns:r="http://schemas.openxmlformats.org/officeDocument/2006/relationships" xmlns:p="http://schemas.openxmlformats.org/presentationml/2006/main">
-  <p:cSld>
-    <p:spTree>
-      <p:nvGrpSpPr>
-        <p:cNvPr id="1" name=""/>
-        <p:cNvGrpSpPr/>
-        <p:nvPr/>
-      </p:nvGrpSpPr>
-      <p:grpSpPr>
-        <a:xfrm>
-          <a:off x="0" y="0"/>
-          <a:ext cx="0" cy="0"/>
-          <a:chOff x="0" y="0"/>
-          <a:chExt cx="0" cy="0"/>
-        </a:xfrm>
-      </p:grpSpPr>
-      <p:sp>
-        <p:nvSpPr>
-          <p:cNvPr id="4" name="CuadroTexto 3"/>
-          <p:cNvSpPr txBox="1"/>
-          <p:nvPr/>
-        </p:nvSpPr>
-        <p:spPr>
-          <a:xfrm>
-            <a:off x="1011949" y="1955522"/>
-            <a:ext cx="2099101" cy="336695"/>
-          </a:xfrm>
-          <a:prstGeom prst="rect">
-            <a:avLst/>
-          </a:prstGeom>
-          <a:noFill/>
-        </p:spPr>
-        <p:txBody>
-          <a:bodyPr wrap="none" rtlCol="0">
-            <a:spAutoFit/>
-          </a:bodyPr>
-          <a:lstStyle/>
-          <a:p>
-            <a:pPr defTabSz="403433"/>
-            <a:r>
-              <a:rPr lang="es-ES" sz="1588" dirty="0">
-                <a:solidFill>
-                  <a:prstClr val="black"/>
-                </a:solidFill>
-                <a:latin typeface="Calibri" panose="020F0502020204030204"/>
-              </a:rPr>
-              <a:t>Paso 3. dibujar el </a:t>
-            </a:r>
-            <a:r>
-              <a:rPr lang="es-ES" sz="1588" dirty="0" err="1">
-                <a:solidFill>
-                  <a:prstClr val="black"/>
-                </a:solidFill>
-                <a:latin typeface="Calibri" panose="020F0502020204030204"/>
-              </a:rPr>
-              <a:t>Funel</a:t>
-            </a:r>
-            <a:endParaRPr lang="es-CO" sz="1588" dirty="0">
-              <a:solidFill>
-                <a:prstClr val="black"/>
-              </a:solidFill>
-              <a:latin typeface="Calibri" panose="020F0502020204030204"/>
-            </a:endParaRPr>
-          </a:p>
-        </p:txBody>
-      </p:sp>
-      <p:pic>
-        <p:nvPicPr>
-          <p:cNvPr id="5" name="Imagen 4"/>
-          <p:cNvPicPr>
-            <a:picLocks noChangeAspect="1"/>
-          </p:cNvPicPr>
-          <p:nvPr/>
-        </p:nvPicPr>
-        <p:blipFill>
-          <a:blip r:embed="rId2"/>
-          <a:stretch>
-            <a:fillRect/>
-          </a:stretch>
-        </p:blipFill>
-        <p:spPr>
-          <a:xfrm>
-            <a:off x="4020396" y="1735291"/>
-            <a:ext cx="629096" cy="629096"/>
-          </a:xfrm>
-          <a:prstGeom prst="rect">
-            <a:avLst/>
-          </a:prstGeom>
-        </p:spPr>
-      </p:pic>
-      <p:pic>
-        <p:nvPicPr>
-          <p:cNvPr id="6" name="Imagen 5"/>
-          <p:cNvPicPr>
-            <a:picLocks noChangeAspect="1"/>
-          </p:cNvPicPr>
-          <p:nvPr/>
-        </p:nvPicPr>
-        <p:blipFill>
-          <a:blip r:embed="rId3"/>
-          <a:stretch>
-            <a:fillRect/>
-          </a:stretch>
-        </p:blipFill>
-        <p:spPr>
-          <a:xfrm>
-            <a:off x="5064032" y="1558947"/>
-            <a:ext cx="1794294" cy="981784"/>
-          </a:xfrm>
-          <a:prstGeom prst="rect">
-            <a:avLst/>
-          </a:prstGeom>
-        </p:spPr>
-      </p:pic>
-      <p:pic>
-        <p:nvPicPr>
-          <p:cNvPr id="7" name="Imagen 6"/>
-          <p:cNvPicPr>
-            <a:picLocks noChangeAspect="1"/>
-          </p:cNvPicPr>
-          <p:nvPr/>
-        </p:nvPicPr>
-        <p:blipFill>
-          <a:blip r:embed="rId4"/>
-          <a:stretch>
-            <a:fillRect/>
-          </a:stretch>
-        </p:blipFill>
-        <p:spPr>
-          <a:xfrm>
-            <a:off x="7272867" y="1111104"/>
-            <a:ext cx="2421020" cy="1688835"/>
-          </a:xfrm>
-          <a:prstGeom prst="rect">
-            <a:avLst/>
-          </a:prstGeom>
-        </p:spPr>
-      </p:pic>
-      <p:pic>
-        <p:nvPicPr>
-          <p:cNvPr id="8" name="Imagen 7"/>
-          <p:cNvPicPr>
-            <a:picLocks noChangeAspect="1"/>
-          </p:cNvPicPr>
-          <p:nvPr/>
-        </p:nvPicPr>
-        <p:blipFill>
-          <a:blip r:embed="rId5"/>
-          <a:stretch>
-            <a:fillRect/>
-          </a:stretch>
-        </p:blipFill>
-        <p:spPr>
-          <a:xfrm>
-            <a:off x="3748444" y="3151796"/>
-            <a:ext cx="1802094" cy="2072044"/>
-          </a:xfrm>
-          <a:prstGeom prst="rect">
-            <a:avLst/>
-          </a:prstGeom>
-        </p:spPr>
-      </p:pic>
-      <p:sp>
-        <p:nvSpPr>
-          <p:cNvPr id="9" name="CuadroTexto 8"/>
-          <p:cNvSpPr txBox="1"/>
-          <p:nvPr/>
-        </p:nvSpPr>
-        <p:spPr>
-          <a:xfrm>
-            <a:off x="1011948" y="3778503"/>
-            <a:ext cx="2079360" cy="581057"/>
-          </a:xfrm>
-          <a:prstGeom prst="rect">
-            <a:avLst/>
-          </a:prstGeom>
-          <a:noFill/>
-        </p:spPr>
-        <p:txBody>
-          <a:bodyPr wrap="square" rtlCol="0">
-            <a:spAutoFit/>
-          </a:bodyPr>
-          <a:lstStyle/>
-          <a:p>
-            <a:pPr defTabSz="403433"/>
-            <a:r>
-              <a:rPr lang="es-ES" sz="1588" dirty="0">
-                <a:solidFill>
-                  <a:prstClr val="black"/>
-                </a:solidFill>
-                <a:latin typeface="Calibri" panose="020F0502020204030204"/>
-              </a:rPr>
-              <a:t>Paso 4. Personalizar Cambiar colores</a:t>
-            </a:r>
-            <a:endParaRPr lang="es-CO" sz="1588" dirty="0">
-              <a:solidFill>
-                <a:prstClr val="black"/>
-              </a:solidFill>
-              <a:latin typeface="Calibri" panose="020F0502020204030204"/>
-            </a:endParaRPr>
-          </a:p>
-        </p:txBody>
-      </p:sp>
-      <p:sp>
-        <p:nvSpPr>
-          <p:cNvPr id="11" name="Título 1"/>
-          <p:cNvSpPr txBox="1">
-            <a:spLocks/>
-          </p:cNvSpPr>
-          <p:nvPr/>
-        </p:nvSpPr>
-        <p:spPr>
-          <a:xfrm>
-            <a:off x="972671" y="499597"/>
-            <a:ext cx="10515600" cy="1325563"/>
-          </a:xfrm>
-          <a:prstGeom prst="rect">
-            <a:avLst/>
-          </a:prstGeom>
-        </p:spPr>
-        <p:txBody>
-          <a:bodyPr vert="horz" lIns="80682" tIns="40341" rIns="80682" bIns="40341" rtlCol="0" anchor="ctr">
-            <a:normAutofit/>
-          </a:bodyPr>
-          <a:lstStyle>
-            <a:lvl1pPr algn="l" defTabSz="1036290" rtl="0" eaLnBrk="1" latinLnBrk="0" hangingPunct="1">
-              <a:lnSpc>
-                <a:spcPct val="90000"/>
-              </a:lnSpc>
-              <a:spcBef>
-                <a:spcPct val="0"/>
-              </a:spcBef>
-              <a:buNone/>
-              <a:defRPr sz="4987" kern="1200">
-                <a:solidFill>
-                  <a:schemeClr val="tx1"/>
-                </a:solidFill>
-                <a:latin typeface="+mj-lt"/>
-                <a:ea typeface="+mj-ea"/>
-                <a:cs typeface="+mj-cs"/>
-              </a:defRPr>
-            </a:lvl1pPr>
-          </a:lstStyle>
-          <a:p>
-            <a:pPr defTabSz="914422"/>
-            <a:r>
-              <a:rPr lang="es-ES" sz="3530">
-                <a:solidFill>
-                  <a:prstClr val="black"/>
-                </a:solidFill>
-                <a:latin typeface="Calibri Light" panose="020F0302020204030204"/>
-              </a:rPr>
-              <a:t>Ejemplo: Funel en PowerBI</a:t>
-            </a:r>
-            <a:endParaRPr lang="es-CO" sz="3530" dirty="0">
-              <a:solidFill>
-                <a:prstClr val="black"/>
-              </a:solidFill>
-              <a:latin typeface="Calibri Light" panose="020F0302020204030204"/>
-            </a:endParaRPr>
-          </a:p>
-        </p:txBody>
-      </p:sp>
-    </p:spTree>
-    <p:extLst>
-      <p:ext uri="{BB962C8B-B14F-4D97-AF65-F5344CB8AC3E}">
-        <p14:creationId xmlns:p14="http://schemas.microsoft.com/office/powerpoint/2010/main" val="345746815"/>
-      </p:ext>
-    </p:extLst>
-  </p:cSld>
-  <p:clrMapOvr>
-    <a:masterClrMapping/>
-  </p:clrMapOvr>
-</p:sld>
-</file>
-
-<file path=ppt/slides/slide2.xml><?xml version="1.0" encoding="utf-8"?>
-<p:sld xmlns:a="http://schemas.openxmlformats.org/drawingml/2006/main" xmlns:r="http://schemas.openxmlformats.org/officeDocument/2006/relationships" xmlns:p="http://schemas.openxmlformats.org/presentationml/2006/main">
-  <p:cSld>
-    <p:bg>
-      <p:bgPr>
-        <a:blipFill dpi="0" rotWithShape="1">
-          <a:blip r:embed="rId3">
-            <a:lum/>
-          </a:blip>
-          <a:srcRect/>
-          <a:stretch>
-            <a:fillRect/>
-          </a:stretch>
-        </a:blipFill>
-        <a:effectLst/>
-      </p:bgPr>
-    </p:bg>
-    <p:spTree>
-      <p:nvGrpSpPr>
-        <p:cNvPr id="1" name=""/>
-        <p:cNvGrpSpPr/>
-        <p:nvPr/>
-      </p:nvGrpSpPr>
-      <p:grpSpPr>
-        <a:xfrm>
-          <a:off x="0" y="0"/>
-          <a:ext cx="0" cy="0"/>
-          <a:chOff x="0" y="0"/>
-          <a:chExt cx="0" cy="0"/>
-        </a:xfrm>
-      </p:grpSpPr>
-      <p:sp>
-        <p:nvSpPr>
-          <p:cNvPr id="2" name="Título 1"/>
-          <p:cNvSpPr>
-            <a:spLocks noGrp="1"/>
-          </p:cNvSpPr>
-          <p:nvPr>
-            <p:ph type="ctrTitle"/>
-          </p:nvPr>
-        </p:nvSpPr>
-        <p:spPr>
-          <a:xfrm>
-            <a:off x="2458949" y="1122363"/>
-            <a:ext cx="9144000" cy="2387600"/>
-          </a:xfrm>
-        </p:spPr>
-        <p:txBody>
-          <a:bodyPr/>
-          <a:lstStyle/>
-          <a:p>
-            <a:r>
-              <a:rPr lang="es-ES" dirty="0"/>
-              <a:t>Medición por </a:t>
-            </a:r>
-            <a:r>
-              <a:rPr lang="es-ES" dirty="0" err="1"/>
-              <a:t>OKRs</a:t>
-            </a:r>
-            <a:endParaRPr lang="es-CO" dirty="0"/>
-          </a:p>
-        </p:txBody>
-      </p:sp>
-      <p:pic>
-        <p:nvPicPr>
-          <p:cNvPr id="4" name="Imagen 3"/>
-          <p:cNvPicPr>
-            <a:picLocks noChangeAspect="1"/>
-          </p:cNvPicPr>
-          <p:nvPr/>
-        </p:nvPicPr>
-        <p:blipFill>
-          <a:blip r:embed="rId4"/>
-          <a:stretch>
-            <a:fillRect/>
-          </a:stretch>
-        </p:blipFill>
-        <p:spPr>
-          <a:xfrm>
-            <a:off x="7855330" y="5471441"/>
-            <a:ext cx="1869910" cy="726561"/>
-          </a:xfrm>
-          <a:prstGeom prst="rect">
-            <a:avLst/>
-          </a:prstGeom>
-        </p:spPr>
-      </p:pic>
-      <p:pic>
-        <p:nvPicPr>
-          <p:cNvPr id="5" name="Imagen 4"/>
-          <p:cNvPicPr>
-            <a:picLocks noChangeAspect="1"/>
-          </p:cNvPicPr>
-          <p:nvPr/>
-        </p:nvPicPr>
-        <p:blipFill>
-          <a:blip r:embed="rId5"/>
-          <a:stretch>
-            <a:fillRect/>
-          </a:stretch>
-        </p:blipFill>
-        <p:spPr>
-          <a:xfrm>
-            <a:off x="9925707" y="5471441"/>
-            <a:ext cx="746499" cy="667161"/>
-          </a:xfrm>
-          <a:prstGeom prst="rect">
-            <a:avLst/>
-          </a:prstGeom>
-        </p:spPr>
-      </p:pic>
-      <p:pic>
-        <p:nvPicPr>
-          <p:cNvPr id="6" name="Imagen 5"/>
-          <p:cNvPicPr>
-            <a:picLocks noChangeAspect="1"/>
-          </p:cNvPicPr>
-          <p:nvPr/>
-        </p:nvPicPr>
-        <p:blipFill>
-          <a:blip r:embed="rId6"/>
-          <a:stretch>
-            <a:fillRect/>
-          </a:stretch>
-        </p:blipFill>
-        <p:spPr>
-          <a:xfrm>
-            <a:off x="1390363" y="2305443"/>
-            <a:ext cx="2137172" cy="1460657"/>
-          </a:xfrm>
-          <a:prstGeom prst="rect">
-            <a:avLst/>
-          </a:prstGeom>
-        </p:spPr>
-      </p:pic>
-    </p:spTree>
-    <p:extLst>
-      <p:ext uri="{BB962C8B-B14F-4D97-AF65-F5344CB8AC3E}">
-        <p14:creationId xmlns:p14="http://schemas.microsoft.com/office/powerpoint/2010/main" val="3221831594"/>
-      </p:ext>
-    </p:extLst>
-  </p:cSld>
-  <p:clrMapOvr>
-    <a:overrideClrMapping bg1="lt1" tx1="dk1" bg2="lt2" tx2="dk2" accent1="accent1" accent2="accent2" accent3="accent3" accent4="accent4" accent5="accent5" accent6="accent6" hlink="hlink" folHlink="folHlink"/>
-  </p:clrMapOvr>
-</p:sld>
-</file>
-
-<file path=ppt/slides/slide3.xml><?xml version="1.0" encoding="utf-8"?>
-<p:sld xmlns:a="http://schemas.openxmlformats.org/drawingml/2006/main" xmlns:r="http://schemas.openxmlformats.org/officeDocument/2006/relationships" xmlns:p="http://schemas.openxmlformats.org/presentationml/2006/main">
-  <p:cSld>
-    <p:bg>
-      <p:bgPr>
-        <a:blipFill dpi="0" rotWithShape="1">
-          <a:blip r:embed="rId4">
-            <a:lum/>
-          </a:blip>
-          <a:srcRect/>
-          <a:stretch>
-            <a:fillRect/>
-          </a:stretch>
-        </a:blipFill>
-        <a:effectLst/>
-      </p:bgPr>
-    </p:bg>
-    <p:spTree>
-      <p:nvGrpSpPr>
-        <p:cNvPr id="1" name=""/>
-        <p:cNvGrpSpPr/>
-        <p:nvPr/>
-      </p:nvGrpSpPr>
-      <p:grpSpPr>
-        <a:xfrm>
-          <a:off x="0" y="0"/>
-          <a:ext cx="0" cy="0"/>
-          <a:chOff x="0" y="0"/>
-          <a:chExt cx="0" cy="0"/>
-        </a:xfrm>
-      </p:grpSpPr>
-      <p:sp>
-        <p:nvSpPr>
-          <p:cNvPr id="2" name="Título 1"/>
-          <p:cNvSpPr>
-            <a:spLocks noGrp="1"/>
-          </p:cNvSpPr>
-          <p:nvPr>
-            <p:ph type="title"/>
-          </p:nvPr>
-        </p:nvSpPr>
-        <p:spPr/>
-        <p:txBody>
-          <a:bodyPr/>
-          <a:lstStyle/>
-          <a:p>
-            <a:r>
-              <a:rPr lang="es-ES" dirty="0" err="1"/>
-              <a:t>OKRs</a:t>
-            </a:r>
-            <a:r>
-              <a:rPr lang="es-ES" dirty="0"/>
-              <a:t> - Introducción</a:t>
-            </a:r>
-            <a:endParaRPr lang="es-CO" dirty="0"/>
-          </a:p>
-        </p:txBody>
-      </p:sp>
-      <p:sp>
-        <p:nvSpPr>
-          <p:cNvPr id="3" name="Marcador de contenido 2"/>
-          <p:cNvSpPr>
-            <a:spLocks noGrp="1"/>
-          </p:cNvSpPr>
-          <p:nvPr>
-            <p:ph idx="1"/>
-          </p:nvPr>
-        </p:nvSpPr>
-        <p:spPr>
-          <a:xfrm>
-            <a:off x="838200" y="1675044"/>
-            <a:ext cx="10515600" cy="990024"/>
-          </a:xfrm>
-        </p:spPr>
-        <p:txBody>
-          <a:bodyPr/>
-          <a:lstStyle/>
-          <a:p>
-            <a:r>
-              <a:rPr lang="es-ES" dirty="0"/>
-              <a:t>Creados en Intel, se comenzaron a usar en la década de los 90. Lo han usado empresas como Google, LinkedIn, entre otras</a:t>
-            </a:r>
-            <a:endParaRPr lang="es-CO" dirty="0"/>
-          </a:p>
-        </p:txBody>
-      </p:sp>
-      <p:pic>
-        <p:nvPicPr>
-          <p:cNvPr id="4" name="Imagen 3"/>
-          <p:cNvPicPr>
-            <a:picLocks noChangeAspect="1"/>
-          </p:cNvPicPr>
-          <p:nvPr/>
-        </p:nvPicPr>
-        <p:blipFill>
-          <a:blip r:embed="rId5"/>
-          <a:stretch>
-            <a:fillRect/>
-          </a:stretch>
-        </p:blipFill>
-        <p:spPr>
-          <a:xfrm>
-            <a:off x="3952556" y="4135314"/>
-            <a:ext cx="1227044" cy="1487581"/>
-          </a:xfrm>
-          <a:prstGeom prst="rect">
-            <a:avLst/>
-          </a:prstGeom>
-        </p:spPr>
-      </p:pic>
-      <p:pic>
-        <p:nvPicPr>
-          <p:cNvPr id="5" name="Imagen 4"/>
-          <p:cNvPicPr>
-            <a:picLocks noChangeAspect="1"/>
-          </p:cNvPicPr>
-          <p:nvPr/>
-        </p:nvPicPr>
-        <p:blipFill>
-          <a:blip r:embed="rId6"/>
-          <a:stretch>
-            <a:fillRect/>
-          </a:stretch>
-        </p:blipFill>
-        <p:spPr>
-          <a:xfrm>
-            <a:off x="6163173" y="4072280"/>
-            <a:ext cx="1218640" cy="1613647"/>
-          </a:xfrm>
-          <a:prstGeom prst="rect">
-            <a:avLst/>
-          </a:prstGeom>
-        </p:spPr>
-      </p:pic>
-      <p:sp>
-        <p:nvSpPr>
-          <p:cNvPr id="6" name="Rectángulo 5"/>
-          <p:cNvSpPr/>
-          <p:nvPr/>
-        </p:nvSpPr>
-        <p:spPr>
-          <a:xfrm>
-            <a:off x="3723370" y="5757625"/>
-            <a:ext cx="1707775" cy="336695"/>
-          </a:xfrm>
-          <a:prstGeom prst="rect">
-            <a:avLst/>
-          </a:prstGeom>
-        </p:spPr>
-        <p:txBody>
-          <a:bodyPr wrap="none">
-            <a:spAutoFit/>
-          </a:bodyPr>
-          <a:lstStyle/>
-          <a:p>
-            <a:pPr defTabSz="403433"/>
-            <a:r>
-              <a:rPr lang="es-ES" sz="1588" dirty="0">
-                <a:solidFill>
-                  <a:prstClr val="black"/>
-                </a:solidFill>
-                <a:latin typeface="Calibri" panose="020F0502020204030204"/>
-              </a:rPr>
-              <a:t>Andy Grove (CEO) </a:t>
-            </a:r>
-            <a:endParaRPr lang="es-CO" sz="1588" dirty="0">
-              <a:solidFill>
-                <a:prstClr val="black"/>
-              </a:solidFill>
-              <a:latin typeface="Calibri" panose="020F0502020204030204"/>
-            </a:endParaRPr>
-          </a:p>
-        </p:txBody>
-      </p:sp>
-      <p:sp>
-        <p:nvSpPr>
-          <p:cNvPr id="7" name="Rectángulo 6"/>
-          <p:cNvSpPr/>
-          <p:nvPr/>
-        </p:nvSpPr>
-        <p:spPr>
-          <a:xfrm>
-            <a:off x="6100701" y="5757624"/>
-            <a:ext cx="1487715" cy="336695"/>
-          </a:xfrm>
-          <a:prstGeom prst="rect">
-            <a:avLst/>
-          </a:prstGeom>
-        </p:spPr>
-        <p:txBody>
-          <a:bodyPr wrap="none">
-            <a:spAutoFit/>
-          </a:bodyPr>
-          <a:lstStyle/>
-          <a:p>
-            <a:pPr defTabSz="403433"/>
-            <a:r>
-              <a:rPr lang="es-ES" sz="1588" dirty="0">
-                <a:solidFill>
-                  <a:prstClr val="black"/>
-                </a:solidFill>
-                <a:latin typeface="Calibri" panose="020F0502020204030204"/>
-              </a:rPr>
-              <a:t>John </a:t>
-            </a:r>
-            <a:r>
-              <a:rPr lang="es-ES" sz="1588" dirty="0" err="1">
-                <a:solidFill>
-                  <a:prstClr val="black"/>
-                </a:solidFill>
-                <a:latin typeface="Calibri" panose="020F0502020204030204"/>
-              </a:rPr>
-              <a:t>Doerr</a:t>
-            </a:r>
-            <a:r>
-              <a:rPr lang="es-ES" sz="1588" dirty="0">
-                <a:solidFill>
-                  <a:prstClr val="black"/>
-                </a:solidFill>
-                <a:latin typeface="Calibri" panose="020F0502020204030204"/>
-              </a:rPr>
-              <a:t> (VC)</a:t>
-            </a:r>
-            <a:endParaRPr lang="es-CO" sz="1588" dirty="0">
-              <a:solidFill>
-                <a:prstClr val="black"/>
-              </a:solidFill>
-              <a:latin typeface="Calibri" panose="020F0502020204030204"/>
-            </a:endParaRPr>
-          </a:p>
-        </p:txBody>
-      </p:sp>
-      <p:pic>
-        <p:nvPicPr>
-          <p:cNvPr id="9" name="Imagen 8"/>
-          <p:cNvPicPr>
-            <a:picLocks noChangeAspect="1"/>
-          </p:cNvPicPr>
-          <p:nvPr/>
-        </p:nvPicPr>
-        <p:blipFill>
-          <a:blip r:embed="rId7"/>
-          <a:stretch>
-            <a:fillRect/>
-          </a:stretch>
-        </p:blipFill>
-        <p:spPr>
-          <a:xfrm>
-            <a:off x="5019886" y="2848195"/>
-            <a:ext cx="1403111" cy="958961"/>
-          </a:xfrm>
-          <a:prstGeom prst="rect">
-            <a:avLst/>
-          </a:prstGeom>
-        </p:spPr>
-      </p:pic>
-    </p:spTree>
-    <p:extLst>
-      <p:ext uri="{BB962C8B-B14F-4D97-AF65-F5344CB8AC3E}">
-        <p14:creationId xmlns:p14="http://schemas.microsoft.com/office/powerpoint/2010/main" val="1142927237"/>
-      </p:ext>
-    </p:extLst>
-  </p:cSld>
-  <p:clrMapOvr>
-    <a:overrideClrMapping bg1="lt1" tx1="dk1" bg2="lt2" tx2="dk2" accent1="accent1" accent2="accent2" accent3="accent3" accent4="accent4" accent5="accent5" accent6="accent6" hlink="hlink" folHlink="folHlink"/>
-  </p:clrMapOvr>
-</p:sld>
-</file>
-
-<file path=ppt/slides/slide4.xml><?xml version="1.0" encoding="utf-8"?>
 <p:sld xmlns:a="http://schemas.openxmlformats.org/drawingml/2006/main" xmlns:r="http://schemas.openxmlformats.org/officeDocument/2006/relationships" xmlns:p="http://schemas.openxmlformats.org/presentationml/2006/main">
   <p:cSld>
     <p:bg>
@@ -8406,7 +5679,7 @@
 </p:sld>
 </file>
 
-<file path=ppt/slides/slide5.xml><?xml version="1.0" encoding="utf-8"?>
+<file path=ppt/slides/slide11.xml><?xml version="1.0" encoding="utf-8"?>
 <p:sld xmlns:a="http://schemas.openxmlformats.org/drawingml/2006/main" xmlns:r="http://schemas.openxmlformats.org/officeDocument/2006/relationships" xmlns:p="http://schemas.openxmlformats.org/presentationml/2006/main">
   <p:cSld>
     <p:bg>
@@ -8578,7 +5851,7 @@
 </p:sld>
 </file>
 
-<file path=ppt/slides/slide6.xml><?xml version="1.0" encoding="utf-8"?>
+<file path=ppt/slides/slide12.xml><?xml version="1.0" encoding="utf-8"?>
 <p:sld xmlns:a="http://schemas.openxmlformats.org/drawingml/2006/main" xmlns:r="http://schemas.openxmlformats.org/officeDocument/2006/relationships" xmlns:p="http://schemas.openxmlformats.org/presentationml/2006/main">
   <p:cSld>
     <p:bg>
@@ -8712,7 +5985,7 @@
 </p:sld>
 </file>
 
-<file path=ppt/slides/slide7.xml><?xml version="1.0" encoding="utf-8"?>
+<file path=ppt/slides/slide13.xml><?xml version="1.0" encoding="utf-8"?>
 <p:sld xmlns:a="http://schemas.openxmlformats.org/drawingml/2006/main" xmlns:r="http://schemas.openxmlformats.org/officeDocument/2006/relationships" xmlns:p="http://schemas.openxmlformats.org/presentationml/2006/main">
   <p:cSld>
     <p:bg>
@@ -8851,7 +6124,7 @@
 </p:sld>
 </file>
 
-<file path=ppt/slides/slide8.xml><?xml version="1.0" encoding="utf-8"?>
+<file path=ppt/slides/slide14.xml><?xml version="1.0" encoding="utf-8"?>
 <p:sld xmlns:a="http://schemas.openxmlformats.org/drawingml/2006/main" xmlns:r="http://schemas.openxmlformats.org/officeDocument/2006/relationships" xmlns:p="http://schemas.openxmlformats.org/presentationml/2006/main">
   <p:cSld>
     <p:bg>
@@ -9716,6 +6989,2675 @@
 </p:sld>
 </file>
 
+<file path=ppt/slides/slide15.xml><?xml version="1.0" encoding="utf-8"?>
+<p:sld xmlns:a="http://schemas.openxmlformats.org/drawingml/2006/main" xmlns:r="http://schemas.openxmlformats.org/officeDocument/2006/relationships" xmlns:p="http://schemas.openxmlformats.org/presentationml/2006/main">
+  <p:cSld>
+    <p:bg>
+      <p:bgPr>
+        <a:blipFill dpi="0" rotWithShape="1">
+          <a:blip r:embed="rId4">
+            <a:lum/>
+          </a:blip>
+          <a:srcRect/>
+          <a:stretch>
+            <a:fillRect/>
+          </a:stretch>
+        </a:blipFill>
+        <a:effectLst/>
+      </p:bgPr>
+    </p:bg>
+    <p:spTree>
+      <p:nvGrpSpPr>
+        <p:cNvPr id="1" name=""/>
+        <p:cNvGrpSpPr/>
+        <p:nvPr/>
+      </p:nvGrpSpPr>
+      <p:grpSpPr>
+        <a:xfrm>
+          <a:off x="0" y="0"/>
+          <a:ext cx="0" cy="0"/>
+          <a:chOff x="0" y="0"/>
+          <a:chExt cx="0" cy="0"/>
+        </a:xfrm>
+      </p:grpSpPr>
+      <p:sp>
+        <p:nvSpPr>
+          <p:cNvPr id="2" name="Título 1"/>
+          <p:cNvSpPr>
+            <a:spLocks noGrp="1"/>
+          </p:cNvSpPr>
+          <p:nvPr>
+            <p:ph type="title"/>
+          </p:nvPr>
+        </p:nvSpPr>
+        <p:spPr/>
+        <p:txBody>
+          <a:bodyPr>
+            <a:normAutofit/>
+          </a:bodyPr>
+          <a:lstStyle/>
+          <a:p>
+            <a:r>
+              <a:rPr lang="es-ES" sz="3530" dirty="0"/>
+              <a:t>Ejemplo: Desarrollo del elemento de medición</a:t>
+            </a:r>
+            <a:endParaRPr lang="es-CO" sz="3530" dirty="0"/>
+          </a:p>
+        </p:txBody>
+      </p:sp>
+      <p:sp>
+        <p:nvSpPr>
+          <p:cNvPr id="4" name="Elipse 3"/>
+          <p:cNvSpPr/>
+          <p:nvPr/>
+        </p:nvSpPr>
+        <p:spPr>
+          <a:xfrm>
+            <a:off x="3314214" y="1448642"/>
+            <a:ext cx="5563573" cy="1259915"/>
+          </a:xfrm>
+          <a:prstGeom prst="ellipse">
+            <a:avLst/>
+          </a:prstGeom>
+        </p:spPr>
+        <p:style>
+          <a:lnRef idx="2">
+            <a:schemeClr val="accent4"/>
+          </a:lnRef>
+          <a:fillRef idx="1">
+            <a:schemeClr val="lt1"/>
+          </a:fillRef>
+          <a:effectRef idx="0">
+            <a:schemeClr val="accent4"/>
+          </a:effectRef>
+          <a:fontRef idx="minor">
+            <a:schemeClr val="dk1"/>
+          </a:fontRef>
+        </p:style>
+        <p:txBody>
+          <a:bodyPr rtlCol="0" anchor="ctr"/>
+          <a:lstStyle/>
+          <a:p>
+            <a:pPr algn="ctr" defTabSz="403433" fontAlgn="t"/>
+            <a:br>
+              <a:rPr lang="es-ES" sz="1588" b="1" dirty="0">
+                <a:solidFill>
+                  <a:srgbClr val="FF0000"/>
+                </a:solidFill>
+                <a:latin typeface="Calibri" panose="020F0502020204030204"/>
+              </a:rPr>
+            </a:br>
+            <a:r>
+              <a:rPr lang="es-ES" sz="1588" b="1" dirty="0">
+                <a:solidFill>
+                  <a:srgbClr val="FF0000"/>
+                </a:solidFill>
+                <a:latin typeface="Calibri" panose="020F0502020204030204"/>
+              </a:rPr>
+              <a:t>Objetivo:  </a:t>
+            </a:r>
+          </a:p>
+          <a:p>
+            <a:pPr algn="ctr" defTabSz="403433" fontAlgn="t"/>
+            <a:endParaRPr lang="es-ES" sz="1588" b="1" dirty="0">
+              <a:solidFill>
+                <a:srgbClr val="FF0000"/>
+              </a:solidFill>
+              <a:latin typeface="Calibri" panose="020F0502020204030204"/>
+            </a:endParaRPr>
+          </a:p>
+          <a:p>
+            <a:pPr algn="ctr" defTabSz="403433" fontAlgn="t"/>
+            <a:r>
+              <a:rPr lang="es-ES" sz="1588" b="1" dirty="0">
+                <a:solidFill>
+                  <a:srgbClr val="FF0000"/>
+                </a:solidFill>
+                <a:latin typeface="Calibri" panose="020F0502020204030204"/>
+              </a:rPr>
+              <a:t>Objetivo 3: Establecer reglas de calidad en el diccionario de datos</a:t>
+            </a:r>
+          </a:p>
+          <a:p>
+            <a:pPr algn="ctr" defTabSz="403433"/>
+            <a:endParaRPr lang="es-CO" sz="1588" dirty="0">
+              <a:solidFill>
+                <a:prstClr val="black"/>
+              </a:solidFill>
+              <a:latin typeface="Calibri" panose="020F0502020204030204"/>
+            </a:endParaRPr>
+          </a:p>
+        </p:txBody>
+      </p:sp>
+      <p:sp>
+        <p:nvSpPr>
+          <p:cNvPr id="5" name="Rectángulo 4"/>
+          <p:cNvSpPr/>
+          <p:nvPr/>
+        </p:nvSpPr>
+        <p:spPr>
+          <a:xfrm>
+            <a:off x="893853" y="3182250"/>
+            <a:ext cx="4664467" cy="3156905"/>
+          </a:xfrm>
+          <a:prstGeom prst="rect">
+            <a:avLst/>
+          </a:prstGeom>
+        </p:spPr>
+        <p:style>
+          <a:lnRef idx="2">
+            <a:schemeClr val="accent1"/>
+          </a:lnRef>
+          <a:fillRef idx="1">
+            <a:schemeClr val="lt1"/>
+          </a:fillRef>
+          <a:effectRef idx="0">
+            <a:schemeClr val="accent1"/>
+          </a:effectRef>
+          <a:fontRef idx="minor">
+            <a:schemeClr val="dk1"/>
+          </a:fontRef>
+        </p:style>
+        <p:txBody>
+          <a:bodyPr rtlCol="0" anchor="t"/>
+          <a:lstStyle/>
+          <a:p>
+            <a:pPr algn="ctr" defTabSz="403433"/>
+            <a:r>
+              <a:rPr lang="es-ES" sz="1412" b="1" dirty="0">
+                <a:solidFill>
+                  <a:srgbClr val="5B9BD5"/>
+                </a:solidFill>
+                <a:latin typeface="Calibri" panose="020F0502020204030204"/>
+              </a:rPr>
+              <a:t>KR1:Incrementar la proporción de atributos privados que tienen definida las reglas de calidad, para los dominios críticos en un 60% para los próximos 3 meses.</a:t>
+            </a:r>
+          </a:p>
+          <a:p>
+            <a:pPr marL="252146" indent="-252146" defTabSz="403433">
+              <a:buFont typeface="Arial" panose="020B0604020202020204" pitchFamily="34" charset="0"/>
+              <a:buChar char="•"/>
+            </a:pPr>
+            <a:endParaRPr lang="es-ES" sz="1412" dirty="0">
+              <a:solidFill>
+                <a:prstClr val="black"/>
+              </a:solidFill>
+              <a:latin typeface="Calibri" panose="020F0502020204030204"/>
+            </a:endParaRPr>
+          </a:p>
+          <a:p>
+            <a:pPr marL="252146" indent="-252146" defTabSz="403433">
+              <a:buFont typeface="Arial" panose="020B0604020202020204" pitchFamily="34" charset="0"/>
+              <a:buChar char="•"/>
+            </a:pPr>
+            <a:r>
+              <a:rPr lang="es-ES" sz="1400" dirty="0" err="1">
+                <a:solidFill>
+                  <a:prstClr val="black"/>
+                </a:solidFill>
+                <a:latin typeface="Calibri" panose="020F0502020204030204"/>
+              </a:rPr>
+              <a:t>ToDO</a:t>
+            </a:r>
+            <a:r>
+              <a:rPr lang="es-ES" sz="1400" dirty="0">
+                <a:solidFill>
+                  <a:prstClr val="black"/>
+                </a:solidFill>
+                <a:latin typeface="Calibri" panose="020F0502020204030204"/>
+              </a:rPr>
+              <a:t>: </a:t>
+            </a:r>
+            <a:r>
+              <a:rPr lang="es-ES" sz="1400" b="0" i="0" dirty="0">
+                <a:effectLst/>
+                <a:latin typeface="__fkGroteskNeue_598ab8"/>
+              </a:rPr>
+              <a:t>Reunir a los representantes del negocio de desarrollo y de calidad para identificar y listar los atributos privados.</a:t>
+            </a:r>
+          </a:p>
+          <a:p>
+            <a:pPr marL="252146" indent="-252146" defTabSz="403433">
+              <a:buFont typeface="Arial" panose="020B0604020202020204" pitchFamily="34" charset="0"/>
+              <a:buChar char="•"/>
+            </a:pPr>
+            <a:r>
+              <a:rPr lang="es-ES" sz="1412" dirty="0" err="1">
+                <a:solidFill>
+                  <a:prstClr val="black"/>
+                </a:solidFill>
+                <a:latin typeface="Calibri" panose="020F0502020204030204"/>
+              </a:rPr>
+              <a:t>ToDO</a:t>
+            </a:r>
+            <a:r>
+              <a:rPr lang="es-ES" sz="1412" dirty="0">
+                <a:solidFill>
+                  <a:prstClr val="black"/>
+                </a:solidFill>
+                <a:latin typeface="Calibri" panose="020F0502020204030204"/>
+              </a:rPr>
+              <a:t>: </a:t>
+            </a:r>
+            <a:r>
+              <a:rPr lang="es-ES" sz="1400" dirty="0">
+                <a:solidFill>
+                  <a:prstClr val="black"/>
+                </a:solidFill>
+                <a:latin typeface="Calibri" panose="020F0502020204030204"/>
+              </a:rPr>
+              <a:t>Documentar con los interesados del negocio y los representantes de la oficina de datos, las reglas específicas para cada atributo.</a:t>
+            </a:r>
+          </a:p>
+          <a:p>
+            <a:pPr marL="252146" indent="-252146" defTabSz="403433">
+              <a:buFont typeface="Arial" panose="020B0604020202020204" pitchFamily="34" charset="0"/>
+              <a:buChar char="•"/>
+            </a:pPr>
+            <a:r>
+              <a:rPr lang="es-ES" sz="1400" dirty="0" err="1">
+                <a:solidFill>
+                  <a:prstClr val="black"/>
+                </a:solidFill>
+                <a:latin typeface="Calibri" panose="020F0502020204030204"/>
+              </a:rPr>
+              <a:t>ToDO</a:t>
+            </a:r>
+            <a:r>
+              <a:rPr lang="es-ES" sz="1400" dirty="0">
+                <a:solidFill>
+                  <a:prstClr val="black"/>
+                </a:solidFill>
+                <a:latin typeface="Calibri" panose="020F0502020204030204"/>
+              </a:rPr>
+              <a:t>: Organizar talleres o sesiones de formación sobre las reglas de calidad definidas.</a:t>
+            </a:r>
+          </a:p>
+        </p:txBody>
+      </p:sp>
+      <p:sp>
+        <p:nvSpPr>
+          <p:cNvPr id="6" name="Rectángulo 5"/>
+          <p:cNvSpPr/>
+          <p:nvPr/>
+        </p:nvSpPr>
+        <p:spPr>
+          <a:xfrm>
+            <a:off x="6003091" y="3182250"/>
+            <a:ext cx="5041627" cy="3156905"/>
+          </a:xfrm>
+          <a:prstGeom prst="rect">
+            <a:avLst/>
+          </a:prstGeom>
+        </p:spPr>
+        <p:style>
+          <a:lnRef idx="2">
+            <a:schemeClr val="accent2"/>
+          </a:lnRef>
+          <a:fillRef idx="1">
+            <a:schemeClr val="lt1"/>
+          </a:fillRef>
+          <a:effectRef idx="0">
+            <a:schemeClr val="accent2"/>
+          </a:effectRef>
+          <a:fontRef idx="minor">
+            <a:schemeClr val="dk1"/>
+          </a:fontRef>
+        </p:style>
+        <p:txBody>
+          <a:bodyPr rtlCol="0" anchor="t"/>
+          <a:lstStyle/>
+          <a:p>
+            <a:pPr algn="ctr" defTabSz="403433"/>
+            <a:r>
+              <a:rPr lang="es-ES" sz="1412" b="1" dirty="0">
+                <a:solidFill>
+                  <a:srgbClr val="FFC000"/>
+                </a:solidFill>
+                <a:latin typeface="Calibri" panose="020F0502020204030204"/>
+              </a:rPr>
+              <a:t>KR2: Al finalizar el año, el 90% las reglas de calidad definidas deben quedar implementadas en los sistemas ERP y el portal B2C, para al menos 3 dominios de datos.</a:t>
+            </a:r>
+            <a:endParaRPr lang="es-ES" sz="1412" dirty="0">
+              <a:solidFill>
+                <a:prstClr val="black"/>
+              </a:solidFill>
+              <a:latin typeface="Calibri" panose="020F0502020204030204"/>
+            </a:endParaRPr>
+          </a:p>
+          <a:p>
+            <a:pPr marL="252146" indent="-252146" defTabSz="403433">
+              <a:buFont typeface="Arial" panose="020B0604020202020204" pitchFamily="34" charset="0"/>
+              <a:buChar char="•"/>
+            </a:pPr>
+            <a:endParaRPr lang="es-ES" sz="1412" dirty="0">
+              <a:solidFill>
+                <a:prstClr val="black"/>
+              </a:solidFill>
+              <a:latin typeface="Calibri" panose="020F0502020204030204"/>
+            </a:endParaRPr>
+          </a:p>
+          <a:p>
+            <a:pPr marL="252146" indent="-252146" defTabSz="403433">
+              <a:buFont typeface="Arial" panose="020B0604020202020204" pitchFamily="34" charset="0"/>
+              <a:buChar char="•"/>
+            </a:pPr>
+            <a:r>
+              <a:rPr lang="es-ES" sz="1412" dirty="0" err="1">
+                <a:solidFill>
+                  <a:prstClr val="black"/>
+                </a:solidFill>
+                <a:latin typeface="Calibri" panose="020F0502020204030204"/>
+              </a:rPr>
+              <a:t>ToDO</a:t>
+            </a:r>
+            <a:r>
+              <a:rPr lang="es-ES" sz="1412" dirty="0">
+                <a:solidFill>
+                  <a:prstClr val="black"/>
+                </a:solidFill>
+                <a:latin typeface="Calibri" panose="020F0502020204030204"/>
+              </a:rPr>
+              <a:t>: Junto con los representantes del negocio, llevar a cabo la definición de los 3 dominios de datos</a:t>
+            </a:r>
+          </a:p>
+          <a:p>
+            <a:pPr marL="252146" indent="-252146" defTabSz="403433">
+              <a:buFont typeface="Arial" panose="020B0604020202020204" pitchFamily="34" charset="0"/>
+              <a:buChar char="•"/>
+            </a:pPr>
+            <a:r>
+              <a:rPr lang="es-ES" sz="1412" dirty="0" err="1">
+                <a:solidFill>
+                  <a:prstClr val="black"/>
+                </a:solidFill>
+                <a:latin typeface="Calibri" panose="020F0502020204030204"/>
+              </a:rPr>
+              <a:t>ToDO</a:t>
+            </a:r>
+            <a:r>
+              <a:rPr lang="es-ES" sz="1412" dirty="0">
+                <a:solidFill>
+                  <a:prstClr val="black"/>
+                </a:solidFill>
+                <a:latin typeface="Calibri" panose="020F0502020204030204"/>
+              </a:rPr>
+              <a:t>: Identificar las brechas en la implementación de las reglas de calidad en los sistemas ERP y el portal B2C actuales.</a:t>
+            </a:r>
+          </a:p>
+          <a:p>
+            <a:pPr marL="252146" indent="-252146" defTabSz="403433">
+              <a:buFont typeface="Arial" panose="020B0604020202020204" pitchFamily="34" charset="0"/>
+              <a:buChar char="•"/>
+            </a:pPr>
+            <a:r>
+              <a:rPr lang="es-ES" sz="1412" dirty="0" err="1">
+                <a:solidFill>
+                  <a:prstClr val="black"/>
+                </a:solidFill>
+                <a:latin typeface="Calibri" panose="020F0502020204030204"/>
+              </a:rPr>
+              <a:t>ToDO</a:t>
+            </a:r>
+            <a:r>
+              <a:rPr lang="es-ES" sz="1412" dirty="0">
+                <a:solidFill>
+                  <a:prstClr val="black"/>
+                </a:solidFill>
+                <a:latin typeface="Calibri" panose="020F0502020204030204"/>
+              </a:rPr>
+              <a:t>: Desarrollar un plan detallado para implementar las reglas de calidad en los sistemas.</a:t>
+            </a:r>
+          </a:p>
+          <a:p>
+            <a:pPr marL="252146" indent="-252146" defTabSz="403433">
+              <a:buFont typeface="Arial" panose="020B0604020202020204" pitchFamily="34" charset="0"/>
+              <a:buChar char="•"/>
+            </a:pPr>
+            <a:r>
+              <a:rPr lang="es-ES" sz="1412" dirty="0" err="1">
+                <a:solidFill>
+                  <a:prstClr val="black"/>
+                </a:solidFill>
+                <a:latin typeface="Calibri" panose="020F0502020204030204"/>
+              </a:rPr>
+              <a:t>ToDO</a:t>
+            </a:r>
+            <a:r>
+              <a:rPr lang="es-ES" sz="1412" dirty="0">
+                <a:solidFill>
+                  <a:prstClr val="black"/>
+                </a:solidFill>
+                <a:latin typeface="Calibri" panose="020F0502020204030204"/>
+              </a:rPr>
+              <a:t>: Configurar y ajustar los sistemas ERP y B2C según las reglas definidas.</a:t>
+            </a:r>
+          </a:p>
+          <a:p>
+            <a:pPr marL="252146" indent="-252146" defTabSz="403433">
+              <a:buFont typeface="Arial" panose="020B0604020202020204" pitchFamily="34" charset="0"/>
+              <a:buChar char="•"/>
+            </a:pPr>
+            <a:r>
+              <a:rPr lang="es-ES" sz="1412" dirty="0" err="1">
+                <a:solidFill>
+                  <a:prstClr val="black"/>
+                </a:solidFill>
+                <a:latin typeface="Calibri" panose="020F0502020204030204"/>
+              </a:rPr>
+              <a:t>ToDO</a:t>
+            </a:r>
+            <a:r>
+              <a:rPr lang="es-ES" sz="1412" dirty="0">
+                <a:solidFill>
+                  <a:prstClr val="black"/>
+                </a:solidFill>
+                <a:latin typeface="Calibri" panose="020F0502020204030204"/>
+              </a:rPr>
+              <a:t>: Realizar pruebas con usuarios finales para validar la implementación.</a:t>
+            </a:r>
+            <a:endParaRPr lang="es-CO" sz="1412" dirty="0">
+              <a:solidFill>
+                <a:prstClr val="black"/>
+              </a:solidFill>
+              <a:latin typeface="Calibri" panose="020F0502020204030204"/>
+            </a:endParaRPr>
+          </a:p>
+        </p:txBody>
+      </p:sp>
+      <p:sp>
+        <p:nvSpPr>
+          <p:cNvPr id="9" name="Flecha curvada hacia arriba 8"/>
+          <p:cNvSpPr/>
+          <p:nvPr/>
+        </p:nvSpPr>
+        <p:spPr>
+          <a:xfrm rot="15554661">
+            <a:off x="9133930" y="1843137"/>
+            <a:ext cx="1217754" cy="904014"/>
+          </a:xfrm>
+          <a:prstGeom prst="curvedUpArrow">
+            <a:avLst/>
+          </a:prstGeom>
+        </p:spPr>
+        <p:style>
+          <a:lnRef idx="2">
+            <a:schemeClr val="accent1">
+              <a:shade val="50000"/>
+            </a:schemeClr>
+          </a:lnRef>
+          <a:fillRef idx="1">
+            <a:schemeClr val="accent1"/>
+          </a:fillRef>
+          <a:effectRef idx="0">
+            <a:schemeClr val="accent1"/>
+          </a:effectRef>
+          <a:fontRef idx="minor">
+            <a:schemeClr val="lt1"/>
+          </a:fontRef>
+        </p:style>
+        <p:txBody>
+          <a:bodyPr rtlCol="0" anchor="ctr"/>
+          <a:lstStyle/>
+          <a:p>
+            <a:pPr algn="ctr" defTabSz="403433"/>
+            <a:endParaRPr lang="es-CO" sz="1588">
+              <a:solidFill>
+                <a:prstClr val="black"/>
+              </a:solidFill>
+              <a:latin typeface="Calibri" panose="020F0502020204030204"/>
+            </a:endParaRPr>
+          </a:p>
+        </p:txBody>
+      </p:sp>
+      <p:sp>
+        <p:nvSpPr>
+          <p:cNvPr id="12" name="Flecha curvada hacia abajo 11"/>
+          <p:cNvSpPr/>
+          <p:nvPr/>
+        </p:nvSpPr>
+        <p:spPr>
+          <a:xfrm rot="16511849">
+            <a:off x="1929591" y="2028828"/>
+            <a:ext cx="1220803" cy="826601"/>
+          </a:xfrm>
+          <a:prstGeom prst="curvedDownArrow">
+            <a:avLst/>
+          </a:prstGeom>
+        </p:spPr>
+        <p:style>
+          <a:lnRef idx="2">
+            <a:schemeClr val="accent1">
+              <a:shade val="50000"/>
+            </a:schemeClr>
+          </a:lnRef>
+          <a:fillRef idx="1">
+            <a:schemeClr val="accent1"/>
+          </a:fillRef>
+          <a:effectRef idx="0">
+            <a:schemeClr val="accent1"/>
+          </a:effectRef>
+          <a:fontRef idx="minor">
+            <a:schemeClr val="lt1"/>
+          </a:fontRef>
+        </p:style>
+        <p:txBody>
+          <a:bodyPr rtlCol="0" anchor="ctr"/>
+          <a:lstStyle/>
+          <a:p>
+            <a:pPr algn="ctr" defTabSz="403433"/>
+            <a:endParaRPr lang="es-CO" sz="1588">
+              <a:solidFill>
+                <a:prstClr val="black"/>
+              </a:solidFill>
+              <a:latin typeface="Calibri" panose="020F0502020204030204"/>
+            </a:endParaRPr>
+          </a:p>
+        </p:txBody>
+      </p:sp>
+    </p:spTree>
+    <p:extLst>
+      <p:ext uri="{BB962C8B-B14F-4D97-AF65-F5344CB8AC3E}">
+        <p14:creationId xmlns:p14="http://schemas.microsoft.com/office/powerpoint/2010/main" val="1546938597"/>
+      </p:ext>
+    </p:extLst>
+  </p:cSld>
+  <p:clrMapOvr>
+    <a:overrideClrMapping bg1="lt1" tx1="dk1" bg2="lt2" tx2="dk2" accent1="accent1" accent2="accent2" accent3="accent3" accent4="accent4" accent5="accent5" accent6="accent6" hlink="hlink" folHlink="folHlink"/>
+  </p:clrMapOvr>
+</p:sld>
+</file>
+
+<file path=ppt/slides/slide16.xml><?xml version="1.0" encoding="utf-8"?>
+<p:sld xmlns:a="http://schemas.openxmlformats.org/drawingml/2006/main" xmlns:r="http://schemas.openxmlformats.org/officeDocument/2006/relationships" xmlns:p="http://schemas.openxmlformats.org/presentationml/2006/main">
+  <p:cSld>
+    <p:spTree>
+      <p:nvGrpSpPr>
+        <p:cNvPr id="1" name=""/>
+        <p:cNvGrpSpPr/>
+        <p:nvPr/>
+      </p:nvGrpSpPr>
+      <p:grpSpPr>
+        <a:xfrm>
+          <a:off x="0" y="0"/>
+          <a:ext cx="0" cy="0"/>
+          <a:chOff x="0" y="0"/>
+          <a:chExt cx="0" cy="0"/>
+        </a:xfrm>
+      </p:grpSpPr>
+      <p:pic>
+        <p:nvPicPr>
+          <p:cNvPr id="5" name="Imagen 4">
+            <a:extLst>
+              <a:ext uri="{FF2B5EF4-FFF2-40B4-BE49-F238E27FC236}">
+                <a16:creationId xmlns:a16="http://schemas.microsoft.com/office/drawing/2014/main" id="{4A033ECC-112B-48A3-BCFB-50A3D3DE0EE1}"/>
+              </a:ext>
+            </a:extLst>
+          </p:cNvPr>
+          <p:cNvPicPr>
+            <a:picLocks noChangeAspect="1"/>
+          </p:cNvPicPr>
+          <p:nvPr/>
+        </p:nvPicPr>
+        <p:blipFill>
+          <a:blip r:embed="rId2"/>
+          <a:stretch>
+            <a:fillRect/>
+          </a:stretch>
+        </p:blipFill>
+        <p:spPr>
+          <a:xfrm>
+            <a:off x="352540" y="1185696"/>
+            <a:ext cx="11102749" cy="4486608"/>
+          </a:xfrm>
+          <a:prstGeom prst="rect">
+            <a:avLst/>
+          </a:prstGeom>
+        </p:spPr>
+      </p:pic>
+      <p:sp>
+        <p:nvSpPr>
+          <p:cNvPr id="9" name="CuadroTexto 8">
+            <a:extLst>
+              <a:ext uri="{FF2B5EF4-FFF2-40B4-BE49-F238E27FC236}">
+                <a16:creationId xmlns:a16="http://schemas.microsoft.com/office/drawing/2014/main" id="{8CC40243-4C05-4B09-8D78-98F027AD10B8}"/>
+              </a:ext>
+            </a:extLst>
+          </p:cNvPr>
+          <p:cNvSpPr txBox="1"/>
+          <p:nvPr/>
+        </p:nvSpPr>
+        <p:spPr>
+          <a:xfrm>
+            <a:off x="3998810" y="569988"/>
+            <a:ext cx="4407061" cy="461665"/>
+          </a:xfrm>
+          <a:prstGeom prst="rect">
+            <a:avLst/>
+          </a:prstGeom>
+          <a:noFill/>
+        </p:spPr>
+        <p:txBody>
+          <a:bodyPr wrap="square">
+            <a:spAutoFit/>
+          </a:bodyPr>
+          <a:lstStyle/>
+          <a:p>
+            <a:pPr algn="ctr"/>
+            <a:r>
+              <a:rPr lang="es-CO" sz="2400" dirty="0"/>
+              <a:t>Herramienta: </a:t>
+            </a:r>
+            <a:r>
+              <a:rPr lang="es-CO" sz="2400" dirty="0" err="1"/>
+              <a:t>ClickUp</a:t>
+            </a:r>
+            <a:r>
+              <a:rPr lang="es-CO" sz="2400" dirty="0"/>
+              <a:t> </a:t>
+            </a:r>
+          </a:p>
+        </p:txBody>
+      </p:sp>
+    </p:spTree>
+    <p:extLst>
+      <p:ext uri="{BB962C8B-B14F-4D97-AF65-F5344CB8AC3E}">
+        <p14:creationId xmlns:p14="http://schemas.microsoft.com/office/powerpoint/2010/main" val="1276971801"/>
+      </p:ext>
+    </p:extLst>
+  </p:cSld>
+  <p:clrMapOvr>
+    <a:masterClrMapping/>
+  </p:clrMapOvr>
+</p:sld>
+</file>
+
+<file path=ppt/slides/slide2.xml><?xml version="1.0" encoding="utf-8"?>
+<p:sld xmlns:a="http://schemas.openxmlformats.org/drawingml/2006/main" xmlns:r="http://schemas.openxmlformats.org/officeDocument/2006/relationships" xmlns:p="http://schemas.openxmlformats.org/presentationml/2006/main">
+  <p:cSld>
+    <p:spTree>
+      <p:nvGrpSpPr>
+        <p:cNvPr id="1" name=""/>
+        <p:cNvGrpSpPr/>
+        <p:nvPr/>
+      </p:nvGrpSpPr>
+      <p:grpSpPr>
+        <a:xfrm>
+          <a:off x="0" y="0"/>
+          <a:ext cx="0" cy="0"/>
+          <a:chOff x="0" y="0"/>
+          <a:chExt cx="0" cy="0"/>
+        </a:xfrm>
+      </p:grpSpPr>
+      <p:sp>
+        <p:nvSpPr>
+          <p:cNvPr id="4" name="Título 3"/>
+          <p:cNvSpPr>
+            <a:spLocks noGrp="1"/>
+          </p:cNvSpPr>
+          <p:nvPr>
+            <p:ph type="ctrTitle"/>
+          </p:nvPr>
+        </p:nvSpPr>
+        <p:spPr>
+          <a:xfrm>
+            <a:off x="1012197" y="2273776"/>
+            <a:ext cx="5480853" cy="1716334"/>
+          </a:xfrm>
+        </p:spPr>
+        <p:txBody>
+          <a:bodyPr>
+            <a:noAutofit/>
+          </a:bodyPr>
+          <a:lstStyle/>
+          <a:p>
+            <a:r>
+              <a:rPr lang="es-ES" sz="3177" b="1" dirty="0"/>
+              <a:t>Introducción a los Indicadores para medir aspectos del comercio electrónico</a:t>
+            </a:r>
+            <a:endParaRPr lang="es-CO" sz="3177" b="1" dirty="0"/>
+          </a:p>
+        </p:txBody>
+      </p:sp>
+      <p:pic>
+        <p:nvPicPr>
+          <p:cNvPr id="6" name="Imagen 5"/>
+          <p:cNvPicPr>
+            <a:picLocks noChangeAspect="1"/>
+          </p:cNvPicPr>
+          <p:nvPr/>
+        </p:nvPicPr>
+        <p:blipFill>
+          <a:blip r:embed="rId2"/>
+          <a:stretch>
+            <a:fillRect/>
+          </a:stretch>
+        </p:blipFill>
+        <p:spPr>
+          <a:xfrm>
+            <a:off x="7018776" y="1217588"/>
+            <a:ext cx="3597088" cy="4076140"/>
+          </a:xfrm>
+          <a:prstGeom prst="rect">
+            <a:avLst/>
+          </a:prstGeom>
+        </p:spPr>
+      </p:pic>
+    </p:spTree>
+    <p:extLst>
+      <p:ext uri="{BB962C8B-B14F-4D97-AF65-F5344CB8AC3E}">
+        <p14:creationId xmlns:p14="http://schemas.microsoft.com/office/powerpoint/2010/main" val="3694079091"/>
+      </p:ext>
+    </p:extLst>
+  </p:cSld>
+  <p:clrMapOvr>
+    <a:masterClrMapping/>
+  </p:clrMapOvr>
+</p:sld>
+</file>
+
+<file path=ppt/slides/slide3.xml><?xml version="1.0" encoding="utf-8"?>
+<p:sld xmlns:a="http://schemas.openxmlformats.org/drawingml/2006/main" xmlns:r="http://schemas.openxmlformats.org/officeDocument/2006/relationships" xmlns:p="http://schemas.openxmlformats.org/presentationml/2006/main">
+  <p:cSld>
+    <p:spTree>
+      <p:nvGrpSpPr>
+        <p:cNvPr id="1" name=""/>
+        <p:cNvGrpSpPr/>
+        <p:nvPr/>
+      </p:nvGrpSpPr>
+      <p:grpSpPr>
+        <a:xfrm>
+          <a:off x="0" y="0"/>
+          <a:ext cx="0" cy="0"/>
+          <a:chOff x="0" y="0"/>
+          <a:chExt cx="0" cy="0"/>
+        </a:xfrm>
+      </p:grpSpPr>
+      <p:sp>
+        <p:nvSpPr>
+          <p:cNvPr id="2" name="Título 1"/>
+          <p:cNvSpPr>
+            <a:spLocks noGrp="1"/>
+          </p:cNvSpPr>
+          <p:nvPr>
+            <p:ph type="title"/>
+          </p:nvPr>
+        </p:nvSpPr>
+        <p:spPr>
+          <a:xfrm>
+            <a:off x="838200" y="365126"/>
+            <a:ext cx="9377006" cy="1325563"/>
+          </a:xfrm>
+        </p:spPr>
+        <p:txBody>
+          <a:bodyPr/>
+          <a:lstStyle/>
+          <a:p>
+            <a:r>
+              <a:rPr lang="es-ES" dirty="0"/>
+              <a:t>Qué es un </a:t>
+            </a:r>
+            <a:r>
+              <a:rPr lang="es-ES" dirty="0" err="1"/>
+              <a:t>Funnel</a:t>
+            </a:r>
+            <a:r>
+              <a:rPr lang="es-ES" dirty="0"/>
+              <a:t>?</a:t>
+            </a:r>
+            <a:endParaRPr lang="es-CO" dirty="0"/>
+          </a:p>
+        </p:txBody>
+      </p:sp>
+      <p:sp>
+        <p:nvSpPr>
+          <p:cNvPr id="3" name="Marcador de contenido 2"/>
+          <p:cNvSpPr>
+            <a:spLocks noGrp="1"/>
+          </p:cNvSpPr>
+          <p:nvPr>
+            <p:ph idx="1"/>
+          </p:nvPr>
+        </p:nvSpPr>
+        <p:spPr>
+          <a:xfrm>
+            <a:off x="838200" y="1690689"/>
+            <a:ext cx="4371965" cy="4558774"/>
+          </a:xfrm>
+        </p:spPr>
+        <p:txBody>
+          <a:bodyPr>
+            <a:normAutofit fontScale="70000" lnSpcReduction="20000"/>
+          </a:bodyPr>
+          <a:lstStyle/>
+          <a:p>
+            <a:pPr marL="0" indent="0">
+              <a:buNone/>
+            </a:pPr>
+            <a:r>
+              <a:rPr lang="es-ES" dirty="0" err="1"/>
+              <a:t>Funnel</a:t>
+            </a:r>
+            <a:endParaRPr lang="es-ES" dirty="0"/>
+          </a:p>
+          <a:p>
+            <a:r>
+              <a:rPr lang="es-ES" dirty="0"/>
+              <a:t>El </a:t>
+            </a:r>
+            <a:r>
+              <a:rPr lang="es-ES" dirty="0" err="1"/>
+              <a:t>Funnel</a:t>
+            </a:r>
+            <a:r>
+              <a:rPr lang="es-ES" dirty="0"/>
+              <a:t> es un tipo de método analítico que muestra los pasos importantes del </a:t>
+            </a:r>
+            <a:r>
+              <a:rPr lang="es-ES" dirty="0" err="1"/>
+              <a:t>journey</a:t>
+            </a:r>
+            <a:r>
+              <a:rPr lang="es-ES" dirty="0"/>
+              <a:t> del cliente</a:t>
+            </a:r>
+          </a:p>
+          <a:p>
+            <a:r>
+              <a:rPr lang="es-ES" dirty="0"/>
+              <a:t>Ayuda a comprender el porcentaje de usuarios que permanecen o abandonan en un paso determinado</a:t>
+            </a:r>
+          </a:p>
+          <a:p>
+            <a:pPr marL="0" indent="0">
+              <a:buNone/>
+            </a:pPr>
+            <a:r>
+              <a:rPr lang="es-CO" sz="2559" i="1" dirty="0"/>
+              <a:t>Fuente: </a:t>
+            </a:r>
+            <a:r>
+              <a:rPr lang="es-CO" sz="2559" i="1" dirty="0" err="1"/>
+              <a:t>Tomi</a:t>
+            </a:r>
+            <a:r>
+              <a:rPr lang="es-CO" sz="2559" i="1" dirty="0"/>
+              <a:t> Mester, data36.com</a:t>
+            </a:r>
+            <a:endParaRPr lang="es-CO" sz="2559" dirty="0"/>
+          </a:p>
+          <a:p>
+            <a:pPr marL="0" indent="0">
+              <a:buNone/>
+            </a:pPr>
+            <a:endParaRPr lang="es-ES" dirty="0"/>
+          </a:p>
+          <a:p>
+            <a:pPr marL="0" indent="0">
+              <a:buNone/>
+            </a:pPr>
+            <a:r>
+              <a:rPr lang="es-ES" dirty="0" err="1"/>
+              <a:t>Funnel</a:t>
+            </a:r>
+            <a:r>
+              <a:rPr lang="es-ES" dirty="0"/>
+              <a:t> de Ventas</a:t>
+            </a:r>
+          </a:p>
+          <a:p>
+            <a:r>
+              <a:rPr lang="es-ES" dirty="0"/>
+              <a:t>Camino que recorre un cliente desde que te conoce por primera vez hasta que te acaba comprando por primera, segunda o n veces.</a:t>
+            </a:r>
+          </a:p>
+          <a:p>
+            <a:pPr marL="0" indent="0">
+              <a:buNone/>
+            </a:pPr>
+            <a:r>
+              <a:rPr lang="es-CO" sz="2559" i="1" dirty="0"/>
+              <a:t>Fuente: Alfonso Prim, innokabi.com</a:t>
+            </a:r>
+            <a:endParaRPr lang="es-CO" sz="2559" dirty="0"/>
+          </a:p>
+          <a:p>
+            <a:pPr marL="0" indent="0">
+              <a:buNone/>
+            </a:pPr>
+            <a:endParaRPr lang="es-ES" dirty="0"/>
+          </a:p>
+        </p:txBody>
+      </p:sp>
+      <p:pic>
+        <p:nvPicPr>
+          <p:cNvPr id="6" name="Imagen 5"/>
+          <p:cNvPicPr>
+            <a:picLocks noChangeAspect="1"/>
+          </p:cNvPicPr>
+          <p:nvPr/>
+        </p:nvPicPr>
+        <p:blipFill>
+          <a:blip r:embed="rId2"/>
+          <a:stretch>
+            <a:fillRect/>
+          </a:stretch>
+        </p:blipFill>
+        <p:spPr>
+          <a:xfrm>
+            <a:off x="5326589" y="2211928"/>
+            <a:ext cx="2855985" cy="3107983"/>
+          </a:xfrm>
+          <a:prstGeom prst="rect">
+            <a:avLst/>
+          </a:prstGeom>
+        </p:spPr>
+      </p:pic>
+      <p:sp>
+        <p:nvSpPr>
+          <p:cNvPr id="7" name="Rectángulo 6"/>
+          <p:cNvSpPr/>
+          <p:nvPr/>
+        </p:nvSpPr>
+        <p:spPr>
+          <a:xfrm>
+            <a:off x="6361522" y="5319911"/>
+            <a:ext cx="3575018" cy="309637"/>
+          </a:xfrm>
+          <a:prstGeom prst="rect">
+            <a:avLst/>
+          </a:prstGeom>
+        </p:spPr>
+        <p:txBody>
+          <a:bodyPr wrap="none">
+            <a:spAutoFit/>
+          </a:bodyPr>
+          <a:lstStyle/>
+          <a:p>
+            <a:pPr defTabSz="403433"/>
+            <a:r>
+              <a:rPr lang="es-CO" sz="1412" i="1" dirty="0" err="1">
+                <a:solidFill>
+                  <a:srgbClr val="333333"/>
+                </a:solidFill>
+                <a:latin typeface="Lato"/>
+              </a:rPr>
+              <a:t>Dave</a:t>
+            </a:r>
+            <a:r>
+              <a:rPr lang="es-CO" sz="1412" i="1" dirty="0">
+                <a:solidFill>
+                  <a:srgbClr val="333333"/>
+                </a:solidFill>
+                <a:latin typeface="Lato"/>
+              </a:rPr>
+              <a:t> </a:t>
+            </a:r>
+            <a:r>
+              <a:rPr lang="es-CO" sz="1412" i="1" dirty="0" err="1">
+                <a:solidFill>
+                  <a:srgbClr val="333333"/>
+                </a:solidFill>
+                <a:latin typeface="Lato"/>
+              </a:rPr>
+              <a:t>McClure</a:t>
+            </a:r>
+            <a:r>
+              <a:rPr lang="es-CO" sz="1412" i="1" dirty="0">
+                <a:solidFill>
+                  <a:srgbClr val="333333"/>
+                </a:solidFill>
+                <a:latin typeface="Lato"/>
+              </a:rPr>
+              <a:t> AARRR </a:t>
+            </a:r>
+            <a:r>
+              <a:rPr lang="es-CO" sz="1412" i="1" dirty="0" err="1">
+                <a:solidFill>
+                  <a:srgbClr val="333333"/>
+                </a:solidFill>
+                <a:latin typeface="Lato"/>
+              </a:rPr>
+              <a:t>Simplest</a:t>
+            </a:r>
+            <a:r>
+              <a:rPr lang="es-CO" sz="1412" i="1" dirty="0">
+                <a:solidFill>
+                  <a:srgbClr val="333333"/>
+                </a:solidFill>
+                <a:latin typeface="Lato"/>
+              </a:rPr>
+              <a:t> </a:t>
+            </a:r>
+            <a:r>
+              <a:rPr lang="es-CO" sz="1412" i="1" dirty="0" err="1">
+                <a:solidFill>
+                  <a:srgbClr val="333333"/>
+                </a:solidFill>
+                <a:latin typeface="Lato"/>
+              </a:rPr>
+              <a:t>Funnel</a:t>
+            </a:r>
+            <a:r>
+              <a:rPr lang="es-CO" sz="1412" i="1" dirty="0">
+                <a:solidFill>
+                  <a:srgbClr val="333333"/>
+                </a:solidFill>
+                <a:latin typeface="Lato"/>
+              </a:rPr>
+              <a:t> </a:t>
+            </a:r>
+            <a:r>
+              <a:rPr lang="es-CO" sz="1412" i="1" dirty="0" err="1">
+                <a:solidFill>
+                  <a:srgbClr val="333333"/>
+                </a:solidFill>
+                <a:latin typeface="Lato"/>
+              </a:rPr>
+              <a:t>model</a:t>
+            </a:r>
+            <a:endParaRPr lang="es-CO" sz="1412" dirty="0">
+              <a:solidFill>
+                <a:prstClr val="black"/>
+              </a:solidFill>
+              <a:latin typeface="Calibri" panose="020F0502020204030204"/>
+            </a:endParaRPr>
+          </a:p>
+        </p:txBody>
+      </p:sp>
+      <p:sp>
+        <p:nvSpPr>
+          <p:cNvPr id="8" name="Rectángulo 7"/>
+          <p:cNvSpPr/>
+          <p:nvPr/>
+        </p:nvSpPr>
+        <p:spPr>
+          <a:xfrm>
+            <a:off x="8182574" y="2338421"/>
+            <a:ext cx="3195006" cy="451274"/>
+          </a:xfrm>
+          <a:prstGeom prst="rect">
+            <a:avLst/>
+          </a:prstGeom>
+        </p:spPr>
+        <p:style>
+          <a:lnRef idx="2">
+            <a:schemeClr val="dk1"/>
+          </a:lnRef>
+          <a:fillRef idx="1">
+            <a:schemeClr val="lt1"/>
+          </a:fillRef>
+          <a:effectRef idx="0">
+            <a:schemeClr val="dk1"/>
+          </a:effectRef>
+          <a:fontRef idx="minor">
+            <a:schemeClr val="dk1"/>
+          </a:fontRef>
+        </p:style>
+        <p:txBody>
+          <a:bodyPr rtlCol="0" anchor="ctr"/>
+          <a:lstStyle/>
+          <a:p>
+            <a:pPr algn="ctr" defTabSz="403433"/>
+            <a:r>
+              <a:rPr lang="es-ES" sz="1412" dirty="0">
+                <a:solidFill>
+                  <a:prstClr val="black"/>
+                </a:solidFill>
+                <a:latin typeface="Calibri" panose="020F0502020204030204"/>
+              </a:rPr>
+              <a:t>Cantidad de Usuarios en la </a:t>
+            </a:r>
+            <a:r>
+              <a:rPr lang="es-ES" sz="1412" dirty="0" err="1">
+                <a:solidFill>
+                  <a:prstClr val="black"/>
+                </a:solidFill>
+                <a:latin typeface="Calibri" panose="020F0502020204030204"/>
+              </a:rPr>
+              <a:t>landing</a:t>
+            </a:r>
+            <a:r>
+              <a:rPr lang="es-ES" sz="1412" dirty="0">
+                <a:solidFill>
+                  <a:prstClr val="black"/>
+                </a:solidFill>
+                <a:latin typeface="Calibri" panose="020F0502020204030204"/>
+              </a:rPr>
+              <a:t> page</a:t>
+            </a:r>
+            <a:endParaRPr lang="es-CO" sz="1412" dirty="0">
+              <a:solidFill>
+                <a:prstClr val="black"/>
+              </a:solidFill>
+              <a:latin typeface="Calibri" panose="020F0502020204030204"/>
+            </a:endParaRPr>
+          </a:p>
+        </p:txBody>
+      </p:sp>
+      <p:sp>
+        <p:nvSpPr>
+          <p:cNvPr id="9" name="Rectángulo 8"/>
+          <p:cNvSpPr/>
+          <p:nvPr/>
+        </p:nvSpPr>
+        <p:spPr>
+          <a:xfrm>
+            <a:off x="8180297" y="2910489"/>
+            <a:ext cx="3195006" cy="451274"/>
+          </a:xfrm>
+          <a:prstGeom prst="rect">
+            <a:avLst/>
+          </a:prstGeom>
+        </p:spPr>
+        <p:style>
+          <a:lnRef idx="2">
+            <a:schemeClr val="accent1"/>
+          </a:lnRef>
+          <a:fillRef idx="1">
+            <a:schemeClr val="lt1"/>
+          </a:fillRef>
+          <a:effectRef idx="0">
+            <a:schemeClr val="accent1"/>
+          </a:effectRef>
+          <a:fontRef idx="minor">
+            <a:schemeClr val="dk1"/>
+          </a:fontRef>
+        </p:style>
+        <p:txBody>
+          <a:bodyPr rtlCol="0" anchor="ctr"/>
+          <a:lstStyle/>
+          <a:p>
+            <a:pPr algn="ctr" defTabSz="403433"/>
+            <a:r>
+              <a:rPr lang="es-ES" sz="1412" dirty="0">
+                <a:solidFill>
+                  <a:prstClr val="black"/>
+                </a:solidFill>
+                <a:latin typeface="Calibri" panose="020F0502020204030204"/>
+              </a:rPr>
+              <a:t>Cantidad de usuarios que comienzan a ver el producto</a:t>
+            </a:r>
+            <a:endParaRPr lang="es-CO" sz="1412" dirty="0">
+              <a:solidFill>
+                <a:prstClr val="black"/>
+              </a:solidFill>
+              <a:latin typeface="Calibri" panose="020F0502020204030204"/>
+            </a:endParaRPr>
+          </a:p>
+        </p:txBody>
+      </p:sp>
+      <p:sp>
+        <p:nvSpPr>
+          <p:cNvPr id="10" name="Rectángulo 9"/>
+          <p:cNvSpPr/>
+          <p:nvPr/>
+        </p:nvSpPr>
+        <p:spPr>
+          <a:xfrm>
+            <a:off x="8180297" y="3518802"/>
+            <a:ext cx="3195006" cy="451274"/>
+          </a:xfrm>
+          <a:prstGeom prst="rect">
+            <a:avLst/>
+          </a:prstGeom>
+        </p:spPr>
+        <p:style>
+          <a:lnRef idx="2">
+            <a:schemeClr val="accent2"/>
+          </a:lnRef>
+          <a:fillRef idx="1">
+            <a:schemeClr val="lt1"/>
+          </a:fillRef>
+          <a:effectRef idx="0">
+            <a:schemeClr val="accent2"/>
+          </a:effectRef>
+          <a:fontRef idx="minor">
+            <a:schemeClr val="dk1"/>
+          </a:fontRef>
+        </p:style>
+        <p:txBody>
+          <a:bodyPr rtlCol="0" anchor="ctr"/>
+          <a:lstStyle/>
+          <a:p>
+            <a:pPr algn="ctr" defTabSz="403433"/>
+            <a:r>
+              <a:rPr lang="es-ES" sz="1412" dirty="0">
+                <a:solidFill>
+                  <a:prstClr val="black"/>
+                </a:solidFill>
+                <a:latin typeface="Calibri" panose="020F0502020204030204"/>
+              </a:rPr>
+              <a:t>Cantidad de usuarios que vuelven al </a:t>
+            </a:r>
+            <a:r>
+              <a:rPr lang="es-ES" sz="1412" dirty="0" err="1">
+                <a:solidFill>
+                  <a:prstClr val="black"/>
+                </a:solidFill>
+                <a:latin typeface="Calibri" panose="020F0502020204030204"/>
+              </a:rPr>
+              <a:t>website</a:t>
+            </a:r>
+            <a:r>
+              <a:rPr lang="es-ES" sz="1412" dirty="0">
+                <a:solidFill>
+                  <a:prstClr val="black"/>
+                </a:solidFill>
+                <a:latin typeface="Calibri" panose="020F0502020204030204"/>
+              </a:rPr>
+              <a:t> general o al del producto</a:t>
+            </a:r>
+            <a:endParaRPr lang="es-CO" sz="1412" dirty="0">
+              <a:solidFill>
+                <a:prstClr val="black"/>
+              </a:solidFill>
+              <a:latin typeface="Calibri" panose="020F0502020204030204"/>
+            </a:endParaRPr>
+          </a:p>
+        </p:txBody>
+      </p:sp>
+      <p:sp>
+        <p:nvSpPr>
+          <p:cNvPr id="11" name="Rectángulo 10"/>
+          <p:cNvSpPr/>
+          <p:nvPr/>
+        </p:nvSpPr>
+        <p:spPr>
+          <a:xfrm>
+            <a:off x="8180296" y="4139529"/>
+            <a:ext cx="3195006" cy="451274"/>
+          </a:xfrm>
+          <a:prstGeom prst="rect">
+            <a:avLst/>
+          </a:prstGeom>
+        </p:spPr>
+        <p:style>
+          <a:lnRef idx="2">
+            <a:schemeClr val="accent1"/>
+          </a:lnRef>
+          <a:fillRef idx="1">
+            <a:schemeClr val="lt1"/>
+          </a:fillRef>
+          <a:effectRef idx="0">
+            <a:schemeClr val="accent1"/>
+          </a:effectRef>
+          <a:fontRef idx="minor">
+            <a:schemeClr val="dk1"/>
+          </a:fontRef>
+        </p:style>
+        <p:txBody>
+          <a:bodyPr rtlCol="0" anchor="ctr"/>
+          <a:lstStyle/>
+          <a:p>
+            <a:pPr algn="ctr" defTabSz="403433"/>
+            <a:r>
+              <a:rPr lang="es-ES" sz="1412" dirty="0">
+                <a:solidFill>
+                  <a:prstClr val="black"/>
+                </a:solidFill>
+                <a:latin typeface="Calibri" panose="020F0502020204030204"/>
+              </a:rPr>
+              <a:t>Cantidad de usuarios que realizan compras</a:t>
+            </a:r>
+            <a:endParaRPr lang="es-CO" sz="1412" dirty="0">
+              <a:solidFill>
+                <a:prstClr val="black"/>
+              </a:solidFill>
+              <a:latin typeface="Calibri" panose="020F0502020204030204"/>
+            </a:endParaRPr>
+          </a:p>
+        </p:txBody>
+      </p:sp>
+      <p:sp>
+        <p:nvSpPr>
+          <p:cNvPr id="12" name="Rectángulo 11"/>
+          <p:cNvSpPr/>
+          <p:nvPr/>
+        </p:nvSpPr>
+        <p:spPr>
+          <a:xfrm>
+            <a:off x="8180296" y="4750468"/>
+            <a:ext cx="3195006" cy="451274"/>
+          </a:xfrm>
+          <a:prstGeom prst="rect">
+            <a:avLst/>
+          </a:prstGeom>
+        </p:spPr>
+        <p:style>
+          <a:lnRef idx="2">
+            <a:schemeClr val="accent4"/>
+          </a:lnRef>
+          <a:fillRef idx="1">
+            <a:schemeClr val="lt1"/>
+          </a:fillRef>
+          <a:effectRef idx="0">
+            <a:schemeClr val="accent4"/>
+          </a:effectRef>
+          <a:fontRef idx="minor">
+            <a:schemeClr val="dk1"/>
+          </a:fontRef>
+        </p:style>
+        <p:txBody>
+          <a:bodyPr rtlCol="0" anchor="ctr"/>
+          <a:lstStyle/>
+          <a:p>
+            <a:pPr algn="ctr" defTabSz="403433"/>
+            <a:r>
+              <a:rPr lang="es-ES" sz="1412" dirty="0">
+                <a:solidFill>
+                  <a:prstClr val="black"/>
+                </a:solidFill>
+                <a:latin typeface="Calibri" panose="020F0502020204030204"/>
+              </a:rPr>
+              <a:t>Cantidad de usuarios que recomiendan</a:t>
+            </a:r>
+            <a:endParaRPr lang="es-CO" sz="1412" dirty="0">
+              <a:solidFill>
+                <a:prstClr val="black"/>
+              </a:solidFill>
+              <a:latin typeface="Calibri" panose="020F0502020204030204"/>
+            </a:endParaRPr>
+          </a:p>
+        </p:txBody>
+      </p:sp>
+    </p:spTree>
+    <p:extLst>
+      <p:ext uri="{BB962C8B-B14F-4D97-AF65-F5344CB8AC3E}">
+        <p14:creationId xmlns:p14="http://schemas.microsoft.com/office/powerpoint/2010/main" val="3430917243"/>
+      </p:ext>
+    </p:extLst>
+  </p:cSld>
+  <p:clrMapOvr>
+    <a:masterClrMapping/>
+  </p:clrMapOvr>
+</p:sld>
+</file>
+
+<file path=ppt/slides/slide4.xml><?xml version="1.0" encoding="utf-8"?>
+<p:sld xmlns:a="http://schemas.openxmlformats.org/drawingml/2006/main" xmlns:r="http://schemas.openxmlformats.org/officeDocument/2006/relationships" xmlns:p="http://schemas.openxmlformats.org/presentationml/2006/main">
+  <p:cSld>
+    <p:spTree>
+      <p:nvGrpSpPr>
+        <p:cNvPr id="1" name=""/>
+        <p:cNvGrpSpPr/>
+        <p:nvPr/>
+      </p:nvGrpSpPr>
+      <p:grpSpPr>
+        <a:xfrm>
+          <a:off x="0" y="0"/>
+          <a:ext cx="0" cy="0"/>
+          <a:chOff x="0" y="0"/>
+          <a:chExt cx="0" cy="0"/>
+        </a:xfrm>
+      </p:grpSpPr>
+      <p:sp>
+        <p:nvSpPr>
+          <p:cNvPr id="2" name="Título 1"/>
+          <p:cNvSpPr>
+            <a:spLocks noGrp="1"/>
+          </p:cNvSpPr>
+          <p:nvPr>
+            <p:ph type="title"/>
+          </p:nvPr>
+        </p:nvSpPr>
+        <p:spPr/>
+        <p:txBody>
+          <a:bodyPr/>
+          <a:lstStyle/>
+          <a:p>
+            <a:r>
+              <a:rPr lang="es-ES" dirty="0"/>
+              <a:t>Para qué usan un </a:t>
+            </a:r>
+            <a:r>
+              <a:rPr lang="es-ES" dirty="0" err="1"/>
+              <a:t>funnel</a:t>
+            </a:r>
+            <a:r>
+              <a:rPr lang="es-ES" dirty="0"/>
+              <a:t> de ventas</a:t>
+            </a:r>
+            <a:endParaRPr lang="es-CO" dirty="0"/>
+          </a:p>
+        </p:txBody>
+      </p:sp>
+      <p:sp>
+        <p:nvSpPr>
+          <p:cNvPr id="4" name="Anillo 3"/>
+          <p:cNvSpPr/>
+          <p:nvPr/>
+        </p:nvSpPr>
+        <p:spPr>
+          <a:xfrm>
+            <a:off x="838201" y="2119622"/>
+            <a:ext cx="2533896" cy="2570895"/>
+          </a:xfrm>
+          <a:prstGeom prst="donut">
+            <a:avLst>
+              <a:gd name="adj" fmla="val 9446"/>
+            </a:avLst>
+          </a:prstGeom>
+        </p:spPr>
+        <p:style>
+          <a:lnRef idx="0">
+            <a:schemeClr val="accent4"/>
+          </a:lnRef>
+          <a:fillRef idx="3">
+            <a:schemeClr val="accent4"/>
+          </a:fillRef>
+          <a:effectRef idx="3">
+            <a:schemeClr val="accent4"/>
+          </a:effectRef>
+          <a:fontRef idx="minor">
+            <a:schemeClr val="lt1"/>
+          </a:fontRef>
+        </p:style>
+        <p:txBody>
+          <a:bodyPr rtlCol="0" anchor="ctr"/>
+          <a:lstStyle/>
+          <a:p>
+            <a:pPr algn="ctr" defTabSz="403433"/>
+            <a:r>
+              <a:rPr lang="es-ES" sz="1588" dirty="0">
+                <a:solidFill>
+                  <a:prstClr val="black"/>
+                </a:solidFill>
+                <a:latin typeface="Calibri" panose="020F0502020204030204"/>
+              </a:rPr>
+              <a:t>Vender</a:t>
+            </a:r>
+          </a:p>
+          <a:p>
+            <a:pPr algn="ctr" defTabSz="403433"/>
+            <a:r>
+              <a:rPr lang="es-ES" sz="1588" dirty="0">
+                <a:solidFill>
+                  <a:prstClr val="black"/>
+                </a:solidFill>
+                <a:latin typeface="Calibri" panose="020F0502020204030204"/>
+              </a:rPr>
+              <a:t>(definir: cliente ideal, propuesta de valor, escala de valor)</a:t>
+            </a:r>
+            <a:endParaRPr lang="es-CO" sz="1588" dirty="0">
+              <a:solidFill>
+                <a:prstClr val="black"/>
+              </a:solidFill>
+              <a:latin typeface="Calibri" panose="020F0502020204030204"/>
+            </a:endParaRPr>
+          </a:p>
+        </p:txBody>
+      </p:sp>
+      <p:sp>
+        <p:nvSpPr>
+          <p:cNvPr id="5" name="Anillo 4"/>
+          <p:cNvSpPr/>
+          <p:nvPr/>
+        </p:nvSpPr>
+        <p:spPr>
+          <a:xfrm>
+            <a:off x="3532173" y="2119622"/>
+            <a:ext cx="2570896" cy="2570896"/>
+          </a:xfrm>
+          <a:prstGeom prst="donut">
+            <a:avLst>
+              <a:gd name="adj" fmla="val 9523"/>
+            </a:avLst>
+          </a:prstGeom>
+        </p:spPr>
+        <p:style>
+          <a:lnRef idx="0">
+            <a:schemeClr val="accent4"/>
+          </a:lnRef>
+          <a:fillRef idx="3">
+            <a:schemeClr val="accent4"/>
+          </a:fillRef>
+          <a:effectRef idx="3">
+            <a:schemeClr val="accent4"/>
+          </a:effectRef>
+          <a:fontRef idx="minor">
+            <a:schemeClr val="lt1"/>
+          </a:fontRef>
+        </p:style>
+        <p:txBody>
+          <a:bodyPr rtlCol="0" anchor="ctr"/>
+          <a:lstStyle/>
+          <a:p>
+            <a:pPr algn="ctr" defTabSz="403433"/>
+            <a:r>
+              <a:rPr lang="es-ES" sz="1588" dirty="0">
+                <a:solidFill>
+                  <a:prstClr val="black"/>
+                </a:solidFill>
+                <a:latin typeface="Calibri" panose="020F0502020204030204"/>
+              </a:rPr>
+              <a:t>Vender </a:t>
+            </a:r>
+            <a:r>
+              <a:rPr lang="es-ES" sz="1588" dirty="0" err="1">
+                <a:solidFill>
+                  <a:prstClr val="black"/>
+                </a:solidFill>
+                <a:latin typeface="Calibri" panose="020F0502020204030204"/>
+              </a:rPr>
+              <a:t>downsells</a:t>
+            </a:r>
+            <a:endParaRPr lang="es-ES" sz="1588" dirty="0">
+              <a:solidFill>
+                <a:prstClr val="black"/>
+              </a:solidFill>
+              <a:latin typeface="Calibri" panose="020F0502020204030204"/>
+            </a:endParaRPr>
+          </a:p>
+          <a:p>
+            <a:pPr algn="ctr" defTabSz="403433"/>
+            <a:r>
+              <a:rPr lang="es-ES" sz="1588" dirty="0">
+                <a:solidFill>
+                  <a:prstClr val="black"/>
+                </a:solidFill>
+                <a:latin typeface="Calibri" panose="020F0502020204030204"/>
+              </a:rPr>
+              <a:t>(Ofrecer productos similares más baratos, a los  clientes que no compran)</a:t>
+            </a:r>
+            <a:endParaRPr lang="es-CO" sz="1588" dirty="0">
+              <a:solidFill>
+                <a:prstClr val="black"/>
+              </a:solidFill>
+              <a:latin typeface="Calibri" panose="020F0502020204030204"/>
+            </a:endParaRPr>
+          </a:p>
+        </p:txBody>
+      </p:sp>
+      <p:sp>
+        <p:nvSpPr>
+          <p:cNvPr id="6" name="Anillo 5"/>
+          <p:cNvSpPr/>
+          <p:nvPr/>
+        </p:nvSpPr>
+        <p:spPr>
+          <a:xfrm>
+            <a:off x="6304165" y="2119622"/>
+            <a:ext cx="2570896" cy="2570896"/>
+          </a:xfrm>
+          <a:prstGeom prst="donut">
+            <a:avLst>
+              <a:gd name="adj" fmla="val 9523"/>
+            </a:avLst>
+          </a:prstGeom>
+        </p:spPr>
+        <p:style>
+          <a:lnRef idx="0">
+            <a:schemeClr val="accent4"/>
+          </a:lnRef>
+          <a:fillRef idx="3">
+            <a:schemeClr val="accent4"/>
+          </a:fillRef>
+          <a:effectRef idx="3">
+            <a:schemeClr val="accent4"/>
+          </a:effectRef>
+          <a:fontRef idx="minor">
+            <a:schemeClr val="lt1"/>
+          </a:fontRef>
+        </p:style>
+        <p:txBody>
+          <a:bodyPr rtlCol="0" anchor="ctr"/>
+          <a:lstStyle/>
+          <a:p>
+            <a:pPr algn="ctr" defTabSz="403433"/>
+            <a:r>
+              <a:rPr lang="es-ES" sz="1588" dirty="0">
+                <a:solidFill>
+                  <a:prstClr val="black"/>
+                </a:solidFill>
+                <a:latin typeface="Calibri" panose="020F0502020204030204"/>
+              </a:rPr>
+              <a:t>Vender </a:t>
+            </a:r>
+            <a:r>
+              <a:rPr lang="es-ES" sz="1588" dirty="0" err="1">
+                <a:solidFill>
+                  <a:prstClr val="black"/>
+                </a:solidFill>
+                <a:latin typeface="Calibri" panose="020F0502020204030204"/>
+              </a:rPr>
+              <a:t>upsells</a:t>
+            </a:r>
+            <a:endParaRPr lang="es-ES" sz="1588" dirty="0">
+              <a:solidFill>
+                <a:prstClr val="black"/>
+              </a:solidFill>
+              <a:latin typeface="Calibri" panose="020F0502020204030204"/>
+            </a:endParaRPr>
+          </a:p>
+          <a:p>
+            <a:pPr algn="ctr" defTabSz="403433"/>
+            <a:r>
+              <a:rPr lang="es-ES" sz="1588" dirty="0">
+                <a:solidFill>
+                  <a:prstClr val="black"/>
+                </a:solidFill>
+                <a:latin typeface="Calibri" panose="020F0502020204030204"/>
+              </a:rPr>
+              <a:t>(Volver a vender a clientes que ya compraron)</a:t>
+            </a:r>
+            <a:endParaRPr lang="es-CO" sz="1588" dirty="0">
+              <a:solidFill>
+                <a:prstClr val="black"/>
+              </a:solidFill>
+              <a:latin typeface="Calibri" panose="020F0502020204030204"/>
+            </a:endParaRPr>
+          </a:p>
+        </p:txBody>
+      </p:sp>
+      <p:sp>
+        <p:nvSpPr>
+          <p:cNvPr id="7" name="Anillo 6"/>
+          <p:cNvSpPr/>
+          <p:nvPr/>
+        </p:nvSpPr>
+        <p:spPr>
+          <a:xfrm>
+            <a:off x="8995848" y="2131020"/>
+            <a:ext cx="2570896" cy="2570896"/>
+          </a:xfrm>
+          <a:prstGeom prst="donut">
+            <a:avLst>
+              <a:gd name="adj" fmla="val 9523"/>
+            </a:avLst>
+          </a:prstGeom>
+        </p:spPr>
+        <p:style>
+          <a:lnRef idx="0">
+            <a:schemeClr val="accent4"/>
+          </a:lnRef>
+          <a:fillRef idx="3">
+            <a:schemeClr val="accent4"/>
+          </a:fillRef>
+          <a:effectRef idx="3">
+            <a:schemeClr val="accent4"/>
+          </a:effectRef>
+          <a:fontRef idx="minor">
+            <a:schemeClr val="lt1"/>
+          </a:fontRef>
+        </p:style>
+        <p:txBody>
+          <a:bodyPr rtlCol="0" anchor="ctr"/>
+          <a:lstStyle/>
+          <a:p>
+            <a:pPr algn="ctr" defTabSz="403433"/>
+            <a:r>
+              <a:rPr lang="es-ES" sz="1588" dirty="0">
+                <a:solidFill>
+                  <a:prstClr val="black"/>
+                </a:solidFill>
+                <a:latin typeface="Calibri" panose="020F0502020204030204"/>
+              </a:rPr>
+              <a:t>Mejorar el </a:t>
+            </a:r>
+            <a:r>
+              <a:rPr lang="es-ES" sz="1588" dirty="0" err="1">
+                <a:solidFill>
+                  <a:prstClr val="black"/>
+                </a:solidFill>
+                <a:latin typeface="Calibri" panose="020F0502020204030204"/>
+              </a:rPr>
+              <a:t>engagement</a:t>
+            </a:r>
+            <a:endParaRPr lang="es-CO" sz="1588" dirty="0">
+              <a:solidFill>
+                <a:prstClr val="black"/>
+              </a:solidFill>
+              <a:latin typeface="Calibri" panose="020F0502020204030204"/>
+            </a:endParaRPr>
+          </a:p>
+        </p:txBody>
+      </p:sp>
+    </p:spTree>
+    <p:extLst>
+      <p:ext uri="{BB962C8B-B14F-4D97-AF65-F5344CB8AC3E}">
+        <p14:creationId xmlns:p14="http://schemas.microsoft.com/office/powerpoint/2010/main" val="1073839370"/>
+      </p:ext>
+    </p:extLst>
+  </p:cSld>
+  <p:clrMapOvr>
+    <a:masterClrMapping/>
+  </p:clrMapOvr>
+</p:sld>
+</file>
+
+<file path=ppt/slides/slide5.xml><?xml version="1.0" encoding="utf-8"?>
+<p:sld xmlns:a="http://schemas.openxmlformats.org/drawingml/2006/main" xmlns:r="http://schemas.openxmlformats.org/officeDocument/2006/relationships" xmlns:p="http://schemas.openxmlformats.org/presentationml/2006/main">
+  <p:cSld>
+    <p:spTree>
+      <p:nvGrpSpPr>
+        <p:cNvPr id="1" name=""/>
+        <p:cNvGrpSpPr/>
+        <p:nvPr/>
+      </p:nvGrpSpPr>
+      <p:grpSpPr>
+        <a:xfrm>
+          <a:off x="0" y="0"/>
+          <a:ext cx="0" cy="0"/>
+          <a:chOff x="0" y="0"/>
+          <a:chExt cx="0" cy="0"/>
+        </a:xfrm>
+      </p:grpSpPr>
+      <p:sp>
+        <p:nvSpPr>
+          <p:cNvPr id="2" name="Título 1"/>
+          <p:cNvSpPr>
+            <a:spLocks noGrp="1"/>
+          </p:cNvSpPr>
+          <p:nvPr>
+            <p:ph type="title"/>
+          </p:nvPr>
+        </p:nvSpPr>
+        <p:spPr>
+          <a:xfrm>
+            <a:off x="838200" y="365126"/>
+            <a:ext cx="9568456" cy="1325563"/>
+          </a:xfrm>
+        </p:spPr>
+        <p:txBody>
+          <a:bodyPr/>
+          <a:lstStyle/>
+          <a:p>
+            <a:r>
+              <a:rPr lang="es-ES" dirty="0"/>
+              <a:t>Términos claves en </a:t>
+            </a:r>
+            <a:r>
+              <a:rPr lang="es-ES" dirty="0" err="1"/>
+              <a:t>funnels</a:t>
+            </a:r>
+            <a:r>
+              <a:rPr lang="es-ES" dirty="0"/>
+              <a:t> de comercio digital</a:t>
+            </a:r>
+            <a:endParaRPr lang="es-CO" dirty="0"/>
+          </a:p>
+        </p:txBody>
+      </p:sp>
+      <p:sp>
+        <p:nvSpPr>
+          <p:cNvPr id="3" name="Marcador de contenido 2"/>
+          <p:cNvSpPr>
+            <a:spLocks noGrp="1"/>
+          </p:cNvSpPr>
+          <p:nvPr>
+            <p:ph idx="1"/>
+          </p:nvPr>
+        </p:nvSpPr>
+        <p:spPr>
+          <a:xfrm>
+            <a:off x="838200" y="1825625"/>
+            <a:ext cx="4330940" cy="4351338"/>
+          </a:xfrm>
+        </p:spPr>
+        <p:txBody>
+          <a:bodyPr>
+            <a:normAutofit fontScale="77500" lnSpcReduction="20000"/>
+          </a:bodyPr>
+          <a:lstStyle/>
+          <a:p>
+            <a:r>
+              <a:rPr lang="es-CO" b="1" dirty="0">
+                <a:solidFill>
+                  <a:srgbClr val="FF0000"/>
+                </a:solidFill>
+              </a:rPr>
+              <a:t>Leads</a:t>
+            </a:r>
+            <a:r>
+              <a:rPr lang="es-CO" dirty="0"/>
+              <a:t> : Usuario convertido en suscriptor</a:t>
+            </a:r>
+          </a:p>
+          <a:p>
+            <a:r>
+              <a:rPr lang="es-ES" sz="2824" b="1" dirty="0" err="1">
+                <a:solidFill>
+                  <a:srgbClr val="FF0000"/>
+                </a:solidFill>
+              </a:rPr>
+              <a:t>LeadMagnet</a:t>
+            </a:r>
+            <a:r>
+              <a:rPr lang="es-ES" dirty="0"/>
+              <a:t>: Imán de atracción para que usuarios se conviertan en suscriptores</a:t>
+            </a:r>
+          </a:p>
+          <a:p>
+            <a:r>
+              <a:rPr lang="es-ES" sz="2824" b="1" dirty="0">
+                <a:solidFill>
+                  <a:srgbClr val="FF0000"/>
+                </a:solidFill>
+              </a:rPr>
+              <a:t>Lead </a:t>
+            </a:r>
+            <a:r>
+              <a:rPr lang="es-ES" sz="2824" b="1" dirty="0" err="1">
+                <a:solidFill>
+                  <a:srgbClr val="FF0000"/>
+                </a:solidFill>
+              </a:rPr>
+              <a:t>Scoring</a:t>
+            </a:r>
+            <a:r>
+              <a:rPr lang="es-ES" dirty="0"/>
+              <a:t>: Puntuación de los leads en función de la proximidad a la venta</a:t>
+            </a:r>
+          </a:p>
+          <a:p>
+            <a:r>
+              <a:rPr lang="es-ES" sz="2824" b="1" dirty="0">
+                <a:solidFill>
+                  <a:srgbClr val="FF0000"/>
+                </a:solidFill>
+              </a:rPr>
+              <a:t>Lead </a:t>
+            </a:r>
+            <a:r>
+              <a:rPr lang="es-ES" sz="2824" b="1" dirty="0" err="1">
+                <a:solidFill>
+                  <a:srgbClr val="FF0000"/>
+                </a:solidFill>
+              </a:rPr>
+              <a:t>nurturing</a:t>
+            </a:r>
+            <a:r>
+              <a:rPr lang="es-ES" dirty="0"/>
+              <a:t>: proceso de maduración a los leads para acercarlos a la venta</a:t>
+            </a:r>
+          </a:p>
+          <a:p>
+            <a:r>
+              <a:rPr lang="es-ES" sz="2824" b="1" dirty="0" err="1">
+                <a:solidFill>
+                  <a:srgbClr val="FF0000"/>
+                </a:solidFill>
+              </a:rPr>
+              <a:t>Landing</a:t>
+            </a:r>
+            <a:r>
+              <a:rPr lang="es-ES" sz="2824" b="1" dirty="0">
+                <a:solidFill>
+                  <a:srgbClr val="FF0000"/>
+                </a:solidFill>
+              </a:rPr>
+              <a:t> page</a:t>
+            </a:r>
+            <a:r>
+              <a:rPr lang="es-ES" dirty="0"/>
+              <a:t>: página del comercio</a:t>
+            </a:r>
+          </a:p>
+          <a:p>
+            <a:r>
+              <a:rPr lang="es-ES" sz="2824" b="1" dirty="0" err="1">
+                <a:solidFill>
+                  <a:srgbClr val="FF0000"/>
+                </a:solidFill>
+              </a:rPr>
+              <a:t>Squeeze</a:t>
+            </a:r>
+            <a:r>
+              <a:rPr lang="es-ES" sz="2824" b="1" dirty="0">
+                <a:solidFill>
+                  <a:srgbClr val="FF0000"/>
+                </a:solidFill>
+              </a:rPr>
+              <a:t> page</a:t>
+            </a:r>
+            <a:r>
+              <a:rPr lang="es-ES" dirty="0"/>
+              <a:t>: página para convertir usuarios a leads</a:t>
+            </a:r>
+          </a:p>
+          <a:p>
+            <a:endParaRPr lang="es-CO" b="1" dirty="0"/>
+          </a:p>
+          <a:p>
+            <a:endParaRPr lang="es-CO" dirty="0"/>
+          </a:p>
+        </p:txBody>
+      </p:sp>
+      <p:sp>
+        <p:nvSpPr>
+          <p:cNvPr id="4" name="Rectángulo 3"/>
+          <p:cNvSpPr/>
+          <p:nvPr/>
+        </p:nvSpPr>
+        <p:spPr>
+          <a:xfrm>
+            <a:off x="5743489" y="1825625"/>
+            <a:ext cx="5319565" cy="3917864"/>
+          </a:xfrm>
+          <a:prstGeom prst="rect">
+            <a:avLst/>
+          </a:prstGeom>
+        </p:spPr>
+        <p:txBody>
+          <a:bodyPr vert="horz" lIns="80682" tIns="40341" rIns="80682" bIns="40341" rtlCol="0">
+            <a:normAutofit/>
+          </a:bodyPr>
+          <a:lstStyle/>
+          <a:p>
+            <a:pPr marL="228605" indent="-228605" defTabSz="914422">
+              <a:lnSpc>
+                <a:spcPct val="90000"/>
+              </a:lnSpc>
+              <a:spcBef>
+                <a:spcPts val="1000"/>
+              </a:spcBef>
+              <a:buFont typeface="Arial" panose="020B0604020202020204" pitchFamily="34" charset="0"/>
+              <a:buChar char="•"/>
+            </a:pPr>
+            <a:r>
+              <a:rPr lang="es-ES" sz="2206" b="1" dirty="0">
+                <a:solidFill>
+                  <a:srgbClr val="FF0000"/>
+                </a:solidFill>
+                <a:latin typeface="Calibri" panose="020F0502020204030204"/>
+              </a:rPr>
+              <a:t>Conversión</a:t>
+            </a:r>
+            <a:r>
+              <a:rPr lang="es-ES" sz="2118" dirty="0">
+                <a:solidFill>
+                  <a:prstClr val="black"/>
+                </a:solidFill>
+                <a:latin typeface="Calibri" panose="020F0502020204030204"/>
+              </a:rPr>
+              <a:t>: cuando consigues que un usuario lleve a cabo la acción que querías</a:t>
+            </a:r>
+          </a:p>
+          <a:p>
+            <a:pPr marL="228605" indent="-228605" defTabSz="914422">
+              <a:lnSpc>
+                <a:spcPct val="90000"/>
+              </a:lnSpc>
+              <a:spcBef>
+                <a:spcPts val="1000"/>
+              </a:spcBef>
+              <a:buFont typeface="Arial" panose="020B0604020202020204" pitchFamily="34" charset="0"/>
+              <a:buChar char="•"/>
+            </a:pPr>
+            <a:r>
+              <a:rPr lang="es-ES" sz="2206" b="1" dirty="0" err="1">
+                <a:solidFill>
+                  <a:srgbClr val="FF0000"/>
+                </a:solidFill>
+                <a:latin typeface="Calibri" panose="020F0502020204030204"/>
+              </a:rPr>
+              <a:t>Upsell</a:t>
+            </a:r>
+            <a:r>
+              <a:rPr lang="es-ES" sz="2118" dirty="0">
+                <a:solidFill>
+                  <a:prstClr val="black"/>
+                </a:solidFill>
+                <a:latin typeface="Calibri" panose="020F0502020204030204"/>
+              </a:rPr>
+              <a:t>: ofrece producto más caro a los compradores</a:t>
+            </a:r>
+          </a:p>
+          <a:p>
+            <a:pPr marL="228605" indent="-228605" defTabSz="914422">
+              <a:lnSpc>
+                <a:spcPct val="90000"/>
+              </a:lnSpc>
+              <a:spcBef>
+                <a:spcPts val="1000"/>
+              </a:spcBef>
+              <a:buFont typeface="Arial" panose="020B0604020202020204" pitchFamily="34" charset="0"/>
+              <a:buChar char="•"/>
+            </a:pPr>
+            <a:r>
+              <a:rPr lang="es-ES" sz="2206" b="1" dirty="0" err="1">
+                <a:solidFill>
+                  <a:srgbClr val="FF0000"/>
+                </a:solidFill>
+                <a:latin typeface="Calibri" panose="020F0502020204030204"/>
+              </a:rPr>
+              <a:t>Downsell</a:t>
+            </a:r>
+            <a:r>
+              <a:rPr lang="es-ES" sz="2118" dirty="0">
+                <a:solidFill>
+                  <a:prstClr val="black"/>
+                </a:solidFill>
+                <a:latin typeface="Calibri" panose="020F0502020204030204"/>
+              </a:rPr>
+              <a:t>: ofrece producto más barato a los leads que no compran el producto principal</a:t>
+            </a:r>
+          </a:p>
+          <a:p>
+            <a:pPr marL="228605" indent="-228605" defTabSz="914422">
+              <a:lnSpc>
+                <a:spcPct val="90000"/>
+              </a:lnSpc>
+              <a:spcBef>
+                <a:spcPts val="1000"/>
+              </a:spcBef>
+              <a:buFont typeface="Arial" panose="020B0604020202020204" pitchFamily="34" charset="0"/>
+              <a:buChar char="•"/>
+            </a:pPr>
+            <a:r>
+              <a:rPr lang="es-ES" sz="2206" b="1" dirty="0">
+                <a:solidFill>
+                  <a:srgbClr val="FF0000"/>
+                </a:solidFill>
+                <a:latin typeface="Calibri" panose="020F0502020204030204"/>
+              </a:rPr>
+              <a:t>OTO</a:t>
+            </a:r>
+            <a:r>
+              <a:rPr lang="es-ES" sz="2118" dirty="0">
+                <a:solidFill>
+                  <a:prstClr val="black"/>
+                </a:solidFill>
+                <a:latin typeface="Calibri" panose="020F0502020204030204"/>
+              </a:rPr>
+              <a:t>: oferta de una sola vez, tiempo corto</a:t>
+            </a:r>
+          </a:p>
+          <a:p>
+            <a:pPr marL="228605" indent="-228605" defTabSz="914422">
+              <a:lnSpc>
+                <a:spcPct val="90000"/>
+              </a:lnSpc>
+              <a:spcBef>
+                <a:spcPts val="1000"/>
+              </a:spcBef>
+              <a:buFont typeface="Arial" panose="020B0604020202020204" pitchFamily="34" charset="0"/>
+              <a:buChar char="•"/>
+            </a:pPr>
+            <a:r>
+              <a:rPr lang="es-ES" sz="2206" b="1" dirty="0" err="1">
+                <a:solidFill>
+                  <a:srgbClr val="FF0000"/>
+                </a:solidFill>
+                <a:latin typeface="Calibri" panose="020F0502020204030204"/>
+              </a:rPr>
+              <a:t>Bump</a:t>
+            </a:r>
+            <a:r>
+              <a:rPr lang="es-ES" sz="2118" dirty="0">
+                <a:solidFill>
+                  <a:prstClr val="black"/>
+                </a:solidFill>
+                <a:latin typeface="Calibri" panose="020F0502020204030204"/>
+              </a:rPr>
+              <a:t>: Oferta extra que aparece en la página de pago de un producto</a:t>
+            </a:r>
+          </a:p>
+          <a:p>
+            <a:pPr marL="228605" indent="-228605" defTabSz="914422">
+              <a:lnSpc>
+                <a:spcPct val="90000"/>
+              </a:lnSpc>
+              <a:spcBef>
+                <a:spcPts val="1000"/>
+              </a:spcBef>
+              <a:buFont typeface="Arial" panose="020B0604020202020204" pitchFamily="34" charset="0"/>
+              <a:buChar char="•"/>
+            </a:pPr>
+            <a:r>
+              <a:rPr lang="es-ES" sz="2206" b="1" dirty="0" err="1">
+                <a:solidFill>
+                  <a:srgbClr val="FF0000"/>
+                </a:solidFill>
+                <a:latin typeface="Calibri" panose="020F0502020204030204"/>
+              </a:rPr>
+              <a:t>Evergreen</a:t>
+            </a:r>
+            <a:r>
+              <a:rPr lang="es-ES" sz="2118" dirty="0">
+                <a:solidFill>
+                  <a:prstClr val="black"/>
+                </a:solidFill>
+                <a:latin typeface="Calibri" panose="020F0502020204030204"/>
+              </a:rPr>
+              <a:t>: Oferta atemporal que no caduca</a:t>
+            </a:r>
+            <a:endParaRPr lang="es-CO" sz="2118" dirty="0">
+              <a:solidFill>
+                <a:prstClr val="black"/>
+              </a:solidFill>
+              <a:latin typeface="Calibri" panose="020F0502020204030204"/>
+            </a:endParaRPr>
+          </a:p>
+        </p:txBody>
+      </p:sp>
+      <p:sp>
+        <p:nvSpPr>
+          <p:cNvPr id="5" name="CuadroTexto 4"/>
+          <p:cNvSpPr txBox="1"/>
+          <p:nvPr/>
+        </p:nvSpPr>
+        <p:spPr>
+          <a:xfrm>
+            <a:off x="9080184" y="6027601"/>
+            <a:ext cx="1777923" cy="309637"/>
+          </a:xfrm>
+          <a:prstGeom prst="rect">
+            <a:avLst/>
+          </a:prstGeom>
+          <a:noFill/>
+        </p:spPr>
+        <p:txBody>
+          <a:bodyPr wrap="none" rtlCol="0">
+            <a:spAutoFit/>
+          </a:bodyPr>
+          <a:lstStyle/>
+          <a:p>
+            <a:pPr defTabSz="403433"/>
+            <a:r>
+              <a:rPr lang="es-ES" sz="1412" dirty="0">
+                <a:solidFill>
+                  <a:prstClr val="black"/>
+                </a:solidFill>
+                <a:latin typeface="Calibri" panose="020F0502020204030204"/>
+              </a:rPr>
+              <a:t>Fuente: Innokabi.com</a:t>
+            </a:r>
+            <a:endParaRPr lang="es-CO" sz="1412" dirty="0">
+              <a:solidFill>
+                <a:prstClr val="black"/>
+              </a:solidFill>
+              <a:latin typeface="Calibri" panose="020F0502020204030204"/>
+            </a:endParaRPr>
+          </a:p>
+        </p:txBody>
+      </p:sp>
+    </p:spTree>
+    <p:extLst>
+      <p:ext uri="{BB962C8B-B14F-4D97-AF65-F5344CB8AC3E}">
+        <p14:creationId xmlns:p14="http://schemas.microsoft.com/office/powerpoint/2010/main" val="1500329213"/>
+      </p:ext>
+    </p:extLst>
+  </p:cSld>
+  <p:clrMapOvr>
+    <a:masterClrMapping/>
+  </p:clrMapOvr>
+</p:sld>
+</file>
+
+<file path=ppt/slides/slide6.xml><?xml version="1.0" encoding="utf-8"?>
+<p:sld xmlns:a="http://schemas.openxmlformats.org/drawingml/2006/main" xmlns:r="http://schemas.openxmlformats.org/officeDocument/2006/relationships" xmlns:p="http://schemas.openxmlformats.org/presentationml/2006/main">
+  <p:cSld>
+    <p:spTree>
+      <p:nvGrpSpPr>
+        <p:cNvPr id="1" name=""/>
+        <p:cNvGrpSpPr/>
+        <p:nvPr/>
+      </p:nvGrpSpPr>
+      <p:grpSpPr>
+        <a:xfrm>
+          <a:off x="0" y="0"/>
+          <a:ext cx="0" cy="0"/>
+          <a:chOff x="0" y="0"/>
+          <a:chExt cx="0" cy="0"/>
+        </a:xfrm>
+      </p:grpSpPr>
+      <p:sp>
+        <p:nvSpPr>
+          <p:cNvPr id="2" name="Título 1"/>
+          <p:cNvSpPr>
+            <a:spLocks noGrp="1"/>
+          </p:cNvSpPr>
+          <p:nvPr>
+            <p:ph type="title"/>
+          </p:nvPr>
+        </p:nvSpPr>
+        <p:spPr/>
+        <p:txBody>
+          <a:bodyPr/>
+          <a:lstStyle/>
+          <a:p>
+            <a:r>
+              <a:rPr lang="es-ES" dirty="0"/>
+              <a:t>Métricas para </a:t>
+            </a:r>
+            <a:r>
+              <a:rPr lang="es-ES" dirty="0" err="1"/>
+              <a:t>funels</a:t>
+            </a:r>
+            <a:endParaRPr lang="es-CO" dirty="0"/>
+          </a:p>
+        </p:txBody>
+      </p:sp>
+      <p:sp>
+        <p:nvSpPr>
+          <p:cNvPr id="3" name="Marcador de contenido 2"/>
+          <p:cNvSpPr>
+            <a:spLocks noGrp="1"/>
+          </p:cNvSpPr>
+          <p:nvPr>
+            <p:ph idx="1"/>
+          </p:nvPr>
+        </p:nvSpPr>
+        <p:spPr/>
+        <p:txBody>
+          <a:bodyPr>
+            <a:normAutofit fontScale="92500" lnSpcReduction="10000"/>
+          </a:bodyPr>
+          <a:lstStyle/>
+          <a:p>
+            <a:r>
+              <a:rPr lang="es-ES" dirty="0"/>
+              <a:t>Coste por lead (CPL): ¿Cuánto te cuesta conseguir cada nuevo lead?</a:t>
+            </a:r>
+          </a:p>
+          <a:p>
+            <a:r>
+              <a:rPr lang="es-ES" dirty="0"/>
+              <a:t>Número de leads: Cantidad de leads que consigues por período</a:t>
+            </a:r>
+          </a:p>
+          <a:p>
+            <a:r>
+              <a:rPr lang="es-ES" dirty="0"/>
+              <a:t>Conversión de tu </a:t>
+            </a:r>
+            <a:r>
+              <a:rPr lang="es-ES" dirty="0" err="1"/>
+              <a:t>squeeze</a:t>
+            </a:r>
+            <a:r>
+              <a:rPr lang="es-ES" dirty="0"/>
+              <a:t> page: (Leads conseguidos/Total visitas </a:t>
+            </a:r>
+            <a:r>
+              <a:rPr lang="es-ES" dirty="0" err="1"/>
+              <a:t>Squeeze</a:t>
+            </a:r>
+            <a:r>
+              <a:rPr lang="es-ES" dirty="0"/>
+              <a:t> Page) X100.</a:t>
+            </a:r>
+          </a:p>
+          <a:p>
+            <a:r>
+              <a:rPr lang="es-ES" dirty="0"/>
+              <a:t>Tasa de apertura de emails: el porcentaje de personas que abren tus emails.</a:t>
+            </a:r>
+          </a:p>
+          <a:p>
+            <a:r>
+              <a:rPr lang="es-ES" dirty="0"/>
+              <a:t>Tasa de clics: porcentaje de suscriptores que hacen clic en los enlaces de tus correos.</a:t>
+            </a:r>
+          </a:p>
+          <a:p>
+            <a:r>
+              <a:rPr lang="es-ES" dirty="0"/>
+              <a:t>Número de ventas: Ventas por mes gracias a tu embudo.</a:t>
+            </a:r>
+          </a:p>
+          <a:p>
+            <a:r>
+              <a:rPr lang="es-ES" dirty="0"/>
+              <a:t>Conversión de tu página de ventas: cuánta gente te compra una vez que visita tu página de ventas. </a:t>
+            </a:r>
+            <a:endParaRPr lang="es-CO" dirty="0"/>
+          </a:p>
+        </p:txBody>
+      </p:sp>
+      <p:sp>
+        <p:nvSpPr>
+          <p:cNvPr id="4" name="CuadroTexto 3"/>
+          <p:cNvSpPr txBox="1"/>
+          <p:nvPr/>
+        </p:nvSpPr>
+        <p:spPr>
+          <a:xfrm>
+            <a:off x="9080184" y="6027601"/>
+            <a:ext cx="1777923" cy="309637"/>
+          </a:xfrm>
+          <a:prstGeom prst="rect">
+            <a:avLst/>
+          </a:prstGeom>
+          <a:noFill/>
+        </p:spPr>
+        <p:txBody>
+          <a:bodyPr wrap="none" rtlCol="0">
+            <a:spAutoFit/>
+          </a:bodyPr>
+          <a:lstStyle/>
+          <a:p>
+            <a:pPr defTabSz="403433"/>
+            <a:r>
+              <a:rPr lang="es-ES" sz="1412" dirty="0">
+                <a:solidFill>
+                  <a:prstClr val="black"/>
+                </a:solidFill>
+                <a:latin typeface="Calibri" panose="020F0502020204030204"/>
+              </a:rPr>
+              <a:t>Fuente: Innokabi.com</a:t>
+            </a:r>
+            <a:endParaRPr lang="es-CO" sz="1412" dirty="0">
+              <a:solidFill>
+                <a:prstClr val="black"/>
+              </a:solidFill>
+              <a:latin typeface="Calibri" panose="020F0502020204030204"/>
+            </a:endParaRPr>
+          </a:p>
+        </p:txBody>
+      </p:sp>
+    </p:spTree>
+    <p:extLst>
+      <p:ext uri="{BB962C8B-B14F-4D97-AF65-F5344CB8AC3E}">
+        <p14:creationId xmlns:p14="http://schemas.microsoft.com/office/powerpoint/2010/main" val="784424742"/>
+      </p:ext>
+    </p:extLst>
+  </p:cSld>
+  <p:clrMapOvr>
+    <a:masterClrMapping/>
+  </p:clrMapOvr>
+</p:sld>
+</file>
+
+<file path=ppt/slides/slide7.xml><?xml version="1.0" encoding="utf-8"?>
+<p:sld xmlns:a="http://schemas.openxmlformats.org/drawingml/2006/main" xmlns:r="http://schemas.openxmlformats.org/officeDocument/2006/relationships" xmlns:p="http://schemas.openxmlformats.org/presentationml/2006/main">
+  <p:cSld>
+    <p:spTree>
+      <p:nvGrpSpPr>
+        <p:cNvPr id="1" name=""/>
+        <p:cNvGrpSpPr/>
+        <p:nvPr/>
+      </p:nvGrpSpPr>
+      <p:grpSpPr>
+        <a:xfrm>
+          <a:off x="0" y="0"/>
+          <a:ext cx="0" cy="0"/>
+          <a:chOff x="0" y="0"/>
+          <a:chExt cx="0" cy="0"/>
+        </a:xfrm>
+      </p:grpSpPr>
+      <p:sp>
+        <p:nvSpPr>
+          <p:cNvPr id="2" name="Título 1"/>
+          <p:cNvSpPr>
+            <a:spLocks noGrp="1"/>
+          </p:cNvSpPr>
+          <p:nvPr>
+            <p:ph type="title"/>
+          </p:nvPr>
+        </p:nvSpPr>
+        <p:spPr/>
+        <p:txBody>
+          <a:bodyPr>
+            <a:normAutofit/>
+          </a:bodyPr>
+          <a:lstStyle/>
+          <a:p>
+            <a:r>
+              <a:rPr lang="es-ES" sz="3530" dirty="0" err="1"/>
+              <a:t>Funnels</a:t>
+            </a:r>
+            <a:r>
+              <a:rPr lang="es-ES" sz="3530" dirty="0"/>
+              <a:t> en PowerBI (Algunos Ejemplos)</a:t>
+            </a:r>
+            <a:endParaRPr lang="es-CO" sz="3530" dirty="0"/>
+          </a:p>
+        </p:txBody>
+      </p:sp>
+      <p:pic>
+        <p:nvPicPr>
+          <p:cNvPr id="12" name="Imagen 11">
+            <a:extLst>
+              <a:ext uri="{FF2B5EF4-FFF2-40B4-BE49-F238E27FC236}">
+                <a16:creationId xmlns:a16="http://schemas.microsoft.com/office/drawing/2014/main" id="{4028D870-D3E1-40D6-9D28-54588A556029}"/>
+              </a:ext>
+            </a:extLst>
+          </p:cNvPr>
+          <p:cNvPicPr>
+            <a:picLocks noChangeAspect="1"/>
+          </p:cNvPicPr>
+          <p:nvPr/>
+        </p:nvPicPr>
+        <p:blipFill>
+          <a:blip r:embed="rId2"/>
+          <a:stretch>
+            <a:fillRect/>
+          </a:stretch>
+        </p:blipFill>
+        <p:spPr>
+          <a:xfrm>
+            <a:off x="1443210" y="1464482"/>
+            <a:ext cx="3914946" cy="2726361"/>
+          </a:xfrm>
+          <a:prstGeom prst="rect">
+            <a:avLst/>
+          </a:prstGeom>
+        </p:spPr>
+      </p:pic>
+      <p:pic>
+        <p:nvPicPr>
+          <p:cNvPr id="17" name="Imagen 16">
+            <a:extLst>
+              <a:ext uri="{FF2B5EF4-FFF2-40B4-BE49-F238E27FC236}">
+                <a16:creationId xmlns:a16="http://schemas.microsoft.com/office/drawing/2014/main" id="{227A0FEB-A661-43C8-BD48-49DCB073B464}"/>
+              </a:ext>
+            </a:extLst>
+          </p:cNvPr>
+          <p:cNvPicPr>
+            <a:picLocks noChangeAspect="1"/>
+          </p:cNvPicPr>
+          <p:nvPr/>
+        </p:nvPicPr>
+        <p:blipFill>
+          <a:blip r:embed="rId3"/>
+          <a:stretch>
+            <a:fillRect/>
+          </a:stretch>
+        </p:blipFill>
+        <p:spPr>
+          <a:xfrm>
+            <a:off x="6096000" y="1373907"/>
+            <a:ext cx="4942401" cy="2816936"/>
+          </a:xfrm>
+          <a:prstGeom prst="rect">
+            <a:avLst/>
+          </a:prstGeom>
+        </p:spPr>
+      </p:pic>
+      <p:pic>
+        <p:nvPicPr>
+          <p:cNvPr id="19" name="Imagen 18">
+            <a:extLst>
+              <a:ext uri="{FF2B5EF4-FFF2-40B4-BE49-F238E27FC236}">
+                <a16:creationId xmlns:a16="http://schemas.microsoft.com/office/drawing/2014/main" id="{48FAF2B0-38B7-4AFE-86FA-E47111D8A289}"/>
+              </a:ext>
+            </a:extLst>
+          </p:cNvPr>
+          <p:cNvPicPr>
+            <a:picLocks noChangeAspect="1"/>
+          </p:cNvPicPr>
+          <p:nvPr/>
+        </p:nvPicPr>
+        <p:blipFill>
+          <a:blip r:embed="rId4"/>
+          <a:stretch>
+            <a:fillRect/>
+          </a:stretch>
+        </p:blipFill>
+        <p:spPr>
+          <a:xfrm>
+            <a:off x="2552186" y="4391832"/>
+            <a:ext cx="6617040" cy="1771741"/>
+          </a:xfrm>
+          <a:prstGeom prst="rect">
+            <a:avLst/>
+          </a:prstGeom>
+        </p:spPr>
+      </p:pic>
+    </p:spTree>
+    <p:extLst>
+      <p:ext uri="{BB962C8B-B14F-4D97-AF65-F5344CB8AC3E}">
+        <p14:creationId xmlns:p14="http://schemas.microsoft.com/office/powerpoint/2010/main" val="1714159554"/>
+      </p:ext>
+    </p:extLst>
+  </p:cSld>
+  <p:clrMapOvr>
+    <a:masterClrMapping/>
+  </p:clrMapOvr>
+</p:sld>
+</file>
+
+<file path=ppt/slides/slide8.xml><?xml version="1.0" encoding="utf-8"?>
+<p:sld xmlns:a="http://schemas.openxmlformats.org/drawingml/2006/main" xmlns:r="http://schemas.openxmlformats.org/officeDocument/2006/relationships" xmlns:p="http://schemas.openxmlformats.org/presentationml/2006/main">
+  <p:cSld>
+    <p:bg>
+      <p:bgPr>
+        <a:blipFill dpi="0" rotWithShape="1">
+          <a:blip r:embed="rId3">
+            <a:lum/>
+          </a:blip>
+          <a:srcRect/>
+          <a:stretch>
+            <a:fillRect/>
+          </a:stretch>
+        </a:blipFill>
+        <a:effectLst/>
+      </p:bgPr>
+    </p:bg>
+    <p:spTree>
+      <p:nvGrpSpPr>
+        <p:cNvPr id="1" name=""/>
+        <p:cNvGrpSpPr/>
+        <p:nvPr/>
+      </p:nvGrpSpPr>
+      <p:grpSpPr>
+        <a:xfrm>
+          <a:off x="0" y="0"/>
+          <a:ext cx="0" cy="0"/>
+          <a:chOff x="0" y="0"/>
+          <a:chExt cx="0" cy="0"/>
+        </a:xfrm>
+      </p:grpSpPr>
+      <p:sp>
+        <p:nvSpPr>
+          <p:cNvPr id="2" name="Título 1"/>
+          <p:cNvSpPr>
+            <a:spLocks noGrp="1"/>
+          </p:cNvSpPr>
+          <p:nvPr>
+            <p:ph type="ctrTitle"/>
+          </p:nvPr>
+        </p:nvSpPr>
+        <p:spPr>
+          <a:xfrm>
+            <a:off x="2458949" y="1122363"/>
+            <a:ext cx="9144000" cy="2387600"/>
+          </a:xfrm>
+        </p:spPr>
+        <p:txBody>
+          <a:bodyPr/>
+          <a:lstStyle/>
+          <a:p>
+            <a:r>
+              <a:rPr lang="es-ES" dirty="0"/>
+              <a:t>Medición por </a:t>
+            </a:r>
+            <a:r>
+              <a:rPr lang="es-ES" dirty="0" err="1"/>
+              <a:t>OKRs</a:t>
+            </a:r>
+            <a:endParaRPr lang="es-CO" dirty="0"/>
+          </a:p>
+        </p:txBody>
+      </p:sp>
+      <p:pic>
+        <p:nvPicPr>
+          <p:cNvPr id="4" name="Imagen 3"/>
+          <p:cNvPicPr>
+            <a:picLocks noChangeAspect="1"/>
+          </p:cNvPicPr>
+          <p:nvPr/>
+        </p:nvPicPr>
+        <p:blipFill>
+          <a:blip r:embed="rId4"/>
+          <a:stretch>
+            <a:fillRect/>
+          </a:stretch>
+        </p:blipFill>
+        <p:spPr>
+          <a:xfrm>
+            <a:off x="7855330" y="5471441"/>
+            <a:ext cx="1869910" cy="726561"/>
+          </a:xfrm>
+          <a:prstGeom prst="rect">
+            <a:avLst/>
+          </a:prstGeom>
+        </p:spPr>
+      </p:pic>
+      <p:pic>
+        <p:nvPicPr>
+          <p:cNvPr id="5" name="Imagen 4"/>
+          <p:cNvPicPr>
+            <a:picLocks noChangeAspect="1"/>
+          </p:cNvPicPr>
+          <p:nvPr/>
+        </p:nvPicPr>
+        <p:blipFill>
+          <a:blip r:embed="rId5"/>
+          <a:stretch>
+            <a:fillRect/>
+          </a:stretch>
+        </p:blipFill>
+        <p:spPr>
+          <a:xfrm>
+            <a:off x="9925707" y="5471441"/>
+            <a:ext cx="746499" cy="667161"/>
+          </a:xfrm>
+          <a:prstGeom prst="rect">
+            <a:avLst/>
+          </a:prstGeom>
+        </p:spPr>
+      </p:pic>
+      <p:pic>
+        <p:nvPicPr>
+          <p:cNvPr id="6" name="Imagen 5"/>
+          <p:cNvPicPr>
+            <a:picLocks noChangeAspect="1"/>
+          </p:cNvPicPr>
+          <p:nvPr/>
+        </p:nvPicPr>
+        <p:blipFill>
+          <a:blip r:embed="rId6"/>
+          <a:stretch>
+            <a:fillRect/>
+          </a:stretch>
+        </p:blipFill>
+        <p:spPr>
+          <a:xfrm>
+            <a:off x="1390363" y="2305443"/>
+            <a:ext cx="2137172" cy="1460657"/>
+          </a:xfrm>
+          <a:prstGeom prst="rect">
+            <a:avLst/>
+          </a:prstGeom>
+        </p:spPr>
+      </p:pic>
+    </p:spTree>
+    <p:extLst>
+      <p:ext uri="{BB962C8B-B14F-4D97-AF65-F5344CB8AC3E}">
+        <p14:creationId xmlns:p14="http://schemas.microsoft.com/office/powerpoint/2010/main" val="3221831594"/>
+      </p:ext>
+    </p:extLst>
+  </p:cSld>
+  <p:clrMapOvr>
+    <a:overrideClrMapping bg1="lt1" tx1="dk1" bg2="lt2" tx2="dk2" accent1="accent1" accent2="accent2" accent3="accent3" accent4="accent4" accent5="accent5" accent6="accent6" hlink="hlink" folHlink="folHlink"/>
+  </p:clrMapOvr>
+</p:sld>
+</file>
+
 <file path=ppt/slides/slide9.xml><?xml version="1.0" encoding="utf-8"?>
 <p:sld xmlns:a="http://schemas.openxmlformats.org/drawingml/2006/main" xmlns:r="http://schemas.openxmlformats.org/officeDocument/2006/relationships" xmlns:p="http://schemas.openxmlformats.org/presentationml/2006/main">
   <p:cSld>
@@ -9759,94 +9701,128 @@
         </p:nvSpPr>
         <p:spPr/>
         <p:txBody>
-          <a:bodyPr>
-            <a:normAutofit/>
-          </a:bodyPr>
+          <a:bodyPr/>
           <a:lstStyle/>
           <a:p>
             <a:r>
-              <a:rPr lang="es-ES" sz="3530" dirty="0"/>
-              <a:t>Ejemplo: Desarrollo del elemento de medición</a:t>
-            </a:r>
-            <a:endParaRPr lang="es-CO" sz="3530" dirty="0"/>
-          </a:p>
-        </p:txBody>
-      </p:sp>
-      <p:sp>
-        <p:nvSpPr>
-          <p:cNvPr id="4" name="Elipse 3"/>
-          <p:cNvSpPr/>
-          <p:nvPr/>
+              <a:rPr lang="es-ES" dirty="0" err="1"/>
+              <a:t>OKRs</a:t>
+            </a:r>
+            <a:r>
+              <a:rPr lang="es-ES" dirty="0"/>
+              <a:t> - Introducción</a:t>
+            </a:r>
+            <a:endParaRPr lang="es-CO" dirty="0"/>
+          </a:p>
+        </p:txBody>
+      </p:sp>
+      <p:sp>
+        <p:nvSpPr>
+          <p:cNvPr id="3" name="Marcador de contenido 2"/>
+          <p:cNvSpPr>
+            <a:spLocks noGrp="1"/>
+          </p:cNvSpPr>
+          <p:nvPr>
+            <p:ph idx="1"/>
+          </p:nvPr>
         </p:nvSpPr>
         <p:spPr>
           <a:xfrm>
-            <a:off x="3314214" y="1448642"/>
-            <a:ext cx="5563573" cy="1259915"/>
+            <a:off x="838200" y="1675044"/>
+            <a:ext cx="10515600" cy="990024"/>
           </a:xfrm>
-          <a:prstGeom prst="ellipse">
+        </p:spPr>
+        <p:txBody>
+          <a:bodyPr/>
+          <a:lstStyle/>
+          <a:p>
+            <a:r>
+              <a:rPr lang="es-ES" dirty="0"/>
+              <a:t>Creados en Intel, se comenzaron a usar en la década de los 90. Lo han usado empresas como Google, LinkedIn, entre otras</a:t>
+            </a:r>
+            <a:endParaRPr lang="es-CO" dirty="0"/>
+          </a:p>
+        </p:txBody>
+      </p:sp>
+      <p:pic>
+        <p:nvPicPr>
+          <p:cNvPr id="4" name="Imagen 3"/>
+          <p:cNvPicPr>
+            <a:picLocks noChangeAspect="1"/>
+          </p:cNvPicPr>
+          <p:nvPr/>
+        </p:nvPicPr>
+        <p:blipFill>
+          <a:blip r:embed="rId5"/>
+          <a:stretch>
+            <a:fillRect/>
+          </a:stretch>
+        </p:blipFill>
+        <p:spPr>
+          <a:xfrm>
+            <a:off x="3952556" y="4135314"/>
+            <a:ext cx="1227044" cy="1487581"/>
+          </a:xfrm>
+          <a:prstGeom prst="rect">
             <a:avLst/>
           </a:prstGeom>
         </p:spPr>
-        <p:style>
-          <a:lnRef idx="2">
-            <a:schemeClr val="accent4"/>
-          </a:lnRef>
-          <a:fillRef idx="1">
-            <a:schemeClr val="lt1"/>
-          </a:fillRef>
-          <a:effectRef idx="0">
-            <a:schemeClr val="accent4"/>
-          </a:effectRef>
-          <a:fontRef idx="minor">
-            <a:schemeClr val="dk1"/>
-          </a:fontRef>
-        </p:style>
-        <p:txBody>
-          <a:bodyPr rtlCol="0" anchor="ctr"/>
+      </p:pic>
+      <p:pic>
+        <p:nvPicPr>
+          <p:cNvPr id="5" name="Imagen 4"/>
+          <p:cNvPicPr>
+            <a:picLocks noChangeAspect="1"/>
+          </p:cNvPicPr>
+          <p:nvPr/>
+        </p:nvPicPr>
+        <p:blipFill>
+          <a:blip r:embed="rId6"/>
+          <a:stretch>
+            <a:fillRect/>
+          </a:stretch>
+        </p:blipFill>
+        <p:spPr>
+          <a:xfrm>
+            <a:off x="6163173" y="4072280"/>
+            <a:ext cx="1218640" cy="1613647"/>
+          </a:xfrm>
+          <a:prstGeom prst="rect">
+            <a:avLst/>
+          </a:prstGeom>
+        </p:spPr>
+      </p:pic>
+      <p:sp>
+        <p:nvSpPr>
+          <p:cNvPr id="6" name="Rectángulo 5"/>
+          <p:cNvSpPr/>
+          <p:nvPr/>
+        </p:nvSpPr>
+        <p:spPr>
+          <a:xfrm>
+            <a:off x="3723370" y="5757625"/>
+            <a:ext cx="1707775" cy="336695"/>
+          </a:xfrm>
+          <a:prstGeom prst="rect">
+            <a:avLst/>
+          </a:prstGeom>
+        </p:spPr>
+        <p:txBody>
+          <a:bodyPr wrap="none">
+            <a:spAutoFit/>
+          </a:bodyPr>
           <a:lstStyle/>
           <a:p>
-            <a:pPr algn="ctr" defTabSz="403433" fontAlgn="t"/>
-            <a:br>
-              <a:rPr lang="es-ES" sz="1588" b="1" dirty="0">
-                <a:solidFill>
-                  <a:srgbClr val="FF0000"/>
+            <a:pPr defTabSz="403433"/>
+            <a:r>
+              <a:rPr lang="es-ES" sz="1588" dirty="0">
+                <a:solidFill>
+                  <a:prstClr val="black"/>
                 </a:solidFill>
                 <a:latin typeface="Calibri" panose="020F0502020204030204"/>
               </a:rPr>
-            </a:br>
-            <a:r>
-              <a:rPr lang="es-ES" sz="1588" b="1" dirty="0">
-                <a:solidFill>
-                  <a:srgbClr val="FF0000"/>
-                </a:solidFill>
-                <a:latin typeface="Calibri" panose="020F0502020204030204"/>
-              </a:rPr>
-              <a:t>Objetivo:  </a:t>
-            </a:r>
-          </a:p>
-          <a:p>
-            <a:pPr algn="ctr" defTabSz="403433" fontAlgn="t"/>
-            <a:endParaRPr lang="es-ES" sz="1588" b="1" dirty="0">
-              <a:solidFill>
-                <a:srgbClr val="FF0000"/>
-              </a:solidFill>
-              <a:latin typeface="Calibri" panose="020F0502020204030204"/>
-            </a:endParaRPr>
-          </a:p>
-          <a:p>
-            <a:pPr algn="ctr" defTabSz="403433" fontAlgn="t"/>
-            <a:r>
-              <a:rPr lang="es-ES" sz="1588" b="1" dirty="0">
-                <a:solidFill>
-                  <a:srgbClr val="FF0000"/>
-                </a:solidFill>
-                <a:latin typeface="Calibri" panose="020F0502020204030204"/>
-              </a:rPr>
-              <a:t>Objetivo 3: Establecer reglas de calidad en el diccionario de datos</a:t>
-            </a:r>
-          </a:p>
-          <a:p>
-            <a:pPr algn="ctr" defTabSz="403433"/>
+              <a:t>Andy Grove (CEO) </a:t>
+            </a:r>
             <a:endParaRPr lang="es-CO" sz="1588" dirty="0">
               <a:solidFill>
                 <a:prstClr val="black"/>
@@ -9858,434 +9834,90 @@
       </p:sp>
       <p:sp>
         <p:nvSpPr>
-          <p:cNvPr id="5" name="Rectángulo 4"/>
+          <p:cNvPr id="7" name="Rectángulo 6"/>
           <p:cNvSpPr/>
           <p:nvPr/>
         </p:nvSpPr>
         <p:spPr>
           <a:xfrm>
-            <a:off x="893853" y="3182250"/>
-            <a:ext cx="4664467" cy="3156905"/>
+            <a:off x="6100701" y="5757624"/>
+            <a:ext cx="1487715" cy="336695"/>
           </a:xfrm>
           <a:prstGeom prst="rect">
             <a:avLst/>
           </a:prstGeom>
         </p:spPr>
-        <p:style>
-          <a:lnRef idx="2">
-            <a:schemeClr val="accent1"/>
-          </a:lnRef>
-          <a:fillRef idx="1">
-            <a:schemeClr val="lt1"/>
-          </a:fillRef>
-          <a:effectRef idx="0">
-            <a:schemeClr val="accent1"/>
-          </a:effectRef>
-          <a:fontRef idx="minor">
-            <a:schemeClr val="dk1"/>
-          </a:fontRef>
-        </p:style>
-        <p:txBody>
-          <a:bodyPr rtlCol="0" anchor="t"/>
+        <p:txBody>
+          <a:bodyPr wrap="none">
+            <a:spAutoFit/>
+          </a:bodyPr>
           <a:lstStyle/>
           <a:p>
-            <a:pPr algn="ctr" defTabSz="403433"/>
-            <a:r>
-              <a:rPr lang="es-ES" sz="1412" b="1" dirty="0">
-                <a:solidFill>
-                  <a:srgbClr val="5B9BD5"/>
+            <a:pPr defTabSz="403433"/>
+            <a:r>
+              <a:rPr lang="es-ES" sz="1588" dirty="0">
+                <a:solidFill>
+                  <a:prstClr val="black"/>
                 </a:solidFill>
                 <a:latin typeface="Calibri" panose="020F0502020204030204"/>
               </a:rPr>
-              <a:t>KR1:Incrementar la proporción de atributos privados que tienen definida las reglas de calidad, para los dominios críticos en un 60% para los próximos 3 meses.</a:t>
-            </a:r>
-          </a:p>
-          <a:p>
-            <a:pPr marL="252146" indent="-252146" defTabSz="403433">
-              <a:buFont typeface="Arial" panose="020B0604020202020204" pitchFamily="34" charset="0"/>
-              <a:buChar char="•"/>
-            </a:pPr>
-            <a:endParaRPr lang="es-ES" sz="1412" dirty="0">
+              <a:t>John </a:t>
+            </a:r>
+            <a:r>
+              <a:rPr lang="es-ES" sz="1588" dirty="0" err="1">
+                <a:solidFill>
+                  <a:prstClr val="black"/>
+                </a:solidFill>
+                <a:latin typeface="Calibri" panose="020F0502020204030204"/>
+              </a:rPr>
+              <a:t>Doerr</a:t>
+            </a:r>
+            <a:r>
+              <a:rPr lang="es-ES" sz="1588" dirty="0">
+                <a:solidFill>
+                  <a:prstClr val="black"/>
+                </a:solidFill>
+                <a:latin typeface="Calibri" panose="020F0502020204030204"/>
+              </a:rPr>
+              <a:t> (VC)</a:t>
+            </a:r>
+            <a:endParaRPr lang="es-CO" sz="1588" dirty="0">
               <a:solidFill>
                 <a:prstClr val="black"/>
               </a:solidFill>
               <a:latin typeface="Calibri" panose="020F0502020204030204"/>
             </a:endParaRPr>
           </a:p>
-          <a:p>
-            <a:pPr marL="252146" indent="-252146" defTabSz="403433">
-              <a:buFont typeface="Arial" panose="020B0604020202020204" pitchFamily="34" charset="0"/>
-              <a:buChar char="•"/>
-            </a:pPr>
-            <a:r>
-              <a:rPr lang="es-ES" sz="1400" dirty="0" err="1">
-                <a:solidFill>
-                  <a:prstClr val="black"/>
-                </a:solidFill>
-                <a:latin typeface="Calibri" panose="020F0502020204030204"/>
-              </a:rPr>
-              <a:t>ToDO</a:t>
-            </a:r>
-            <a:r>
-              <a:rPr lang="es-ES" sz="1400" dirty="0">
-                <a:solidFill>
-                  <a:prstClr val="black"/>
-                </a:solidFill>
-                <a:latin typeface="Calibri" panose="020F0502020204030204"/>
-              </a:rPr>
-              <a:t>: </a:t>
-            </a:r>
-            <a:r>
-              <a:rPr lang="es-ES" sz="1400" b="0" i="0" dirty="0">
-                <a:effectLst/>
-                <a:latin typeface="__fkGroteskNeue_598ab8"/>
-              </a:rPr>
-              <a:t>Reunir a los representantes del negocio de desarrollo y de calidad para identificar y listar los atributos privados.</a:t>
-            </a:r>
-          </a:p>
-          <a:p>
-            <a:pPr marL="252146" indent="-252146" defTabSz="403433">
-              <a:buFont typeface="Arial" panose="020B0604020202020204" pitchFamily="34" charset="0"/>
-              <a:buChar char="•"/>
-            </a:pPr>
-            <a:r>
-              <a:rPr lang="es-ES" sz="1412" dirty="0" err="1">
-                <a:solidFill>
-                  <a:prstClr val="black"/>
-                </a:solidFill>
-                <a:latin typeface="Calibri" panose="020F0502020204030204"/>
-              </a:rPr>
-              <a:t>ToDO</a:t>
-            </a:r>
-            <a:r>
-              <a:rPr lang="es-ES" sz="1412" dirty="0">
-                <a:solidFill>
-                  <a:prstClr val="black"/>
-                </a:solidFill>
-                <a:latin typeface="Calibri" panose="020F0502020204030204"/>
-              </a:rPr>
-              <a:t>: </a:t>
-            </a:r>
-            <a:r>
-              <a:rPr lang="es-ES" sz="1400" dirty="0">
-                <a:solidFill>
-                  <a:prstClr val="black"/>
-                </a:solidFill>
-                <a:latin typeface="Calibri" panose="020F0502020204030204"/>
-              </a:rPr>
-              <a:t>Documentar con los interesados del negocio y los representantes de la oficina de datos, las reglas específicas para cada atributo.</a:t>
-            </a:r>
-          </a:p>
-          <a:p>
-            <a:pPr marL="252146" indent="-252146" defTabSz="403433">
-              <a:buFont typeface="Arial" panose="020B0604020202020204" pitchFamily="34" charset="0"/>
-              <a:buChar char="•"/>
-            </a:pPr>
-            <a:r>
-              <a:rPr lang="es-ES" sz="1400" dirty="0" err="1">
-                <a:solidFill>
-                  <a:prstClr val="black"/>
-                </a:solidFill>
-                <a:latin typeface="Calibri" panose="020F0502020204030204"/>
-              </a:rPr>
-              <a:t>ToDO</a:t>
-            </a:r>
-            <a:r>
-              <a:rPr lang="es-ES" sz="1400" dirty="0">
-                <a:solidFill>
-                  <a:prstClr val="black"/>
-                </a:solidFill>
-                <a:latin typeface="Calibri" panose="020F0502020204030204"/>
-              </a:rPr>
-              <a:t>: Organizar talleres o sesiones de formación sobre las reglas de calidad definidas.</a:t>
-            </a:r>
-          </a:p>
-        </p:txBody>
-      </p:sp>
-      <p:sp>
-        <p:nvSpPr>
-          <p:cNvPr id="6" name="Rectángulo 5"/>
-          <p:cNvSpPr/>
+        </p:txBody>
+      </p:sp>
+      <p:pic>
+        <p:nvPicPr>
+          <p:cNvPr id="9" name="Imagen 8"/>
+          <p:cNvPicPr>
+            <a:picLocks noChangeAspect="1"/>
+          </p:cNvPicPr>
           <p:nvPr/>
-        </p:nvSpPr>
+        </p:nvPicPr>
+        <p:blipFill>
+          <a:blip r:embed="rId7"/>
+          <a:stretch>
+            <a:fillRect/>
+          </a:stretch>
+        </p:blipFill>
         <p:spPr>
           <a:xfrm>
-            <a:off x="6003091" y="3182250"/>
-            <a:ext cx="5041627" cy="3156905"/>
+            <a:off x="5019886" y="2848195"/>
+            <a:ext cx="1403111" cy="958961"/>
           </a:xfrm>
           <a:prstGeom prst="rect">
             <a:avLst/>
           </a:prstGeom>
         </p:spPr>
-        <p:style>
-          <a:lnRef idx="2">
-            <a:schemeClr val="accent2"/>
-          </a:lnRef>
-          <a:fillRef idx="1">
-            <a:schemeClr val="lt1"/>
-          </a:fillRef>
-          <a:effectRef idx="0">
-            <a:schemeClr val="accent2"/>
-          </a:effectRef>
-          <a:fontRef idx="minor">
-            <a:schemeClr val="dk1"/>
-          </a:fontRef>
-        </p:style>
-        <p:txBody>
-          <a:bodyPr rtlCol="0" anchor="t"/>
-          <a:lstStyle/>
-          <a:p>
-            <a:pPr algn="ctr" defTabSz="403433"/>
-            <a:r>
-              <a:rPr lang="es-ES" sz="1412" b="1" dirty="0">
-                <a:solidFill>
-                  <a:srgbClr val="FFC000"/>
-                </a:solidFill>
-                <a:latin typeface="Calibri" panose="020F0502020204030204"/>
-              </a:rPr>
-              <a:t>KR2: Al finalizar el año, el 90% las reglas de calidad definidas deben quedar implementadas en los sistemas ERP y el portal B2C, para al menos 3 dominios de datos.</a:t>
-            </a:r>
-            <a:endParaRPr lang="es-ES" sz="1412" dirty="0">
-              <a:solidFill>
-                <a:prstClr val="black"/>
-              </a:solidFill>
-              <a:latin typeface="Calibri" panose="020F0502020204030204"/>
-            </a:endParaRPr>
-          </a:p>
-          <a:p>
-            <a:pPr marL="252146" indent="-252146" defTabSz="403433">
-              <a:buFont typeface="Arial" panose="020B0604020202020204" pitchFamily="34" charset="0"/>
-              <a:buChar char="•"/>
-            </a:pPr>
-            <a:endParaRPr lang="es-ES" sz="1412" dirty="0">
-              <a:solidFill>
-                <a:prstClr val="black"/>
-              </a:solidFill>
-              <a:latin typeface="Calibri" panose="020F0502020204030204"/>
-            </a:endParaRPr>
-          </a:p>
-          <a:p>
-            <a:pPr marL="252146" indent="-252146" defTabSz="403433">
-              <a:buFont typeface="Arial" panose="020B0604020202020204" pitchFamily="34" charset="0"/>
-              <a:buChar char="•"/>
-            </a:pPr>
-            <a:r>
-              <a:rPr lang="es-ES" sz="1412" dirty="0" err="1">
-                <a:solidFill>
-                  <a:prstClr val="black"/>
-                </a:solidFill>
-                <a:latin typeface="Calibri" panose="020F0502020204030204"/>
-              </a:rPr>
-              <a:t>ToDO</a:t>
-            </a:r>
-            <a:r>
-              <a:rPr lang="es-ES" sz="1412" dirty="0">
-                <a:solidFill>
-                  <a:prstClr val="black"/>
-                </a:solidFill>
-                <a:latin typeface="Calibri" panose="020F0502020204030204"/>
-              </a:rPr>
-              <a:t>: Junto con los representantes del negocio, llevar a cabo la definición de los 3 dominios de datos</a:t>
-            </a:r>
-          </a:p>
-          <a:p>
-            <a:pPr marL="252146" indent="-252146" defTabSz="403433">
-              <a:buFont typeface="Arial" panose="020B0604020202020204" pitchFamily="34" charset="0"/>
-              <a:buChar char="•"/>
-            </a:pPr>
-            <a:r>
-              <a:rPr lang="es-ES" sz="1412" dirty="0" err="1">
-                <a:solidFill>
-                  <a:prstClr val="black"/>
-                </a:solidFill>
-                <a:latin typeface="Calibri" panose="020F0502020204030204"/>
-              </a:rPr>
-              <a:t>ToDO</a:t>
-            </a:r>
-            <a:r>
-              <a:rPr lang="es-ES" sz="1412" dirty="0">
-                <a:solidFill>
-                  <a:prstClr val="black"/>
-                </a:solidFill>
-                <a:latin typeface="Calibri" panose="020F0502020204030204"/>
-              </a:rPr>
-              <a:t>: Identificar las brechas en la implementación de las reglas de calidad en los sistemas ERP y el portal B2C actuales.</a:t>
-            </a:r>
-          </a:p>
-          <a:p>
-            <a:pPr marL="252146" indent="-252146" defTabSz="403433">
-              <a:buFont typeface="Arial" panose="020B0604020202020204" pitchFamily="34" charset="0"/>
-              <a:buChar char="•"/>
-            </a:pPr>
-            <a:r>
-              <a:rPr lang="es-ES" sz="1412" dirty="0" err="1">
-                <a:solidFill>
-                  <a:prstClr val="black"/>
-                </a:solidFill>
-                <a:latin typeface="Calibri" panose="020F0502020204030204"/>
-              </a:rPr>
-              <a:t>ToDO</a:t>
-            </a:r>
-            <a:r>
-              <a:rPr lang="es-ES" sz="1412" dirty="0">
-                <a:solidFill>
-                  <a:prstClr val="black"/>
-                </a:solidFill>
-                <a:latin typeface="Calibri" panose="020F0502020204030204"/>
-              </a:rPr>
-              <a:t>: Desarrollar un plan detallado para implementar las reglas de calidad en los sistemas.</a:t>
-            </a:r>
-          </a:p>
-          <a:p>
-            <a:pPr marL="252146" indent="-252146" defTabSz="403433">
-              <a:buFont typeface="Arial" panose="020B0604020202020204" pitchFamily="34" charset="0"/>
-              <a:buChar char="•"/>
-            </a:pPr>
-            <a:r>
-              <a:rPr lang="es-ES" sz="1412" dirty="0" err="1">
-                <a:solidFill>
-                  <a:prstClr val="black"/>
-                </a:solidFill>
-                <a:latin typeface="Calibri" panose="020F0502020204030204"/>
-              </a:rPr>
-              <a:t>ToDO</a:t>
-            </a:r>
-            <a:r>
-              <a:rPr lang="es-ES" sz="1412" dirty="0">
-                <a:solidFill>
-                  <a:prstClr val="black"/>
-                </a:solidFill>
-                <a:latin typeface="Calibri" panose="020F0502020204030204"/>
-              </a:rPr>
-              <a:t>: Configurar y ajustar los sistemas ERP y B2C según las reglas definidas.</a:t>
-            </a:r>
-          </a:p>
-          <a:p>
-            <a:pPr marL="252146" indent="-252146" defTabSz="403433">
-              <a:buFont typeface="Arial" panose="020B0604020202020204" pitchFamily="34" charset="0"/>
-              <a:buChar char="•"/>
-            </a:pPr>
-            <a:r>
-              <a:rPr lang="es-ES" sz="1412" dirty="0" err="1">
-                <a:solidFill>
-                  <a:prstClr val="black"/>
-                </a:solidFill>
-                <a:latin typeface="Calibri" panose="020F0502020204030204"/>
-              </a:rPr>
-              <a:t>ToDO</a:t>
-            </a:r>
-            <a:r>
-              <a:rPr lang="es-ES" sz="1412" dirty="0">
-                <a:solidFill>
-                  <a:prstClr val="black"/>
-                </a:solidFill>
-                <a:latin typeface="Calibri" panose="020F0502020204030204"/>
-              </a:rPr>
-              <a:t>: Realizar pruebas con usuarios finales para validar la implementación.</a:t>
-            </a:r>
-            <a:endParaRPr lang="es-CO" sz="1412" dirty="0">
-              <a:solidFill>
-                <a:prstClr val="black"/>
-              </a:solidFill>
-              <a:latin typeface="Calibri" panose="020F0502020204030204"/>
-            </a:endParaRPr>
-          </a:p>
-        </p:txBody>
-      </p:sp>
-      <p:sp>
-        <p:nvSpPr>
-          <p:cNvPr id="9" name="Flecha curvada hacia arriba 8"/>
-          <p:cNvSpPr/>
-          <p:nvPr/>
-        </p:nvSpPr>
-        <p:spPr>
-          <a:xfrm rot="15554661">
-            <a:off x="9133930" y="1843137"/>
-            <a:ext cx="1217754" cy="904014"/>
-          </a:xfrm>
-          <a:prstGeom prst="curvedUpArrow">
-            <a:avLst/>
-          </a:prstGeom>
-        </p:spPr>
-        <p:style>
-          <a:lnRef idx="2">
-            <a:schemeClr val="accent1">
-              <a:shade val="50000"/>
-            </a:schemeClr>
-          </a:lnRef>
-          <a:fillRef idx="1">
-            <a:schemeClr val="accent1"/>
-          </a:fillRef>
-          <a:effectRef idx="0">
-            <a:schemeClr val="accent1"/>
-          </a:effectRef>
-          <a:fontRef idx="minor">
-            <a:schemeClr val="lt1"/>
-          </a:fontRef>
-        </p:style>
-        <p:txBody>
-          <a:bodyPr rtlCol="0" anchor="ctr"/>
-          <a:lstStyle/>
-          <a:p>
-            <a:pPr algn="ctr" defTabSz="403433"/>
-            <a:endParaRPr lang="es-CO" sz="1588">
-              <a:solidFill>
-                <a:prstClr val="black"/>
-              </a:solidFill>
-              <a:latin typeface="Calibri" panose="020F0502020204030204"/>
-            </a:endParaRPr>
-          </a:p>
-        </p:txBody>
-      </p:sp>
-      <p:sp>
-        <p:nvSpPr>
-          <p:cNvPr id="12" name="Flecha curvada hacia abajo 11"/>
-          <p:cNvSpPr/>
-          <p:nvPr/>
-        </p:nvSpPr>
-        <p:spPr>
-          <a:xfrm rot="16511849">
-            <a:off x="1929591" y="2028828"/>
-            <a:ext cx="1220803" cy="826601"/>
-          </a:xfrm>
-          <a:prstGeom prst="curvedDownArrow">
-            <a:avLst/>
-          </a:prstGeom>
-        </p:spPr>
-        <p:style>
-          <a:lnRef idx="2">
-            <a:schemeClr val="accent1">
-              <a:shade val="50000"/>
-            </a:schemeClr>
-          </a:lnRef>
-          <a:fillRef idx="1">
-            <a:schemeClr val="accent1"/>
-          </a:fillRef>
-          <a:effectRef idx="0">
-            <a:schemeClr val="accent1"/>
-          </a:effectRef>
-          <a:fontRef idx="minor">
-            <a:schemeClr val="lt1"/>
-          </a:fontRef>
-        </p:style>
-        <p:txBody>
-          <a:bodyPr rtlCol="0" anchor="ctr"/>
-          <a:lstStyle/>
-          <a:p>
-            <a:pPr algn="ctr" defTabSz="403433"/>
-            <a:endParaRPr lang="es-CO" sz="1588">
-              <a:solidFill>
-                <a:prstClr val="black"/>
-              </a:solidFill>
-              <a:latin typeface="Calibri" panose="020F0502020204030204"/>
-            </a:endParaRPr>
-          </a:p>
-        </p:txBody>
-      </p:sp>
+      </p:pic>
     </p:spTree>
     <p:extLst>
       <p:ext uri="{BB962C8B-B14F-4D97-AF65-F5344CB8AC3E}">
-        <p14:creationId xmlns:p14="http://schemas.microsoft.com/office/powerpoint/2010/main" val="1546938597"/>
+        <p14:creationId xmlns:p14="http://schemas.microsoft.com/office/powerpoint/2010/main" val="1142927237"/>
       </p:ext>
     </p:extLst>
   </p:cSld>
